--- a/five-things-excel-python.pptx
+++ b/five-things-excel-python.pptx
@@ -5,38 +5,34 @@
     <p:sldMasterId id="2147483648" r:id="rId1"/>
   </p:sldMasterIdLst>
   <p:notesMasterIdLst>
-    <p:notesMasterId r:id="rId31"/>
+    <p:notesMasterId r:id="rId27"/>
   </p:notesMasterIdLst>
   <p:sldIdLst>
-    <p:sldId id="256" r:id="rId2"/>
-    <p:sldId id="353" r:id="rId3"/>
-    <p:sldId id="258" r:id="rId4"/>
-    <p:sldId id="330" r:id="rId5"/>
-    <p:sldId id="266" r:id="rId6"/>
-    <p:sldId id="267" r:id="rId7"/>
-    <p:sldId id="352" r:id="rId8"/>
-    <p:sldId id="328" r:id="rId9"/>
-    <p:sldId id="324" r:id="rId10"/>
-    <p:sldId id="341" r:id="rId11"/>
-    <p:sldId id="348" r:id="rId12"/>
-    <p:sldId id="340" r:id="rId13"/>
-    <p:sldId id="349" r:id="rId14"/>
-    <p:sldId id="275" r:id="rId15"/>
-    <p:sldId id="344" r:id="rId16"/>
-    <p:sldId id="351" r:id="rId17"/>
-    <p:sldId id="342" r:id="rId18"/>
-    <p:sldId id="347" r:id="rId19"/>
-    <p:sldId id="354" r:id="rId20"/>
-    <p:sldId id="322" r:id="rId21"/>
-    <p:sldId id="350" r:id="rId22"/>
-    <p:sldId id="343" r:id="rId23"/>
-    <p:sldId id="346" r:id="rId24"/>
-    <p:sldId id="329" r:id="rId25"/>
-    <p:sldId id="306" r:id="rId26"/>
-    <p:sldId id="338" r:id="rId27"/>
-    <p:sldId id="339" r:id="rId28"/>
-    <p:sldId id="316" r:id="rId29"/>
-    <p:sldId id="336" r:id="rId30"/>
+    <p:sldId id="356" r:id="rId2"/>
+    <p:sldId id="258" r:id="rId3"/>
+    <p:sldId id="267" r:id="rId4"/>
+    <p:sldId id="352" r:id="rId5"/>
+    <p:sldId id="328" r:id="rId6"/>
+    <p:sldId id="324" r:id="rId7"/>
+    <p:sldId id="341" r:id="rId8"/>
+    <p:sldId id="348" r:id="rId9"/>
+    <p:sldId id="340" r:id="rId10"/>
+    <p:sldId id="349" r:id="rId11"/>
+    <p:sldId id="275" r:id="rId12"/>
+    <p:sldId id="344" r:id="rId13"/>
+    <p:sldId id="351" r:id="rId14"/>
+    <p:sldId id="342" r:id="rId15"/>
+    <p:sldId id="347" r:id="rId16"/>
+    <p:sldId id="354" r:id="rId17"/>
+    <p:sldId id="350" r:id="rId18"/>
+    <p:sldId id="343" r:id="rId19"/>
+    <p:sldId id="355" r:id="rId20"/>
+    <p:sldId id="329" r:id="rId21"/>
+    <p:sldId id="306" r:id="rId22"/>
+    <p:sldId id="357" r:id="rId23"/>
+    <p:sldId id="433" r:id="rId24"/>
+    <p:sldId id="434" r:id="rId25"/>
+    <p:sldId id="432" r:id="rId26"/>
   </p:sldIdLst>
   <p:sldSz cx="12192000" cy="6858000"/>
   <p:notesSz cx="6858000" cy="9144000"/>
@@ -1855,7 +1851,7 @@
           <a:p>
             <a:fld id="{4A469429-6ED5-4301-866D-519E2D1EB5BF}" type="datetimeFigureOut">
               <a:rPr lang="en-US" smtClean="0"/>
-              <a:t>7/31/2021</a:t>
+              <a:t>8/14/2021</a:t>
             </a:fld>
             <a:endParaRPr lang="en-US"/>
           </a:p>
@@ -2166,10 +2162,7 @@
           <a:bodyPr/>
           <a:lstStyle/>
           <a:p>
-            <a:r>
-              <a:rPr lang="en-US" dirty="0"/>
-              <a:t>Welcome everyone to the presentation, I am looking forward to it. </a:t>
-            </a:r>
+            <a:endParaRPr lang="en-US" dirty="0"/>
           </a:p>
         </p:txBody>
       </p:sp>
@@ -2199,7 +2192,7 @@
     </p:spTree>
     <p:extLst>
       <p:ext uri="{BB962C8B-B14F-4D97-AF65-F5344CB8AC3E}">
-        <p14:creationId xmlns:p14="http://schemas.microsoft.com/office/powerpoint/2010/main" val="2316507564"/>
+        <p14:creationId xmlns:p14="http://schemas.microsoft.com/office/powerpoint/2010/main" val="2454999941"/>
       </p:ext>
     </p:extLst>
   </p:cSld>
@@ -2283,7 +2276,7 @@
     </p:spTree>
     <p:extLst>
       <p:ext uri="{BB962C8B-B14F-4D97-AF65-F5344CB8AC3E}">
-        <p14:creationId xmlns:p14="http://schemas.microsoft.com/office/powerpoint/2010/main" val="4257777998"/>
+        <p14:creationId xmlns:p14="http://schemas.microsoft.com/office/powerpoint/2010/main" val="3230393688"/>
       </p:ext>
     </p:extLst>
   </p:cSld>
@@ -2339,15 +2332,7 @@
           <a:p>
             <a:r>
               <a:rPr lang="en-US" dirty="0"/>
-              <a:t>OK so what we are going to do here is go back to your session or open a new one. Go to the </a:t>
-            </a:r>
-            <a:r>
-              <a:rPr lang="en-US" dirty="0" err="1"/>
-              <a:t>diamonds.r</a:t>
-            </a:r>
-            <a:r>
-              <a:rPr lang="en-US" dirty="0"/>
-              <a:t> dataset. And let’s actually conduct the analysis that was hinted at earlier. </a:t>
+              <a:t>Now another thing unique to open source programs is this idea of packages. You can kind of think of this as like add-ins for Excel – the analogy I like to use is as apps on a phone. </a:t>
             </a:r>
           </a:p>
         </p:txBody>
@@ -2378,7 +2363,7 @@
     </p:spTree>
     <p:extLst>
       <p:ext uri="{BB962C8B-B14F-4D97-AF65-F5344CB8AC3E}">
-        <p14:creationId xmlns:p14="http://schemas.microsoft.com/office/powerpoint/2010/main" val="3669274824"/>
+        <p14:creationId xmlns:p14="http://schemas.microsoft.com/office/powerpoint/2010/main" val="246833019"/>
       </p:ext>
     </p:extLst>
   </p:cSld>
@@ -2432,7 +2417,19 @@
           <a:bodyPr/>
           <a:lstStyle/>
           <a:p>
+            <a:r>
+              <a:rPr lang="en-US" dirty="0"/>
+              <a:t>OK again, what I want to do here is just show you the basics of working with Jupyter. You will see in the repo there is an option to launch an interactive session, so do that and let’s navigate the four sections of Jupyter and get comfortable working there. </a:t>
+            </a:r>
+          </a:p>
+          <a:p>
             <a:endParaRPr lang="en-US" dirty="0"/>
+          </a:p>
+          <a:p>
+            <a:r>
+              <a:rPr lang="en-US" dirty="0"/>
+              <a:t>Possibly come up with some demo notes for this  </a:t>
+            </a:r>
           </a:p>
         </p:txBody>
       </p:sp>
@@ -2462,7 +2459,7 @@
     </p:spTree>
     <p:extLst>
       <p:ext uri="{BB962C8B-B14F-4D97-AF65-F5344CB8AC3E}">
-        <p14:creationId xmlns:p14="http://schemas.microsoft.com/office/powerpoint/2010/main" val="1548743503"/>
+        <p14:creationId xmlns:p14="http://schemas.microsoft.com/office/powerpoint/2010/main" val="1541855448"/>
       </p:ext>
     </p:extLst>
   </p:cSld>
@@ -2516,7 +2513,25 @@
           <a:bodyPr/>
           <a:lstStyle/>
           <a:p>
+            <a:r>
+              <a:rPr lang="en-US" dirty="0"/>
+              <a:t>Any questions so far about using R? </a:t>
+            </a:r>
+          </a:p>
+          <a:p>
+            <a:r>
+              <a:rPr lang="en-US" dirty="0"/>
+              <a:t>Again I just want to show you how easy it is to get up and running there as an Excel user and what to expect when working with open source programs. </a:t>
+            </a:r>
+          </a:p>
+          <a:p>
             <a:endParaRPr lang="en-US" dirty="0"/>
+          </a:p>
+          <a:p>
+            <a:r>
+              <a:rPr lang="en-US" dirty="0"/>
+              <a:t>Now I guess one of the questions I might have in your shoes is what’s the big deal, we can do the same kind of stuff with Power Query. So I want to acknowledge that. </a:t>
+            </a:r>
           </a:p>
         </p:txBody>
       </p:sp>
@@ -2546,7 +2561,7 @@
     </p:spTree>
     <p:extLst>
       <p:ext uri="{BB962C8B-B14F-4D97-AF65-F5344CB8AC3E}">
-        <p14:creationId xmlns:p14="http://schemas.microsoft.com/office/powerpoint/2010/main" val="3230393688"/>
+        <p14:creationId xmlns:p14="http://schemas.microsoft.com/office/powerpoint/2010/main" val="847681158"/>
       </p:ext>
     </p:extLst>
   </p:cSld>
@@ -2600,10 +2615,7 @@
           <a:bodyPr/>
           <a:lstStyle/>
           <a:p>
-            <a:r>
-              <a:rPr lang="en-US" dirty="0"/>
-              <a:t>Now another thing unique to open source programs is this idea of packages. You can kind of think of this as like add-ins for Excel – the analogy I like to use is as apps on a phone. </a:t>
-            </a:r>
+            <a:endParaRPr lang="en-US" dirty="0"/>
           </a:p>
         </p:txBody>
       </p:sp>
@@ -2633,7 +2645,7 @@
     </p:spTree>
     <p:extLst>
       <p:ext uri="{BB962C8B-B14F-4D97-AF65-F5344CB8AC3E}">
-        <p14:creationId xmlns:p14="http://schemas.microsoft.com/office/powerpoint/2010/main" val="246833019"/>
+        <p14:creationId xmlns:p14="http://schemas.microsoft.com/office/powerpoint/2010/main" val="157423635"/>
       </p:ext>
     </p:extLst>
   </p:cSld>
@@ -2689,16 +2701,7 @@
           <a:p>
             <a:r>
               <a:rPr lang="en-US" dirty="0"/>
-              <a:t>OK again, what I want to do here is just show you the basics of working with Jupyter. You will see in the repo there is an option to launch an interactive session, so do that and let’s navigate the four sections of Jupyter and get comfortable working there. </a:t>
-            </a:r>
-          </a:p>
-          <a:p>
-            <a:endParaRPr lang="en-US" dirty="0"/>
-          </a:p>
-          <a:p>
-            <a:r>
-              <a:rPr lang="en-US" dirty="0"/>
-              <a:t>Possibly come up with some demo notes for this  </a:t>
+              <a:t>Now another thing unique to open source programs is this idea of packages. You can kind of think of this as like add-ins for Excel – the analogy I like to use is as apps on a phone. </a:t>
             </a:r>
           </a:p>
         </p:txBody>
@@ -2729,7 +2732,7 @@
     </p:spTree>
     <p:extLst>
       <p:ext uri="{BB962C8B-B14F-4D97-AF65-F5344CB8AC3E}">
-        <p14:creationId xmlns:p14="http://schemas.microsoft.com/office/powerpoint/2010/main" val="1541855448"/>
+        <p14:creationId xmlns:p14="http://schemas.microsoft.com/office/powerpoint/2010/main" val="2453663335"/>
       </p:ext>
     </p:extLst>
   </p:cSld>
@@ -2785,22 +2788,7 @@
           <a:p>
             <a:r>
               <a:rPr lang="en-US" dirty="0"/>
-              <a:t>Any questions so far about using R? </a:t>
-            </a:r>
-          </a:p>
-          <a:p>
-            <a:r>
-              <a:rPr lang="en-US" dirty="0"/>
-              <a:t>Again I just want to show you how easy it is to get up and running there as an Excel user and what to expect when working with open source programs. </a:t>
-            </a:r>
-          </a:p>
-          <a:p>
-            <a:endParaRPr lang="en-US" dirty="0"/>
-          </a:p>
-          <a:p>
-            <a:r>
-              <a:rPr lang="en-US" dirty="0"/>
-              <a:t>Now I guess one of the questions I might have in your shoes is what’s the big deal, we can do the same kind of stuff with Power Query. So I want to acknowledge that. </a:t>
+              <a:t>Now another thing unique to open source programs is this idea of packages. You can kind of think of this as like add-ins for Excel – the analogy I like to use is as apps on a phone. </a:t>
             </a:r>
           </a:p>
         </p:txBody>
@@ -2831,7 +2819,7 @@
     </p:spTree>
     <p:extLst>
       <p:ext uri="{BB962C8B-B14F-4D97-AF65-F5344CB8AC3E}">
-        <p14:creationId xmlns:p14="http://schemas.microsoft.com/office/powerpoint/2010/main" val="847681158"/>
+        <p14:creationId xmlns:p14="http://schemas.microsoft.com/office/powerpoint/2010/main" val="4160286385"/>
       </p:ext>
     </p:extLst>
   </p:cSld>
@@ -2885,7 +2873,27 @@
           <a:bodyPr/>
           <a:lstStyle/>
           <a:p>
+            <a:r>
+              <a:rPr lang="en-US" dirty="0"/>
+              <a:t>One of the things that people get confused about is why learn Python if you’re getting into Power Query… or which to focus on.</a:t>
+            </a:r>
+          </a:p>
+          <a:p>
             <a:endParaRPr lang="en-US" dirty="0"/>
+          </a:p>
+          <a:p>
+            <a:r>
+              <a:rPr lang="en-US" dirty="0"/>
+              <a:t>You’re not leaving Microsoft’s stack. I have some documentation and a great book here. Now of course these are more about </a:t>
+            </a:r>
+            <a:r>
+              <a:rPr lang="en-US" dirty="0" err="1"/>
+              <a:t>PowerBI</a:t>
+            </a:r>
+            <a:r>
+              <a:rPr lang="en-US" dirty="0"/>
+              <a:t> but there’s every indication there’s more to come with Excel. </a:t>
+            </a:r>
           </a:p>
         </p:txBody>
       </p:sp>
@@ -2915,7 +2923,7 @@
     </p:spTree>
     <p:extLst>
       <p:ext uri="{BB962C8B-B14F-4D97-AF65-F5344CB8AC3E}">
-        <p14:creationId xmlns:p14="http://schemas.microsoft.com/office/powerpoint/2010/main" val="157423635"/>
+        <p14:creationId xmlns:p14="http://schemas.microsoft.com/office/powerpoint/2010/main" val="748458497"/>
       </p:ext>
     </p:extLst>
   </p:cSld>
@@ -2971,7 +2979,7 @@
           <a:p>
             <a:r>
               <a:rPr lang="en-US" dirty="0"/>
-              <a:t>Now another thing unique to open source programs is this idea of packages. You can kind of think of this as like add-ins for Excel – the analogy I like to use is as apps on a phone. </a:t>
+              <a:t>Now this is scary, it’s literally learning another language! </a:t>
             </a:r>
           </a:p>
         </p:txBody>
@@ -3002,7 +3010,7 @@
     </p:spTree>
     <p:extLst>
       <p:ext uri="{BB962C8B-B14F-4D97-AF65-F5344CB8AC3E}">
-        <p14:creationId xmlns:p14="http://schemas.microsoft.com/office/powerpoint/2010/main" val="2453663335"/>
+        <p14:creationId xmlns:p14="http://schemas.microsoft.com/office/powerpoint/2010/main" val="3399850265"/>
       </p:ext>
     </p:extLst>
   </p:cSld>
@@ -3058,7 +3066,16 @@
           <a:p>
             <a:r>
               <a:rPr lang="en-US" dirty="0"/>
-              <a:t>Now another thing unique to open source programs is this idea of packages. You can kind of think of this as like add-ins for Excel – the analogy I like to use is as apps on a phone. </a:t>
+              <a:t>OK again, what I want to do here is just show you the basics of working with Jupyter. You will see in the repo there is an option to launch an interactive session, so do that and let’s navigate the four sections of Jupyter and get comfortable working there. </a:t>
+            </a:r>
+          </a:p>
+          <a:p>
+            <a:endParaRPr lang="en-US" dirty="0"/>
+          </a:p>
+          <a:p>
+            <a:r>
+              <a:rPr lang="en-US" dirty="0"/>
+              <a:t>Possibly come up with some demo notes for this  </a:t>
             </a:r>
           </a:p>
         </p:txBody>
@@ -3089,7 +3106,7 @@
     </p:spTree>
     <p:extLst>
       <p:ext uri="{BB962C8B-B14F-4D97-AF65-F5344CB8AC3E}">
-        <p14:creationId xmlns:p14="http://schemas.microsoft.com/office/powerpoint/2010/main" val="4160286385"/>
+        <p14:creationId xmlns:p14="http://schemas.microsoft.com/office/powerpoint/2010/main" val="2244508521"/>
       </p:ext>
     </p:extLst>
   </p:cSld>
@@ -3143,10 +3160,7 @@
           <a:bodyPr/>
           <a:lstStyle/>
           <a:p>
-            <a:r>
-              <a:rPr lang="en-US" dirty="0"/>
-              <a:t>Welcome everyone to the presentation, I am looking forward to it. </a:t>
-            </a:r>
+            <a:endParaRPr lang="en-US" dirty="0"/>
           </a:p>
         </p:txBody>
       </p:sp>
@@ -3176,7 +3190,7 @@
     </p:spTree>
     <p:extLst>
       <p:ext uri="{BB962C8B-B14F-4D97-AF65-F5344CB8AC3E}">
-        <p14:creationId xmlns:p14="http://schemas.microsoft.com/office/powerpoint/2010/main" val="353903825"/>
+        <p14:creationId xmlns:p14="http://schemas.microsoft.com/office/powerpoint/2010/main" val="2213468204"/>
       </p:ext>
     </p:extLst>
   </p:cSld>
@@ -3232,15 +3246,22 @@
           <a:p>
             <a:r>
               <a:rPr lang="en-US" dirty="0"/>
-              <a:t>OK so what we are going to do here is go back to your session or open a new one. Go to the </a:t>
-            </a:r>
-            <a:r>
-              <a:rPr lang="en-US" dirty="0" err="1"/>
-              <a:t>diamonds.r</a:t>
-            </a:r>
+              <a:t>Any questions so far about using R? </a:t>
+            </a:r>
+          </a:p>
+          <a:p>
             <a:r>
               <a:rPr lang="en-US" dirty="0"/>
-              <a:t> dataset. And let’s actually conduct the analysis that was hinted at earlier. </a:t>
+              <a:t>Again I just want to show you how easy it is to get up and running there as an Excel user and what to expect when working with open source programs. </a:t>
+            </a:r>
+          </a:p>
+          <a:p>
+            <a:endParaRPr lang="en-US" dirty="0"/>
+          </a:p>
+          <a:p>
+            <a:r>
+              <a:rPr lang="en-US" dirty="0"/>
+              <a:t>Now I guess one of the questions I might have in your shoes is what’s the big deal, we can do the same kind of stuff with Power Query. So I want to acknowledge that. </a:t>
             </a:r>
           </a:p>
         </p:txBody>
@@ -3271,7 +3292,7 @@
     </p:spTree>
     <p:extLst>
       <p:ext uri="{BB962C8B-B14F-4D97-AF65-F5344CB8AC3E}">
-        <p14:creationId xmlns:p14="http://schemas.microsoft.com/office/powerpoint/2010/main" val="886286121"/>
+        <p14:creationId xmlns:p14="http://schemas.microsoft.com/office/powerpoint/2010/main" val="2041702506"/>
       </p:ext>
     </p:extLst>
   </p:cSld>
@@ -3325,27 +3346,39 @@
           <a:bodyPr/>
           <a:lstStyle/>
           <a:p>
-            <a:r>
-              <a:rPr lang="en-US" dirty="0"/>
-              <a:t>One of the things that people get confused about is why learn Python if you’re getting into Power Query… or which to focus on.</a:t>
+            <a:pPr>
+              <a:buClr>
+                <a:srgbClr val="CF3338"/>
+              </a:buClr>
+            </a:pPr>
+            <a:r>
+              <a:rPr lang="en-US" sz="1200" i="1" dirty="0">
+                <a:solidFill>
+                  <a:srgbClr val="707070"/>
+                </a:solidFill>
+                <a:latin typeface="Pragmatica" panose="020B0403040502020204" pitchFamily="34" charset="0"/>
+              </a:rPr>
+              <a:t>By the end of this book, you should be able to conduct exploratory data analysis and</a:t>
+            </a:r>
+          </a:p>
+          <a:p>
+            <a:pPr>
+              <a:buClr>
+                <a:srgbClr val="CF3338"/>
+              </a:buClr>
+            </a:pPr>
+            <a:r>
+              <a:rPr lang="en-US" sz="1200" i="1" dirty="0">
+                <a:solidFill>
+                  <a:srgbClr val="707070"/>
+                </a:solidFill>
+                <a:latin typeface="Pragmatica" panose="020B0403040502020204" pitchFamily="34" charset="0"/>
+              </a:rPr>
+              <a:t>hypothesis testing using a programming language.</a:t>
             </a:r>
           </a:p>
           <a:p>
             <a:endParaRPr lang="en-US" dirty="0"/>
-          </a:p>
-          <a:p>
-            <a:r>
-              <a:rPr lang="en-US" dirty="0"/>
-              <a:t>You’re not leaving Microsoft’s stack. I have some documentation and a great book here. Now of course these are more about </a:t>
-            </a:r>
-            <a:r>
-              <a:rPr lang="en-US" dirty="0" err="1"/>
-              <a:t>PowerBI</a:t>
-            </a:r>
-            <a:r>
-              <a:rPr lang="en-US" dirty="0"/>
-              <a:t> but there’s every indication there’s more to come with Excel. </a:t>
-            </a:r>
           </a:p>
         </p:txBody>
       </p:sp>
@@ -3366,7 +3399,7 @@
           <a:p>
             <a:fld id="{3BB66621-ADCC-4EF8-8003-B9D3E881DCD2}" type="slidenum">
               <a:rPr lang="en-US" smtClean="0"/>
-              <a:t>21</a:t>
+              <a:t>22</a:t>
             </a:fld>
             <a:endParaRPr lang="en-US"/>
           </a:p>
@@ -3375,7 +3408,7 @@
     </p:spTree>
     <p:extLst>
       <p:ext uri="{BB962C8B-B14F-4D97-AF65-F5344CB8AC3E}">
-        <p14:creationId xmlns:p14="http://schemas.microsoft.com/office/powerpoint/2010/main" val="748458497"/>
+        <p14:creationId xmlns:p14="http://schemas.microsoft.com/office/powerpoint/2010/main" val="128776136"/>
       </p:ext>
     </p:extLst>
   </p:cSld>
@@ -3429,290 +3462,6 @@
           <a:bodyPr/>
           <a:lstStyle/>
           <a:p>
-            <a:r>
-              <a:rPr lang="en-US" dirty="0"/>
-              <a:t>Now this is scary, it’s literally learning another language! </a:t>
-            </a:r>
-          </a:p>
-        </p:txBody>
-      </p:sp>
-      <p:sp>
-        <p:nvSpPr>
-          <p:cNvPr id="4" name="Slide Number Placeholder 3"/>
-          <p:cNvSpPr>
-            <a:spLocks noGrp="1"/>
-          </p:cNvSpPr>
-          <p:nvPr>
-            <p:ph type="sldNum" sz="quarter" idx="5"/>
-          </p:nvPr>
-        </p:nvSpPr>
-        <p:spPr/>
-        <p:txBody>
-          <a:bodyPr/>
-          <a:lstStyle/>
-          <a:p>
-            <a:fld id="{3BB66621-ADCC-4EF8-8003-B9D3E881DCD2}" type="slidenum">
-              <a:rPr lang="en-US" smtClean="0"/>
-              <a:t>22</a:t>
-            </a:fld>
-            <a:endParaRPr lang="en-US"/>
-          </a:p>
-        </p:txBody>
-      </p:sp>
-    </p:spTree>
-    <p:extLst>
-      <p:ext uri="{BB962C8B-B14F-4D97-AF65-F5344CB8AC3E}">
-        <p14:creationId xmlns:p14="http://schemas.microsoft.com/office/powerpoint/2010/main" val="3399850265"/>
-      </p:ext>
-    </p:extLst>
-  </p:cSld>
-  <p:clrMapOvr>
-    <a:masterClrMapping/>
-  </p:clrMapOvr>
-</p:notes>
-</file>
-
-<file path=ppt/notesSlides/notesSlide23.xml><?xml version="1.0" encoding="utf-8"?>
-<p:notes xmlns:a="http://schemas.openxmlformats.org/drawingml/2006/main" xmlns:r="http://schemas.openxmlformats.org/officeDocument/2006/relationships" xmlns:p="http://schemas.openxmlformats.org/presentationml/2006/main">
-  <p:cSld>
-    <p:spTree>
-      <p:nvGrpSpPr>
-        <p:cNvPr id="1" name=""/>
-        <p:cNvGrpSpPr/>
-        <p:nvPr/>
-      </p:nvGrpSpPr>
-      <p:grpSpPr>
-        <a:xfrm>
-          <a:off x="0" y="0"/>
-          <a:ext cx="0" cy="0"/>
-          <a:chOff x="0" y="0"/>
-          <a:chExt cx="0" cy="0"/>
-        </a:xfrm>
-      </p:grpSpPr>
-      <p:sp>
-        <p:nvSpPr>
-          <p:cNvPr id="2" name="Slide Image Placeholder 1"/>
-          <p:cNvSpPr>
-            <a:spLocks noGrp="1" noRot="1" noChangeAspect="1"/>
-          </p:cNvSpPr>
-          <p:nvPr>
-            <p:ph type="sldImg"/>
-          </p:nvPr>
-        </p:nvSpPr>
-        <p:spPr/>
-      </p:sp>
-      <p:sp>
-        <p:nvSpPr>
-          <p:cNvPr id="3" name="Notes Placeholder 2"/>
-          <p:cNvSpPr>
-            <a:spLocks noGrp="1"/>
-          </p:cNvSpPr>
-          <p:nvPr>
-            <p:ph type="body" idx="1"/>
-          </p:nvPr>
-        </p:nvSpPr>
-        <p:spPr/>
-        <p:txBody>
-          <a:bodyPr/>
-          <a:lstStyle/>
-          <a:p>
-            <a:r>
-              <a:rPr lang="en-US" dirty="0"/>
-              <a:t>Now the Excel community is </a:t>
-            </a:r>
-            <a:r>
-              <a:rPr lang="en-US" dirty="0" err="1"/>
-              <a:t>sooo</a:t>
-            </a:r>
-            <a:r>
-              <a:rPr lang="en-US" dirty="0"/>
-              <a:t> welcoming that is can be jarring when you get elsewhere. The forums can be pretty brutal. So take some time to learn for yourself. </a:t>
-            </a:r>
-          </a:p>
-        </p:txBody>
-      </p:sp>
-      <p:sp>
-        <p:nvSpPr>
-          <p:cNvPr id="4" name="Slide Number Placeholder 3"/>
-          <p:cNvSpPr>
-            <a:spLocks noGrp="1"/>
-          </p:cNvSpPr>
-          <p:nvPr>
-            <p:ph type="sldNum" sz="quarter" idx="5"/>
-          </p:nvPr>
-        </p:nvSpPr>
-        <p:spPr/>
-        <p:txBody>
-          <a:bodyPr/>
-          <a:lstStyle/>
-          <a:p>
-            <a:fld id="{3BB66621-ADCC-4EF8-8003-B9D3E881DCD2}" type="slidenum">
-              <a:rPr lang="en-US" smtClean="0"/>
-              <a:t>23</a:t>
-            </a:fld>
-            <a:endParaRPr lang="en-US"/>
-          </a:p>
-        </p:txBody>
-      </p:sp>
-    </p:spTree>
-    <p:extLst>
-      <p:ext uri="{BB962C8B-B14F-4D97-AF65-F5344CB8AC3E}">
-        <p14:creationId xmlns:p14="http://schemas.microsoft.com/office/powerpoint/2010/main" val="4195261101"/>
-      </p:ext>
-    </p:extLst>
-  </p:cSld>
-  <p:clrMapOvr>
-    <a:masterClrMapping/>
-  </p:clrMapOvr>
-</p:notes>
-</file>
-
-<file path=ppt/notesSlides/notesSlide24.xml><?xml version="1.0" encoding="utf-8"?>
-<p:notes xmlns:a="http://schemas.openxmlformats.org/drawingml/2006/main" xmlns:r="http://schemas.openxmlformats.org/officeDocument/2006/relationships" xmlns:p="http://schemas.openxmlformats.org/presentationml/2006/main">
-  <p:cSld>
-    <p:spTree>
-      <p:nvGrpSpPr>
-        <p:cNvPr id="1" name=""/>
-        <p:cNvGrpSpPr/>
-        <p:nvPr/>
-      </p:nvGrpSpPr>
-      <p:grpSpPr>
-        <a:xfrm>
-          <a:off x="0" y="0"/>
-          <a:ext cx="0" cy="0"/>
-          <a:chOff x="0" y="0"/>
-          <a:chExt cx="0" cy="0"/>
-        </a:xfrm>
-      </p:grpSpPr>
-      <p:sp>
-        <p:nvSpPr>
-          <p:cNvPr id="2" name="Slide Image Placeholder 1"/>
-          <p:cNvSpPr>
-            <a:spLocks noGrp="1" noRot="1" noChangeAspect="1"/>
-          </p:cNvSpPr>
-          <p:nvPr>
-            <p:ph type="sldImg"/>
-          </p:nvPr>
-        </p:nvSpPr>
-        <p:spPr/>
-      </p:sp>
-      <p:sp>
-        <p:nvSpPr>
-          <p:cNvPr id="3" name="Notes Placeholder 2"/>
-          <p:cNvSpPr>
-            <a:spLocks noGrp="1"/>
-          </p:cNvSpPr>
-          <p:nvPr>
-            <p:ph type="body" idx="1"/>
-          </p:nvPr>
-        </p:nvSpPr>
-        <p:spPr/>
-        <p:txBody>
-          <a:bodyPr/>
-          <a:lstStyle/>
-          <a:p>
-            <a:r>
-              <a:rPr lang="en-US" dirty="0"/>
-              <a:t>Any questions so far about using R? </a:t>
-            </a:r>
-          </a:p>
-          <a:p>
-            <a:r>
-              <a:rPr lang="en-US" dirty="0"/>
-              <a:t>Again I just want to show you how easy it is to get up and running there as an Excel user and what to expect when working with open source programs. </a:t>
-            </a:r>
-          </a:p>
-          <a:p>
-            <a:endParaRPr lang="en-US" dirty="0"/>
-          </a:p>
-          <a:p>
-            <a:r>
-              <a:rPr lang="en-US" dirty="0"/>
-              <a:t>Now I guess one of the questions I might have in your shoes is what’s the big deal, we can do the same kind of stuff with Power Query. So I want to acknowledge that. </a:t>
-            </a:r>
-          </a:p>
-        </p:txBody>
-      </p:sp>
-      <p:sp>
-        <p:nvSpPr>
-          <p:cNvPr id="4" name="Slide Number Placeholder 3"/>
-          <p:cNvSpPr>
-            <a:spLocks noGrp="1"/>
-          </p:cNvSpPr>
-          <p:nvPr>
-            <p:ph type="sldNum" sz="quarter" idx="5"/>
-          </p:nvPr>
-        </p:nvSpPr>
-        <p:spPr/>
-        <p:txBody>
-          <a:bodyPr/>
-          <a:lstStyle/>
-          <a:p>
-            <a:fld id="{3BB66621-ADCC-4EF8-8003-B9D3E881DCD2}" type="slidenum">
-              <a:rPr lang="en-US" smtClean="0"/>
-              <a:t>24</a:t>
-            </a:fld>
-            <a:endParaRPr lang="en-US"/>
-          </a:p>
-        </p:txBody>
-      </p:sp>
-    </p:spTree>
-    <p:extLst>
-      <p:ext uri="{BB962C8B-B14F-4D97-AF65-F5344CB8AC3E}">
-        <p14:creationId xmlns:p14="http://schemas.microsoft.com/office/powerpoint/2010/main" val="2041702506"/>
-      </p:ext>
-    </p:extLst>
-  </p:cSld>
-  <p:clrMapOvr>
-    <a:masterClrMapping/>
-  </p:clrMapOvr>
-</p:notes>
-</file>
-
-<file path=ppt/notesSlides/notesSlide25.xml><?xml version="1.0" encoding="utf-8"?>
-<p:notes xmlns:a="http://schemas.openxmlformats.org/drawingml/2006/main" xmlns:r="http://schemas.openxmlformats.org/officeDocument/2006/relationships" xmlns:p="http://schemas.openxmlformats.org/presentationml/2006/main">
-  <p:cSld>
-    <p:spTree>
-      <p:nvGrpSpPr>
-        <p:cNvPr id="1" name=""/>
-        <p:cNvGrpSpPr/>
-        <p:nvPr/>
-      </p:nvGrpSpPr>
-      <p:grpSpPr>
-        <a:xfrm>
-          <a:off x="0" y="0"/>
-          <a:ext cx="0" cy="0"/>
-          <a:chOff x="0" y="0"/>
-          <a:chExt cx="0" cy="0"/>
-        </a:xfrm>
-      </p:grpSpPr>
-      <p:sp>
-        <p:nvSpPr>
-          <p:cNvPr id="2" name="Slide Image Placeholder 1"/>
-          <p:cNvSpPr>
-            <a:spLocks noGrp="1" noRot="1" noChangeAspect="1"/>
-          </p:cNvSpPr>
-          <p:nvPr>
-            <p:ph type="sldImg"/>
-          </p:nvPr>
-        </p:nvSpPr>
-        <p:spPr/>
-      </p:sp>
-      <p:sp>
-        <p:nvSpPr>
-          <p:cNvPr id="3" name="Notes Placeholder 2"/>
-          <p:cNvSpPr>
-            <a:spLocks noGrp="1"/>
-          </p:cNvSpPr>
-          <p:nvPr>
-            <p:ph type="body" idx="1"/>
-          </p:nvPr>
-        </p:nvSpPr>
-        <p:spPr/>
-        <p:txBody>
-          <a:bodyPr/>
-          <a:lstStyle/>
-          <a:p>
             <a:pPr>
               <a:buClr>
                 <a:srgbClr val="CF3338"/>
@@ -3766,7 +3515,7 @@
           <a:p>
             <a:fld id="{3BB66621-ADCC-4EF8-8003-B9D3E881DCD2}" type="slidenum">
               <a:rPr lang="en-US" smtClean="0"/>
-              <a:t>26</a:t>
+              <a:t>23</a:t>
             </a:fld>
             <a:endParaRPr lang="en-US"/>
           </a:p>
@@ -3775,7 +3524,7 @@
     </p:spTree>
     <p:extLst>
       <p:ext uri="{BB962C8B-B14F-4D97-AF65-F5344CB8AC3E}">
-        <p14:creationId xmlns:p14="http://schemas.microsoft.com/office/powerpoint/2010/main" val="128776136"/>
+        <p14:creationId xmlns:p14="http://schemas.microsoft.com/office/powerpoint/2010/main" val="1725553896"/>
       </p:ext>
     </p:extLst>
   </p:cSld>
@@ -3829,7 +3578,16 @@
           <a:bodyPr/>
           <a:lstStyle/>
           <a:p>
-            <a:endParaRPr lang="en-US" dirty="0"/>
+            <a:r>
+              <a:rPr lang="en-US" dirty="0"/>
+              <a:t>This is different coming from Microsoft, proprietary technology</a:t>
+            </a:r>
+          </a:p>
+          <a:p>
+            <a:r>
+              <a:rPr lang="en-US" dirty="0"/>
+              <a:t>Python is open source what does that mean? </a:t>
+            </a:r>
           </a:p>
         </p:txBody>
       </p:sp>
@@ -3859,7 +3617,7 @@
     </p:spTree>
     <p:extLst>
       <p:ext uri="{BB962C8B-B14F-4D97-AF65-F5344CB8AC3E}">
-        <p14:creationId xmlns:p14="http://schemas.microsoft.com/office/powerpoint/2010/main" val="2213468204"/>
+        <p14:creationId xmlns:p14="http://schemas.microsoft.com/office/powerpoint/2010/main" val="3138835969"/>
       </p:ext>
     </p:extLst>
   </p:cSld>
@@ -3943,7 +3701,7 @@
     </p:spTree>
     <p:extLst>
       <p:ext uri="{BB962C8B-B14F-4D97-AF65-F5344CB8AC3E}">
-        <p14:creationId xmlns:p14="http://schemas.microsoft.com/office/powerpoint/2010/main" val="4261733413"/>
+        <p14:creationId xmlns:p14="http://schemas.microsoft.com/office/powerpoint/2010/main" val="1413153760"/>
       </p:ext>
     </p:extLst>
   </p:cSld>
@@ -3997,7 +3755,18 @@
           <a:bodyPr/>
           <a:lstStyle/>
           <a:p>
-            <a:endParaRPr lang="en-US" dirty="0"/>
+            <a:r>
+              <a:rPr lang="en-US" dirty="0"/>
+              <a:t>OK now remember that being open source means anyone is free to repackage and redistribute code. In the case of Python the official source code lives with the Python foundation and can be found there. It’s more common however to download from the Anaconda _distribution_ of that code. One of the reasons why is Anaconda comes with some goodies that don’t come with the raw </a:t>
+            </a:r>
+            <a:r>
+              <a:rPr lang="en-US" dirty="0" err="1"/>
+              <a:t>Pyhon</a:t>
+            </a:r>
+            <a:r>
+              <a:rPr lang="en-US" dirty="0"/>
+              <a:t> installation. One of those is the Jupyter notebook, which is a browser-based app we’ll be using to work with Python. </a:t>
+            </a:r>
           </a:p>
         </p:txBody>
       </p:sp>
@@ -4027,7 +3796,7 @@
     </p:spTree>
     <p:extLst>
       <p:ext uri="{BB962C8B-B14F-4D97-AF65-F5344CB8AC3E}">
-        <p14:creationId xmlns:p14="http://schemas.microsoft.com/office/powerpoint/2010/main" val="2105261237"/>
+        <p14:creationId xmlns:p14="http://schemas.microsoft.com/office/powerpoint/2010/main" val="586087745"/>
       </p:ext>
     </p:extLst>
   </p:cSld>
@@ -4083,13 +3852,25 @@
           <a:p>
             <a:r>
               <a:rPr lang="en-US" dirty="0"/>
-              <a:t>This is different coming from Microsoft, proprietary technology</a:t>
-            </a:r>
+              <a:t>OK again, what I want to do here is just show you the basics of working with Jupyter. You will see in the repo there is an option to launch an interactive session, so do that and let’s navigate the four sections of Jupyter and get comfortable working there. </a:t>
+            </a:r>
+          </a:p>
+          <a:p>
+            <a:endParaRPr lang="en-US" dirty="0"/>
           </a:p>
           <a:p>
             <a:r>
               <a:rPr lang="en-US" dirty="0"/>
-              <a:t>Python is open source what does that mean? </a:t>
+              <a:t>In the demo you’ll get a tour of the notebook and how to work a bit with functions and objects. </a:t>
+            </a:r>
+          </a:p>
+          <a:p>
+            <a:endParaRPr lang="en-US" dirty="0"/>
+          </a:p>
+          <a:p>
+            <a:r>
+              <a:rPr lang="en-US" dirty="0"/>
+              <a:t>Possibly come up with some demo notes for this  </a:t>
             </a:r>
           </a:p>
         </p:txBody>
@@ -4120,7 +3901,7 @@
     </p:spTree>
     <p:extLst>
       <p:ext uri="{BB962C8B-B14F-4D97-AF65-F5344CB8AC3E}">
-        <p14:creationId xmlns:p14="http://schemas.microsoft.com/office/powerpoint/2010/main" val="3138835969"/>
+        <p14:creationId xmlns:p14="http://schemas.microsoft.com/office/powerpoint/2010/main" val="2263882747"/>
       </p:ext>
     </p:extLst>
   </p:cSld>
@@ -4204,7 +3985,7 @@
     </p:spTree>
     <p:extLst>
       <p:ext uri="{BB962C8B-B14F-4D97-AF65-F5344CB8AC3E}">
-        <p14:creationId xmlns:p14="http://schemas.microsoft.com/office/powerpoint/2010/main" val="1413153760"/>
+        <p14:creationId xmlns:p14="http://schemas.microsoft.com/office/powerpoint/2010/main" val="4257777998"/>
       </p:ext>
     </p:extLst>
   </p:cSld>
@@ -4260,15 +4041,15 @@
           <a:p>
             <a:r>
               <a:rPr lang="en-US" dirty="0"/>
-              <a:t>OK now remember that being open source means anyone is free to repackage and redistribute code. In the case of Python the official source code lives with the Python foundation and can be found there. It’s more common however to download from the Anaconda _distribution_ of that code. One of the reasons why is Anaconda comes with some goodies that don’t come with the raw </a:t>
+              <a:t>OK so what we are going to do here is go back to your session or open a new one. Go to the </a:t>
             </a:r>
             <a:r>
               <a:rPr lang="en-US" dirty="0" err="1"/>
-              <a:t>Pyhon</a:t>
+              <a:t>diamonds.r</a:t>
             </a:r>
             <a:r>
               <a:rPr lang="en-US" dirty="0"/>
-              <a:t> installation. One of those is the Jupyter notebook, which is a browser-based app we’ll be using to work with Python. </a:t>
+              <a:t> dataset. And let’s actually conduct the analysis that was hinted at earlier. </a:t>
             </a:r>
           </a:p>
         </p:txBody>
@@ -4299,7 +4080,7 @@
     </p:spTree>
     <p:extLst>
       <p:ext uri="{BB962C8B-B14F-4D97-AF65-F5344CB8AC3E}">
-        <p14:creationId xmlns:p14="http://schemas.microsoft.com/office/powerpoint/2010/main" val="586087745"/>
+        <p14:creationId xmlns:p14="http://schemas.microsoft.com/office/powerpoint/2010/main" val="3669274824"/>
       </p:ext>
     </p:extLst>
   </p:cSld>
@@ -4353,28 +4134,7 @@
           <a:bodyPr/>
           <a:lstStyle/>
           <a:p>
-            <a:r>
-              <a:rPr lang="en-US" dirty="0"/>
-              <a:t>OK again, what I want to do here is just show you the basics of working with Jupyter. You will see in the repo there is an option to launch an interactive session, so do that and let’s navigate the four sections of Jupyter and get comfortable working there. </a:t>
-            </a:r>
-          </a:p>
-          <a:p>
             <a:endParaRPr lang="en-US" dirty="0"/>
-          </a:p>
-          <a:p>
-            <a:r>
-              <a:rPr lang="en-US" dirty="0"/>
-              <a:t>In the demo you’ll get a tour of the notebook and how to work a bit with functions and objects. </a:t>
-            </a:r>
-          </a:p>
-          <a:p>
-            <a:endParaRPr lang="en-US" dirty="0"/>
-          </a:p>
-          <a:p>
-            <a:r>
-              <a:rPr lang="en-US" dirty="0"/>
-              <a:t>Possibly come up with some demo notes for this  </a:t>
-            </a:r>
           </a:p>
         </p:txBody>
       </p:sp>
@@ -4404,7 +4164,7 @@
     </p:spTree>
     <p:extLst>
       <p:ext uri="{BB962C8B-B14F-4D97-AF65-F5344CB8AC3E}">
-        <p14:creationId xmlns:p14="http://schemas.microsoft.com/office/powerpoint/2010/main" val="2263882747"/>
+        <p14:creationId xmlns:p14="http://schemas.microsoft.com/office/powerpoint/2010/main" val="1548743503"/>
       </p:ext>
     </p:extLst>
   </p:cSld>
@@ -4543,7 +4303,7 @@
           <a:p>
             <a:fld id="{0138B082-EFC2-46C1-B47C-51736C670379}" type="datetimeFigureOut">
               <a:rPr lang="en-US" smtClean="0"/>
-              <a:t>7/31/2021</a:t>
+              <a:t>8/14/2021</a:t>
             </a:fld>
             <a:endParaRPr lang="en-US"/>
           </a:p>
@@ -4711,7 +4471,7 @@
           <a:p>
             <a:fld id="{0138B082-EFC2-46C1-B47C-51736C670379}" type="datetimeFigureOut">
               <a:rPr lang="en-US" smtClean="0"/>
-              <a:t>7/31/2021</a:t>
+              <a:t>8/14/2021</a:t>
             </a:fld>
             <a:endParaRPr lang="en-US"/>
           </a:p>
@@ -4889,7 +4649,7 @@
           <a:p>
             <a:fld id="{0138B082-EFC2-46C1-B47C-51736C670379}" type="datetimeFigureOut">
               <a:rPr lang="en-US" smtClean="0"/>
-              <a:t>7/31/2021</a:t>
+              <a:t>8/14/2021</a:t>
             </a:fld>
             <a:endParaRPr lang="en-US"/>
           </a:p>
@@ -5057,7 +4817,7 @@
           <a:p>
             <a:fld id="{0138B082-EFC2-46C1-B47C-51736C670379}" type="datetimeFigureOut">
               <a:rPr lang="en-US" smtClean="0"/>
-              <a:t>7/31/2021</a:t>
+              <a:t>8/14/2021</a:t>
             </a:fld>
             <a:endParaRPr lang="en-US"/>
           </a:p>
@@ -5302,7 +5062,7 @@
           <a:p>
             <a:fld id="{0138B082-EFC2-46C1-B47C-51736C670379}" type="datetimeFigureOut">
               <a:rPr lang="en-US" smtClean="0"/>
-              <a:t>7/31/2021</a:t>
+              <a:t>8/14/2021</a:t>
             </a:fld>
             <a:endParaRPr lang="en-US"/>
           </a:p>
@@ -5531,7 +5291,7 @@
           <a:p>
             <a:fld id="{0138B082-EFC2-46C1-B47C-51736C670379}" type="datetimeFigureOut">
               <a:rPr lang="en-US" smtClean="0"/>
-              <a:t>7/31/2021</a:t>
+              <a:t>8/14/2021</a:t>
             </a:fld>
             <a:endParaRPr lang="en-US"/>
           </a:p>
@@ -5895,7 +5655,7 @@
           <a:p>
             <a:fld id="{0138B082-EFC2-46C1-B47C-51736C670379}" type="datetimeFigureOut">
               <a:rPr lang="en-US" smtClean="0"/>
-              <a:t>7/31/2021</a:t>
+              <a:t>8/14/2021</a:t>
             </a:fld>
             <a:endParaRPr lang="en-US"/>
           </a:p>
@@ -6012,7 +5772,7 @@
           <a:p>
             <a:fld id="{0138B082-EFC2-46C1-B47C-51736C670379}" type="datetimeFigureOut">
               <a:rPr lang="en-US" smtClean="0"/>
-              <a:t>7/31/2021</a:t>
+              <a:t>8/14/2021</a:t>
             </a:fld>
             <a:endParaRPr lang="en-US"/>
           </a:p>
@@ -6107,7 +5867,7 @@
           <a:p>
             <a:fld id="{0138B082-EFC2-46C1-B47C-51736C670379}" type="datetimeFigureOut">
               <a:rPr lang="en-US" smtClean="0"/>
-              <a:t>7/31/2021</a:t>
+              <a:t>8/14/2021</a:t>
             </a:fld>
             <a:endParaRPr lang="en-US"/>
           </a:p>
@@ -6382,7 +6142,7 @@
           <a:p>
             <a:fld id="{0138B082-EFC2-46C1-B47C-51736C670379}" type="datetimeFigureOut">
               <a:rPr lang="en-US" smtClean="0"/>
-              <a:t>7/31/2021</a:t>
+              <a:t>8/14/2021</a:t>
             </a:fld>
             <a:endParaRPr lang="en-US"/>
           </a:p>
@@ -6634,7 +6394,7 @@
           <a:p>
             <a:fld id="{0138B082-EFC2-46C1-B47C-51736C670379}" type="datetimeFigureOut">
               <a:rPr lang="en-US" smtClean="0"/>
-              <a:t>7/31/2021</a:t>
+              <a:t>8/14/2021</a:t>
             </a:fld>
             <a:endParaRPr lang="en-US"/>
           </a:p>
@@ -6845,7 +6605,7 @@
           <a:p>
             <a:fld id="{0138B082-EFC2-46C1-B47C-51736C670379}" type="datetimeFigureOut">
               <a:rPr lang="en-US" smtClean="0"/>
-              <a:t>7/31/2021</a:t>
+              <a:t>8/14/2021</a:t>
             </a:fld>
             <a:endParaRPr lang="en-US"/>
           </a:p>
@@ -7271,44 +7031,14 @@
         </p:blipFill>
         <p:spPr>
           <a:xfrm>
-            <a:off x="8136460" y="2210765"/>
-            <a:ext cx="4055539" cy="4647236"/>
+            <a:off x="10894024" y="5370653"/>
+            <a:ext cx="1297975" cy="1487348"/>
           </a:xfrm>
           <a:prstGeom prst="rect">
             <a:avLst/>
           </a:prstGeom>
         </p:spPr>
       </p:pic>
-      <p:pic>
-        <p:nvPicPr>
-          <p:cNvPr id="4" name="Picture 3"/>
-          <p:cNvPicPr>
-            <a:picLocks noChangeAspect="1"/>
-          </p:cNvPicPr>
-          <p:nvPr/>
-        </p:nvPicPr>
-        <p:blipFill>
-          <a:blip r:embed="rId4">
-            <a:extLst>
-              <a:ext uri="{28A0092B-C50C-407E-A947-70E740481C1C}">
-                <a14:useLocalDpi xmlns:a14="http://schemas.microsoft.com/office/drawing/2010/main" val="0"/>
-              </a:ext>
-            </a:extLst>
-          </a:blip>
-          <a:stretch>
-            <a:fillRect/>
-          </a:stretch>
-        </p:blipFill>
-        <p:spPr>
-          <a:xfrm>
-            <a:off x="-538496" y="-2482770"/>
-            <a:ext cx="10171472" cy="7459883"/>
-          </a:xfrm>
-          <a:prstGeom prst="rect">
-            <a:avLst/>
-          </a:prstGeom>
-        </p:spPr>
-      </p:pic>
       <p:sp>
         <p:nvSpPr>
           <p:cNvPr id="11" name="TextBox 10"/>
@@ -7317,8 +7047,8 @@
         </p:nvSpPr>
         <p:spPr>
           <a:xfrm>
-            <a:off x="324091" y="1687545"/>
-            <a:ext cx="7986531" cy="954107"/>
+            <a:off x="347240" y="113388"/>
+            <a:ext cx="9799937" cy="1015663"/>
           </a:xfrm>
           <a:prstGeom prst="rect">
             <a:avLst/>
@@ -7332,23 +7062,77 @@
           <a:lstStyle/>
           <a:p>
             <a:r>
-              <a:rPr lang="en-US" sz="2800" b="1" i="1" dirty="0">
+              <a:rPr lang="en-US" sz="6000" dirty="0">
+                <a:latin typeface="Aliens &amp; cows" panose="00000500000000000000" pitchFamily="2" charset="0"/>
+              </a:rPr>
+              <a:t>Follow along</a:t>
+            </a:r>
+          </a:p>
+        </p:txBody>
+      </p:sp>
+      <p:sp>
+        <p:nvSpPr>
+          <p:cNvPr id="3" name="TextBox 2"/>
+          <p:cNvSpPr txBox="1"/>
+          <p:nvPr/>
+        </p:nvSpPr>
+        <p:spPr>
+          <a:xfrm>
+            <a:off x="462988" y="1365813"/>
+            <a:ext cx="8245584" cy="1384995"/>
+          </a:xfrm>
+          <a:prstGeom prst="rect">
+            <a:avLst/>
+          </a:prstGeom>
+          <a:noFill/>
+        </p:spPr>
+        <p:txBody>
+          <a:bodyPr wrap="square" rtlCol="0">
+            <a:spAutoFit/>
+          </a:bodyPr>
+          <a:lstStyle/>
+          <a:p>
+            <a:pPr marL="285750" indent="-285750">
+              <a:buFont typeface="Arial" panose="020B0604020202020204" pitchFamily="34" charset="0"/>
+              <a:buChar char="•"/>
+            </a:pPr>
+            <a:r>
+              <a:rPr lang="en-US" sz="2800" dirty="0">
                 <a:solidFill>
                   <a:srgbClr val="707070"/>
                 </a:solidFill>
                 <a:latin typeface="Pragmatica" panose="020B0403040502020204" pitchFamily="34" charset="0"/>
               </a:rPr>
-              <a:t>Advancing into Analytics: From Excel to R and Python</a:t>
+              <a:t>Download resources: </a:t>
+            </a:r>
+            <a:r>
+              <a:rPr lang="en-US" sz="2800" dirty="0">
+                <a:solidFill>
+                  <a:srgbClr val="707070"/>
+                </a:solidFill>
+                <a:latin typeface="Pragmatica" panose="020B0403040502020204" pitchFamily="34" charset="0"/>
+                <a:hlinkClick r:id="rId4"/>
+              </a:rPr>
+              <a:t>https://github.com/stringfestdata/ms-excel-toronto-python</a:t>
+            </a:r>
+            <a:r>
+              <a:rPr lang="en-US" sz="2800" dirty="0">
+                <a:solidFill>
+                  <a:srgbClr val="707070"/>
+                </a:solidFill>
+                <a:latin typeface="Pragmatica" panose="020B0403040502020204" pitchFamily="34" charset="0"/>
+              </a:rPr>
+              <a:t> </a:t>
             </a:r>
           </a:p>
         </p:txBody>
       </p:sp>
       <p:pic>
         <p:nvPicPr>
-          <p:cNvPr id="5" name="Picture 4" descr="Text&#10;&#10;Description automatically generated">
+          <p:cNvPr id="4" name="Picture 3" descr="Text&#10;&#10;Description automatically generated">
             <a:extLst>
               <a:ext uri="{FF2B5EF4-FFF2-40B4-BE49-F238E27FC236}">
-                <a16:creationId xmlns:a16="http://schemas.microsoft.com/office/drawing/2014/main" id="{7BEF5AE1-1468-430B-ABD5-21B214268043}"/>
+                <a16:creationId xmlns:a16="http://schemas.microsoft.com/office/drawing/2014/main" id="{FFE28FC0-F2F4-4EDE-9BEF-0C09FB1EB8E2}"/>
               </a:ext>
             </a:extLst>
           </p:cNvPr>
@@ -7359,42 +7143,6 @@
         </p:nvPicPr>
         <p:blipFill>
           <a:blip r:embed="rId5">
-            <a:extLst>
-              <a:ext uri="{28A0092B-C50C-407E-A947-70E740481C1C}">
-                <a14:useLocalDpi xmlns:a14="http://schemas.microsoft.com/office/drawing/2010/main" val="0"/>
-              </a:ext>
-            </a:extLst>
-          </a:blip>
-          <a:stretch>
-            <a:fillRect/>
-          </a:stretch>
-        </p:blipFill>
-        <p:spPr>
-          <a:xfrm>
-            <a:off x="0" y="428"/>
-            <a:ext cx="12191238" cy="6857571"/>
-          </a:xfrm>
-          <a:prstGeom prst="rect">
-            <a:avLst/>
-          </a:prstGeom>
-        </p:spPr>
-      </p:pic>
-      <p:pic>
-        <p:nvPicPr>
-          <p:cNvPr id="3" name="Picture 2">
-            <a:extLst>
-              <a:ext uri="{FF2B5EF4-FFF2-40B4-BE49-F238E27FC236}">
-                <a16:creationId xmlns:a16="http://schemas.microsoft.com/office/drawing/2014/main" id="{0C2F2521-5405-4743-BF88-6A0657E83369}"/>
-              </a:ext>
-            </a:extLst>
-          </p:cNvPr>
-          <p:cNvPicPr>
-            <a:picLocks noChangeAspect="1"/>
-          </p:cNvPicPr>
-          <p:nvPr/>
-        </p:nvPicPr>
-        <p:blipFill>
-          <a:blip r:embed="rId6">
             <a:extLst>
               <a:ext uri="{28A0092B-C50C-407E-A947-70E740481C1C}">
                 <a14:useLocalDpi xmlns:a14="http://schemas.microsoft.com/office/drawing/2010/main" val="0"/>
@@ -7418,7 +7166,7 @@
     </p:spTree>
     <p:extLst>
       <p:ext uri="{BB962C8B-B14F-4D97-AF65-F5344CB8AC3E}">
-        <p14:creationId xmlns:p14="http://schemas.microsoft.com/office/powerpoint/2010/main" val="355659117"/>
+        <p14:creationId xmlns:p14="http://schemas.microsoft.com/office/powerpoint/2010/main" val="1832731001"/>
       </p:ext>
     </p:extLst>
   </p:cSld>
@@ -7429,492 +7177,6 @@
 </file>
 
 <file path=ppt/slides/slide10.xml><?xml version="1.0" encoding="utf-8"?>
-<p:sld xmlns:a="http://schemas.openxmlformats.org/drawingml/2006/main" xmlns:r="http://schemas.openxmlformats.org/officeDocument/2006/relationships" xmlns:p="http://schemas.openxmlformats.org/presentationml/2006/main">
-  <p:cSld>
-    <p:spTree>
-      <p:nvGrpSpPr>
-        <p:cNvPr id="1" name=""/>
-        <p:cNvGrpSpPr/>
-        <p:nvPr/>
-      </p:nvGrpSpPr>
-      <p:grpSpPr>
-        <a:xfrm>
-          <a:off x="0" y="0"/>
-          <a:ext cx="0" cy="0"/>
-          <a:chOff x="0" y="0"/>
-          <a:chExt cx="0" cy="0"/>
-        </a:xfrm>
-      </p:grpSpPr>
-      <p:sp>
-        <p:nvSpPr>
-          <p:cNvPr id="4" name="Rectangle 3"/>
-          <p:cNvSpPr/>
-          <p:nvPr/>
-        </p:nvSpPr>
-        <p:spPr>
-          <a:xfrm>
-            <a:off x="0" y="0"/>
-            <a:ext cx="12192000" cy="6858000"/>
-          </a:xfrm>
-          <a:prstGeom prst="rect">
-            <a:avLst/>
-          </a:prstGeom>
-          <a:solidFill>
-            <a:srgbClr val="CF3338"/>
-          </a:solidFill>
-        </p:spPr>
-        <p:style>
-          <a:lnRef idx="2">
-            <a:schemeClr val="accent1">
-              <a:shade val="50000"/>
-            </a:schemeClr>
-          </a:lnRef>
-          <a:fillRef idx="1">
-            <a:schemeClr val="accent1"/>
-          </a:fillRef>
-          <a:effectRef idx="0">
-            <a:schemeClr val="accent1"/>
-          </a:effectRef>
-          <a:fontRef idx="minor">
-            <a:schemeClr val="lt1"/>
-          </a:fontRef>
-        </p:style>
-        <p:txBody>
-          <a:bodyPr rtlCol="0" anchor="ctr"/>
-          <a:lstStyle/>
-          <a:p>
-            <a:pPr algn="ctr"/>
-            <a:endParaRPr lang="en-US"/>
-          </a:p>
-        </p:txBody>
-      </p:sp>
-      <p:sp>
-        <p:nvSpPr>
-          <p:cNvPr id="5" name="TextBox 4"/>
-          <p:cNvSpPr txBox="1"/>
-          <p:nvPr/>
-        </p:nvSpPr>
-        <p:spPr>
-          <a:xfrm>
-            <a:off x="520861" y="393539"/>
-            <a:ext cx="10324617" cy="2123658"/>
-          </a:xfrm>
-          <a:prstGeom prst="rect">
-            <a:avLst/>
-          </a:prstGeom>
-          <a:noFill/>
-        </p:spPr>
-        <p:txBody>
-          <a:bodyPr wrap="square" rtlCol="0">
-            <a:spAutoFit/>
-          </a:bodyPr>
-          <a:lstStyle/>
-          <a:p>
-            <a:r>
-              <a:rPr lang="en-US" sz="6600" b="1" dirty="0">
-                <a:solidFill>
-                  <a:schemeClr val="bg1"/>
-                </a:solidFill>
-                <a:latin typeface="Pragmatica" panose="020B0403040502020204"/>
-              </a:rPr>
-              <a:t>2. It’s finnicky… or maybe logical?</a:t>
-            </a:r>
-          </a:p>
-        </p:txBody>
-      </p:sp>
-    </p:spTree>
-    <p:extLst>
-      <p:ext uri="{BB962C8B-B14F-4D97-AF65-F5344CB8AC3E}">
-        <p14:creationId xmlns:p14="http://schemas.microsoft.com/office/powerpoint/2010/main" val="1991586970"/>
-      </p:ext>
-    </p:extLst>
-  </p:cSld>
-  <p:clrMapOvr>
-    <a:masterClrMapping/>
-  </p:clrMapOvr>
-</p:sld>
-</file>
-
-<file path=ppt/slides/slide11.xml><?xml version="1.0" encoding="utf-8"?>
-<p:sld xmlns:a="http://schemas.openxmlformats.org/drawingml/2006/main" xmlns:r="http://schemas.openxmlformats.org/officeDocument/2006/relationships" xmlns:p="http://schemas.openxmlformats.org/presentationml/2006/main">
-  <p:cSld>
-    <p:spTree>
-      <p:nvGrpSpPr>
-        <p:cNvPr id="1" name=""/>
-        <p:cNvGrpSpPr/>
-        <p:nvPr/>
-      </p:nvGrpSpPr>
-      <p:grpSpPr>
-        <a:xfrm>
-          <a:off x="0" y="0"/>
-          <a:ext cx="0" cy="0"/>
-          <a:chOff x="0" y="0"/>
-          <a:chExt cx="0" cy="0"/>
-        </a:xfrm>
-      </p:grpSpPr>
-      <p:sp>
-        <p:nvSpPr>
-          <p:cNvPr id="4" name="Rectangle 3"/>
-          <p:cNvSpPr/>
-          <p:nvPr/>
-        </p:nvSpPr>
-        <p:spPr>
-          <a:xfrm>
-            <a:off x="6574420" y="0"/>
-            <a:ext cx="5617580" cy="6858000"/>
-          </a:xfrm>
-          <a:prstGeom prst="rect">
-            <a:avLst/>
-          </a:prstGeom>
-          <a:solidFill>
-            <a:srgbClr val="CF3338"/>
-          </a:solidFill>
-        </p:spPr>
-        <p:style>
-          <a:lnRef idx="2">
-            <a:schemeClr val="accent1">
-              <a:shade val="50000"/>
-            </a:schemeClr>
-          </a:lnRef>
-          <a:fillRef idx="1">
-            <a:schemeClr val="accent1"/>
-          </a:fillRef>
-          <a:effectRef idx="0">
-            <a:schemeClr val="accent1"/>
-          </a:effectRef>
-          <a:fontRef idx="minor">
-            <a:schemeClr val="lt1"/>
-          </a:fontRef>
-        </p:style>
-        <p:txBody>
-          <a:bodyPr rtlCol="0" anchor="ctr"/>
-          <a:lstStyle/>
-          <a:p>
-            <a:pPr algn="ctr"/>
-            <a:endParaRPr lang="en-US"/>
-          </a:p>
-        </p:txBody>
-      </p:sp>
-      <p:sp>
-        <p:nvSpPr>
-          <p:cNvPr id="5" name="TextBox 4"/>
-          <p:cNvSpPr txBox="1"/>
-          <p:nvPr/>
-        </p:nvSpPr>
-        <p:spPr>
-          <a:xfrm>
-            <a:off x="6817489" y="0"/>
-            <a:ext cx="4120587" cy="1446550"/>
-          </a:xfrm>
-          <a:prstGeom prst="rect">
-            <a:avLst/>
-          </a:prstGeom>
-          <a:noFill/>
-        </p:spPr>
-        <p:txBody>
-          <a:bodyPr wrap="square" rtlCol="0">
-            <a:spAutoFit/>
-          </a:bodyPr>
-          <a:lstStyle/>
-          <a:p>
-            <a:r>
-              <a:rPr lang="en-US" sz="8800" dirty="0">
-                <a:solidFill>
-                  <a:schemeClr val="bg1"/>
-                </a:solidFill>
-                <a:latin typeface="Aliens &amp; cows" panose="00000500000000000000" pitchFamily="2" charset="0"/>
-              </a:rPr>
-              <a:t>Demo</a:t>
-            </a:r>
-          </a:p>
-        </p:txBody>
-      </p:sp>
-      <p:pic>
-        <p:nvPicPr>
-          <p:cNvPr id="2" name="Picture 1"/>
-          <p:cNvPicPr>
-            <a:picLocks noChangeAspect="1"/>
-          </p:cNvPicPr>
-          <p:nvPr/>
-        </p:nvPicPr>
-        <p:blipFill rotWithShape="1">
-          <a:blip r:embed="rId3">
-            <a:extLst>
-              <a:ext uri="{28A0092B-C50C-407E-A947-70E740481C1C}">
-                <a14:useLocalDpi xmlns:a14="http://schemas.microsoft.com/office/drawing/2010/main" val="0"/>
-              </a:ext>
-            </a:extLst>
-          </a:blip>
-          <a:srcRect l="69227" t="33418" r="20112" b="50548"/>
-          <a:stretch/>
-        </p:blipFill>
-        <p:spPr>
-          <a:xfrm>
-            <a:off x="10386349" y="5029795"/>
-            <a:ext cx="1805651" cy="1991719"/>
-          </a:xfrm>
-          <a:prstGeom prst="rect">
-            <a:avLst/>
-          </a:prstGeom>
-        </p:spPr>
-      </p:pic>
-      <p:sp>
-        <p:nvSpPr>
-          <p:cNvPr id="3" name="TextBox 2"/>
-          <p:cNvSpPr txBox="1"/>
-          <p:nvPr/>
-        </p:nvSpPr>
-        <p:spPr>
-          <a:xfrm>
-            <a:off x="173620" y="219919"/>
-            <a:ext cx="5937813" cy="954107"/>
-          </a:xfrm>
-          <a:prstGeom prst="rect">
-            <a:avLst/>
-          </a:prstGeom>
-          <a:noFill/>
-        </p:spPr>
-        <p:txBody>
-          <a:bodyPr wrap="square" rtlCol="0">
-            <a:spAutoFit/>
-          </a:bodyPr>
-          <a:lstStyle/>
-          <a:p>
-            <a:r>
-              <a:rPr lang="en-US" sz="2800" b="1" dirty="0">
-                <a:solidFill>
-                  <a:srgbClr val="CF3338"/>
-                </a:solidFill>
-                <a:latin typeface="Pragmatica" pitchFamily="2" charset="0"/>
-              </a:rPr>
-              <a:t>File: </a:t>
-            </a:r>
-            <a:r>
-              <a:rPr lang="en-US" sz="2800" b="1" dirty="0">
-                <a:solidFill>
-                  <a:srgbClr val="CF3338"/>
-                </a:solidFill>
-                <a:latin typeface="Consolas" panose="020B0609020204030204" pitchFamily="49" charset="0"/>
-              </a:rPr>
-              <a:t>thing-2.ipynb</a:t>
-            </a:r>
-          </a:p>
-          <a:p>
-            <a:endParaRPr lang="en-US" sz="2800" b="1" dirty="0">
-              <a:solidFill>
-                <a:srgbClr val="CF3338"/>
-              </a:solidFill>
-              <a:latin typeface="Consolas" panose="020B0609020204030204" pitchFamily="49" charset="0"/>
-            </a:endParaRPr>
-          </a:p>
-        </p:txBody>
-      </p:sp>
-      <p:sp>
-        <p:nvSpPr>
-          <p:cNvPr id="7" name="TextBox 6">
-            <a:extLst>
-              <a:ext uri="{FF2B5EF4-FFF2-40B4-BE49-F238E27FC236}">
-                <a16:creationId xmlns:a16="http://schemas.microsoft.com/office/drawing/2014/main" id="{855BC584-A237-4C91-9DAB-ADA80256CAC8}"/>
-              </a:ext>
-            </a:extLst>
-          </p:cNvPr>
-          <p:cNvSpPr txBox="1"/>
-          <p:nvPr/>
-        </p:nvSpPr>
-        <p:spPr>
-          <a:xfrm>
-            <a:off x="158187" y="1446550"/>
-            <a:ext cx="5937813" cy="1692771"/>
-          </a:xfrm>
-          <a:prstGeom prst="rect">
-            <a:avLst/>
-          </a:prstGeom>
-          <a:noFill/>
-        </p:spPr>
-        <p:txBody>
-          <a:bodyPr wrap="square" rtlCol="0">
-            <a:spAutoFit/>
-          </a:bodyPr>
-          <a:lstStyle/>
-          <a:p>
-            <a:r>
-              <a:rPr lang="en-US" sz="2600" b="1" dirty="0">
-                <a:solidFill>
-                  <a:srgbClr val="CF3338"/>
-                </a:solidFill>
-                <a:latin typeface="Pragmatica" pitchFamily="2" charset="0"/>
-              </a:rPr>
-              <a:t>How does Python handle</a:t>
-            </a:r>
-          </a:p>
-          <a:p>
-            <a:pPr marL="457200" indent="-457200">
-              <a:buFont typeface="Arial" panose="020B0604020202020204" pitchFamily="34" charset="0"/>
-              <a:buChar char="•"/>
-            </a:pPr>
-            <a:r>
-              <a:rPr lang="en-US" sz="2600" b="1" dirty="0">
-                <a:solidFill>
-                  <a:srgbClr val="CF3338"/>
-                </a:solidFill>
-                <a:latin typeface="Pragmatica" pitchFamily="2" charset="0"/>
-              </a:rPr>
-              <a:t>Case sensitivity?</a:t>
-            </a:r>
-          </a:p>
-          <a:p>
-            <a:pPr marL="457200" indent="-457200">
-              <a:buFont typeface="Arial" panose="020B0604020202020204" pitchFamily="34" charset="0"/>
-              <a:buChar char="•"/>
-            </a:pPr>
-            <a:r>
-              <a:rPr lang="en-US" sz="2600" b="1" dirty="0">
-                <a:solidFill>
-                  <a:srgbClr val="CF3338"/>
-                </a:solidFill>
-                <a:latin typeface="Pragmatica" pitchFamily="2" charset="0"/>
-              </a:rPr>
-              <a:t>Indexing?</a:t>
-            </a:r>
-          </a:p>
-          <a:p>
-            <a:pPr marL="457200" indent="-457200">
-              <a:buFont typeface="Arial" panose="020B0604020202020204" pitchFamily="34" charset="0"/>
-              <a:buChar char="•"/>
-            </a:pPr>
-            <a:r>
-              <a:rPr lang="en-US" sz="2600" b="1" dirty="0">
-                <a:solidFill>
-                  <a:srgbClr val="CF3338"/>
-                </a:solidFill>
-                <a:latin typeface="Pragmatica" pitchFamily="2" charset="0"/>
-              </a:rPr>
-              <a:t>Whitespace?</a:t>
-            </a:r>
-          </a:p>
-        </p:txBody>
-      </p:sp>
-    </p:spTree>
-    <p:extLst>
-      <p:ext uri="{BB962C8B-B14F-4D97-AF65-F5344CB8AC3E}">
-        <p14:creationId xmlns:p14="http://schemas.microsoft.com/office/powerpoint/2010/main" val="3395063419"/>
-      </p:ext>
-    </p:extLst>
-  </p:cSld>
-  <p:clrMapOvr>
-    <a:masterClrMapping/>
-  </p:clrMapOvr>
-</p:sld>
-</file>
-
-<file path=ppt/slides/slide12.xml><?xml version="1.0" encoding="utf-8"?>
-<p:sld xmlns:a="http://schemas.openxmlformats.org/drawingml/2006/main" xmlns:r="http://schemas.openxmlformats.org/officeDocument/2006/relationships" xmlns:p="http://schemas.openxmlformats.org/presentationml/2006/main">
-  <p:cSld>
-    <p:spTree>
-      <p:nvGrpSpPr>
-        <p:cNvPr id="1" name=""/>
-        <p:cNvGrpSpPr/>
-        <p:nvPr/>
-      </p:nvGrpSpPr>
-      <p:grpSpPr>
-        <a:xfrm>
-          <a:off x="0" y="0"/>
-          <a:ext cx="0" cy="0"/>
-          <a:chOff x="0" y="0"/>
-          <a:chExt cx="0" cy="0"/>
-        </a:xfrm>
-      </p:grpSpPr>
-      <p:sp>
-        <p:nvSpPr>
-          <p:cNvPr id="4" name="Rectangle 3"/>
-          <p:cNvSpPr/>
-          <p:nvPr/>
-        </p:nvSpPr>
-        <p:spPr>
-          <a:xfrm>
-            <a:off x="0" y="0"/>
-            <a:ext cx="12192000" cy="6858000"/>
-          </a:xfrm>
-          <a:prstGeom prst="rect">
-            <a:avLst/>
-          </a:prstGeom>
-          <a:solidFill>
-            <a:srgbClr val="CF3338"/>
-          </a:solidFill>
-        </p:spPr>
-        <p:style>
-          <a:lnRef idx="2">
-            <a:schemeClr val="accent1">
-              <a:shade val="50000"/>
-            </a:schemeClr>
-          </a:lnRef>
-          <a:fillRef idx="1">
-            <a:schemeClr val="accent1"/>
-          </a:fillRef>
-          <a:effectRef idx="0">
-            <a:schemeClr val="accent1"/>
-          </a:effectRef>
-          <a:fontRef idx="minor">
-            <a:schemeClr val="lt1"/>
-          </a:fontRef>
-        </p:style>
-        <p:txBody>
-          <a:bodyPr rtlCol="0" anchor="ctr"/>
-          <a:lstStyle/>
-          <a:p>
-            <a:pPr algn="ctr"/>
-            <a:endParaRPr lang="en-US"/>
-          </a:p>
-        </p:txBody>
-      </p:sp>
-      <p:sp>
-        <p:nvSpPr>
-          <p:cNvPr id="5" name="TextBox 4"/>
-          <p:cNvSpPr txBox="1"/>
-          <p:nvPr/>
-        </p:nvSpPr>
-        <p:spPr>
-          <a:xfrm>
-            <a:off x="520861" y="393539"/>
-            <a:ext cx="10324617" cy="2123658"/>
-          </a:xfrm>
-          <a:prstGeom prst="rect">
-            <a:avLst/>
-          </a:prstGeom>
-          <a:noFill/>
-        </p:spPr>
-        <p:txBody>
-          <a:bodyPr wrap="square" rtlCol="0">
-            <a:spAutoFit/>
-          </a:bodyPr>
-          <a:lstStyle/>
-          <a:p>
-            <a:r>
-              <a:rPr lang="en-US" sz="6600" b="1" dirty="0">
-                <a:solidFill>
-                  <a:schemeClr val="bg1"/>
-                </a:solidFill>
-                <a:latin typeface="Pragmatica" panose="020B0403040502020204"/>
-              </a:rPr>
-              <a:t>3. There’s a package for that!</a:t>
-            </a:r>
-          </a:p>
-        </p:txBody>
-      </p:sp>
-    </p:spTree>
-    <p:extLst>
-      <p:ext uri="{BB962C8B-B14F-4D97-AF65-F5344CB8AC3E}">
-        <p14:creationId xmlns:p14="http://schemas.microsoft.com/office/powerpoint/2010/main" val="858187301"/>
-      </p:ext>
-    </p:extLst>
-  </p:cSld>
-  <p:clrMapOvr>
-    <a:masterClrMapping/>
-  </p:clrMapOvr>
-</p:sld>
-</file>
-
-<file path=ppt/slides/slide13.xml><?xml version="1.0" encoding="utf-8"?>
 <p:sld xmlns:a="http://schemas.openxmlformats.org/drawingml/2006/main" xmlns:r="http://schemas.openxmlformats.org/officeDocument/2006/relationships" xmlns:p="http://schemas.openxmlformats.org/presentationml/2006/main">
   <p:cSld>
     <p:spTree>
@@ -8550,7 +7812,7 @@
 </p:sld>
 </file>
 
-<file path=ppt/slides/slide14.xml><?xml version="1.0" encoding="utf-8"?>
+<file path=ppt/slides/slide11.xml><?xml version="1.0" encoding="utf-8"?>
 <p:sld xmlns:a="http://schemas.openxmlformats.org/drawingml/2006/main" xmlns:r="http://schemas.openxmlformats.org/officeDocument/2006/relationships" xmlns:p="http://schemas.openxmlformats.org/presentationml/2006/main">
   <p:cSld>
     <p:spTree>
@@ -8888,7 +8150,7 @@
 </p:sld>
 </file>
 
-<file path=ppt/slides/slide15.xml><?xml version="1.0" encoding="utf-8"?>
+<file path=ppt/slides/slide12.xml><?xml version="1.0" encoding="utf-8"?>
 <p:sld xmlns:a="http://schemas.openxmlformats.org/drawingml/2006/main" xmlns:r="http://schemas.openxmlformats.org/officeDocument/2006/relationships" xmlns:p="http://schemas.openxmlformats.org/presentationml/2006/main">
   <p:cSld>
     <p:spTree>
@@ -9159,7 +8421,7 @@
 </p:sld>
 </file>
 
-<file path=ppt/slides/slide16.xml><?xml version="1.0" encoding="utf-8"?>
+<file path=ppt/slides/slide13.xml><?xml version="1.0" encoding="utf-8"?>
 <p:sld xmlns:a="http://schemas.openxmlformats.org/drawingml/2006/main" xmlns:r="http://schemas.openxmlformats.org/officeDocument/2006/relationships" xmlns:p="http://schemas.openxmlformats.org/presentationml/2006/main">
   <p:cSld>
     <p:spTree>
@@ -9282,7 +8544,7 @@
 </p:sld>
 </file>
 
-<file path=ppt/slides/slide17.xml><?xml version="1.0" encoding="utf-8"?>
+<file path=ppt/slides/slide14.xml><?xml version="1.0" encoding="utf-8"?>
 <p:sld xmlns:a="http://schemas.openxmlformats.org/drawingml/2006/main" xmlns:r="http://schemas.openxmlformats.org/officeDocument/2006/relationships" xmlns:p="http://schemas.openxmlformats.org/presentationml/2006/main">
   <p:cSld>
     <p:spTree>
@@ -9389,7 +8651,7 @@
 </p:sld>
 </file>
 
-<file path=ppt/slides/slide18.xml><?xml version="1.0" encoding="utf-8"?>
+<file path=ppt/slides/slide15.xml><?xml version="1.0" encoding="utf-8"?>
 <p:sld xmlns:a="http://schemas.openxmlformats.org/drawingml/2006/main" xmlns:r="http://schemas.openxmlformats.org/officeDocument/2006/relationships" xmlns:p="http://schemas.openxmlformats.org/presentationml/2006/main">
   <p:cSld>
     <p:spTree>
@@ -10271,7 +9533,7 @@
 </p:sld>
 </file>
 
-<file path=ppt/slides/slide19.xml><?xml version="1.0" encoding="utf-8"?>
+<file path=ppt/slides/slide16.xml><?xml version="1.0" encoding="utf-8"?>
 <p:sld xmlns:a="http://schemas.openxmlformats.org/drawingml/2006/main" xmlns:r="http://schemas.openxmlformats.org/officeDocument/2006/relationships" xmlns:p="http://schemas.openxmlformats.org/presentationml/2006/main">
   <p:cSld>
     <p:spTree>
@@ -10411,393 +9673,7 @@
 </p:sld>
 </file>
 
-<file path=ppt/slides/slide2.xml><?xml version="1.0" encoding="utf-8"?>
-<p:sld xmlns:a="http://schemas.openxmlformats.org/drawingml/2006/main" xmlns:r="http://schemas.openxmlformats.org/officeDocument/2006/relationships" xmlns:p="http://schemas.openxmlformats.org/presentationml/2006/main">
-  <p:cSld>
-    <p:spTree>
-      <p:nvGrpSpPr>
-        <p:cNvPr id="1" name=""/>
-        <p:cNvGrpSpPr/>
-        <p:nvPr/>
-      </p:nvGrpSpPr>
-      <p:grpSpPr>
-        <a:xfrm>
-          <a:off x="0" y="0"/>
-          <a:ext cx="0" cy="0"/>
-          <a:chOff x="0" y="0"/>
-          <a:chExt cx="0" cy="0"/>
-        </a:xfrm>
-      </p:grpSpPr>
-      <p:pic>
-        <p:nvPicPr>
-          <p:cNvPr id="10" name="Picture 9"/>
-          <p:cNvPicPr>
-            <a:picLocks noChangeAspect="1"/>
-          </p:cNvPicPr>
-          <p:nvPr/>
-        </p:nvPicPr>
-        <p:blipFill rotWithShape="1">
-          <a:blip r:embed="rId3">
-            <a:extLst>
-              <a:ext uri="{28A0092B-C50C-407E-A947-70E740481C1C}">
-                <a14:useLocalDpi xmlns:a14="http://schemas.microsoft.com/office/drawing/2010/main" val="0"/>
-              </a:ext>
-            </a:extLst>
-          </a:blip>
-          <a:srcRect l="50728" t="56371"/>
-          <a:stretch/>
-        </p:blipFill>
-        <p:spPr>
-          <a:xfrm>
-            <a:off x="8136460" y="2210765"/>
-            <a:ext cx="4055539" cy="4647236"/>
-          </a:xfrm>
-          <a:prstGeom prst="rect">
-            <a:avLst/>
-          </a:prstGeom>
-        </p:spPr>
-      </p:pic>
-      <p:pic>
-        <p:nvPicPr>
-          <p:cNvPr id="4" name="Picture 3"/>
-          <p:cNvPicPr>
-            <a:picLocks noChangeAspect="1"/>
-          </p:cNvPicPr>
-          <p:nvPr/>
-        </p:nvPicPr>
-        <p:blipFill>
-          <a:blip r:embed="rId4">
-            <a:extLst>
-              <a:ext uri="{28A0092B-C50C-407E-A947-70E740481C1C}">
-                <a14:useLocalDpi xmlns:a14="http://schemas.microsoft.com/office/drawing/2010/main" val="0"/>
-              </a:ext>
-            </a:extLst>
-          </a:blip>
-          <a:stretch>
-            <a:fillRect/>
-          </a:stretch>
-        </p:blipFill>
-        <p:spPr>
-          <a:xfrm>
-            <a:off x="-538496" y="-2482770"/>
-            <a:ext cx="10171472" cy="7459883"/>
-          </a:xfrm>
-          <a:prstGeom prst="rect">
-            <a:avLst/>
-          </a:prstGeom>
-        </p:spPr>
-      </p:pic>
-      <p:sp>
-        <p:nvSpPr>
-          <p:cNvPr id="11" name="TextBox 10"/>
-          <p:cNvSpPr txBox="1"/>
-          <p:nvPr/>
-        </p:nvSpPr>
-        <p:spPr>
-          <a:xfrm>
-            <a:off x="324091" y="1687545"/>
-            <a:ext cx="7986531" cy="954107"/>
-          </a:xfrm>
-          <a:prstGeom prst="rect">
-            <a:avLst/>
-          </a:prstGeom>
-          <a:noFill/>
-        </p:spPr>
-        <p:txBody>
-          <a:bodyPr wrap="square" rtlCol="0">
-            <a:spAutoFit/>
-          </a:bodyPr>
-          <a:lstStyle/>
-          <a:p>
-            <a:r>
-              <a:rPr lang="en-US" sz="2800" b="1" i="1" dirty="0">
-                <a:solidFill>
-                  <a:srgbClr val="707070"/>
-                </a:solidFill>
-                <a:latin typeface="Pragmatica" panose="020B0403040502020204" pitchFamily="34" charset="0"/>
-              </a:rPr>
-              <a:t>Advancing into Analytics: From Excel to R and Python</a:t>
-            </a:r>
-          </a:p>
-        </p:txBody>
-      </p:sp>
-      <p:pic>
-        <p:nvPicPr>
-          <p:cNvPr id="5" name="Picture 4" descr="Text&#10;&#10;Description automatically generated">
-            <a:extLst>
-              <a:ext uri="{FF2B5EF4-FFF2-40B4-BE49-F238E27FC236}">
-                <a16:creationId xmlns:a16="http://schemas.microsoft.com/office/drawing/2014/main" id="{7BEF5AE1-1468-430B-ABD5-21B214268043}"/>
-              </a:ext>
-            </a:extLst>
-          </p:cNvPr>
-          <p:cNvPicPr>
-            <a:picLocks noChangeAspect="1"/>
-          </p:cNvPicPr>
-          <p:nvPr/>
-        </p:nvPicPr>
-        <p:blipFill>
-          <a:blip r:embed="rId5">
-            <a:extLst>
-              <a:ext uri="{28A0092B-C50C-407E-A947-70E740481C1C}">
-                <a14:useLocalDpi xmlns:a14="http://schemas.microsoft.com/office/drawing/2010/main" val="0"/>
-              </a:ext>
-            </a:extLst>
-          </a:blip>
-          <a:stretch>
-            <a:fillRect/>
-          </a:stretch>
-        </p:blipFill>
-        <p:spPr>
-          <a:xfrm>
-            <a:off x="0" y="428"/>
-            <a:ext cx="12191238" cy="6857571"/>
-          </a:xfrm>
-          <a:prstGeom prst="rect">
-            <a:avLst/>
-          </a:prstGeom>
-        </p:spPr>
-      </p:pic>
-    </p:spTree>
-    <p:extLst>
-      <p:ext uri="{BB962C8B-B14F-4D97-AF65-F5344CB8AC3E}">
-        <p14:creationId xmlns:p14="http://schemas.microsoft.com/office/powerpoint/2010/main" val="1551543971"/>
-      </p:ext>
-    </p:extLst>
-  </p:cSld>
-  <p:clrMapOvr>
-    <a:masterClrMapping/>
-  </p:clrMapOvr>
-</p:sld>
-</file>
-
-<file path=ppt/slides/slide20.xml><?xml version="1.0" encoding="utf-8"?>
-<p:sld xmlns:a="http://schemas.openxmlformats.org/drawingml/2006/main" xmlns:r="http://schemas.openxmlformats.org/officeDocument/2006/relationships" xmlns:p="http://schemas.openxmlformats.org/presentationml/2006/main">
-  <p:cSld>
-    <p:spTree>
-      <p:nvGrpSpPr>
-        <p:cNvPr id="1" name=""/>
-        <p:cNvGrpSpPr/>
-        <p:nvPr/>
-      </p:nvGrpSpPr>
-      <p:grpSpPr>
-        <a:xfrm>
-          <a:off x="0" y="0"/>
-          <a:ext cx="0" cy="0"/>
-          <a:chOff x="0" y="0"/>
-          <a:chExt cx="0" cy="0"/>
-        </a:xfrm>
-      </p:grpSpPr>
-      <p:sp>
-        <p:nvSpPr>
-          <p:cNvPr id="4" name="Rectangle 3"/>
-          <p:cNvSpPr/>
-          <p:nvPr/>
-        </p:nvSpPr>
-        <p:spPr>
-          <a:xfrm>
-            <a:off x="6574420" y="0"/>
-            <a:ext cx="5617580" cy="6858000"/>
-          </a:xfrm>
-          <a:prstGeom prst="rect">
-            <a:avLst/>
-          </a:prstGeom>
-          <a:solidFill>
-            <a:srgbClr val="CF3338"/>
-          </a:solidFill>
-        </p:spPr>
-        <p:style>
-          <a:lnRef idx="2">
-            <a:schemeClr val="accent1">
-              <a:shade val="50000"/>
-            </a:schemeClr>
-          </a:lnRef>
-          <a:fillRef idx="1">
-            <a:schemeClr val="accent1"/>
-          </a:fillRef>
-          <a:effectRef idx="0">
-            <a:schemeClr val="accent1"/>
-          </a:effectRef>
-          <a:fontRef idx="minor">
-            <a:schemeClr val="lt1"/>
-          </a:fontRef>
-        </p:style>
-        <p:txBody>
-          <a:bodyPr rtlCol="0" anchor="ctr"/>
-          <a:lstStyle/>
-          <a:p>
-            <a:pPr algn="ctr"/>
-            <a:endParaRPr lang="en-US"/>
-          </a:p>
-        </p:txBody>
-      </p:sp>
-      <p:sp>
-        <p:nvSpPr>
-          <p:cNvPr id="5" name="TextBox 4"/>
-          <p:cNvSpPr txBox="1"/>
-          <p:nvPr/>
-        </p:nvSpPr>
-        <p:spPr>
-          <a:xfrm>
-            <a:off x="6817489" y="0"/>
-            <a:ext cx="4120587" cy="1446550"/>
-          </a:xfrm>
-          <a:prstGeom prst="rect">
-            <a:avLst/>
-          </a:prstGeom>
-          <a:noFill/>
-        </p:spPr>
-        <p:txBody>
-          <a:bodyPr wrap="square" rtlCol="0">
-            <a:spAutoFit/>
-          </a:bodyPr>
-          <a:lstStyle/>
-          <a:p>
-            <a:r>
-              <a:rPr lang="en-US" sz="8800" dirty="0">
-                <a:solidFill>
-                  <a:schemeClr val="bg1"/>
-                </a:solidFill>
-                <a:latin typeface="Aliens &amp; cows" panose="00000500000000000000" pitchFamily="2" charset="0"/>
-              </a:rPr>
-              <a:t>Demo</a:t>
-            </a:r>
-          </a:p>
-        </p:txBody>
-      </p:sp>
-      <p:pic>
-        <p:nvPicPr>
-          <p:cNvPr id="2" name="Picture 1"/>
-          <p:cNvPicPr>
-            <a:picLocks noChangeAspect="1"/>
-          </p:cNvPicPr>
-          <p:nvPr/>
-        </p:nvPicPr>
-        <p:blipFill rotWithShape="1">
-          <a:blip r:embed="rId3">
-            <a:extLst>
-              <a:ext uri="{28A0092B-C50C-407E-A947-70E740481C1C}">
-                <a14:useLocalDpi xmlns:a14="http://schemas.microsoft.com/office/drawing/2010/main" val="0"/>
-              </a:ext>
-            </a:extLst>
-          </a:blip>
-          <a:srcRect l="69227" t="33418" r="20112" b="50548"/>
-          <a:stretch/>
-        </p:blipFill>
-        <p:spPr>
-          <a:xfrm>
-            <a:off x="10386349" y="5029795"/>
-            <a:ext cx="1805651" cy="1991719"/>
-          </a:xfrm>
-          <a:prstGeom prst="rect">
-            <a:avLst/>
-          </a:prstGeom>
-        </p:spPr>
-      </p:pic>
-      <p:sp>
-        <p:nvSpPr>
-          <p:cNvPr id="3" name="TextBox 2"/>
-          <p:cNvSpPr txBox="1"/>
-          <p:nvPr/>
-        </p:nvSpPr>
-        <p:spPr>
-          <a:xfrm>
-            <a:off x="173620" y="219919"/>
-            <a:ext cx="5937813" cy="954107"/>
-          </a:xfrm>
-          <a:prstGeom prst="rect">
-            <a:avLst/>
-          </a:prstGeom>
-          <a:noFill/>
-        </p:spPr>
-        <p:txBody>
-          <a:bodyPr wrap="square" rtlCol="0">
-            <a:spAutoFit/>
-          </a:bodyPr>
-          <a:lstStyle/>
-          <a:p>
-            <a:r>
-              <a:rPr lang="en-US" sz="2800" b="1" dirty="0">
-                <a:solidFill>
-                  <a:srgbClr val="CF3338"/>
-                </a:solidFill>
-                <a:latin typeface="Pragmatica" pitchFamily="2" charset="0"/>
-              </a:rPr>
-              <a:t>File: </a:t>
-            </a:r>
-            <a:r>
-              <a:rPr lang="en-US" sz="2800" b="1" dirty="0">
-                <a:solidFill>
-                  <a:srgbClr val="CF3338"/>
-                </a:solidFill>
-                <a:latin typeface="Consolas" panose="020B0609020204030204" pitchFamily="49" charset="0"/>
-              </a:rPr>
-              <a:t>thing-4.ipynb</a:t>
-            </a:r>
-          </a:p>
-          <a:p>
-            <a:endParaRPr lang="en-US" sz="2800" b="1" dirty="0">
-              <a:solidFill>
-                <a:srgbClr val="CF3338"/>
-              </a:solidFill>
-              <a:latin typeface="Consolas" panose="020B0609020204030204" pitchFamily="49" charset="0"/>
-            </a:endParaRPr>
-          </a:p>
-        </p:txBody>
-      </p:sp>
-      <p:sp>
-        <p:nvSpPr>
-          <p:cNvPr id="7" name="TextBox 6">
-            <a:extLst>
-              <a:ext uri="{FF2B5EF4-FFF2-40B4-BE49-F238E27FC236}">
-                <a16:creationId xmlns:a16="http://schemas.microsoft.com/office/drawing/2014/main" id="{855BC584-A237-4C91-9DAB-ADA80256CAC8}"/>
-              </a:ext>
-            </a:extLst>
-          </p:cNvPr>
-          <p:cNvSpPr txBox="1"/>
-          <p:nvPr/>
-        </p:nvSpPr>
-        <p:spPr>
-          <a:xfrm>
-            <a:off x="158187" y="1446550"/>
-            <a:ext cx="5937813" cy="1292662"/>
-          </a:xfrm>
-          <a:prstGeom prst="rect">
-            <a:avLst/>
-          </a:prstGeom>
-          <a:noFill/>
-        </p:spPr>
-        <p:txBody>
-          <a:bodyPr wrap="square" rtlCol="0">
-            <a:spAutoFit/>
-          </a:bodyPr>
-          <a:lstStyle/>
-          <a:p>
-            <a:r>
-              <a:rPr lang="en-US" sz="2600" b="1" dirty="0">
-                <a:solidFill>
-                  <a:srgbClr val="CF3338"/>
-                </a:solidFill>
-                <a:latin typeface="Pragmatica" pitchFamily="2" charset="0"/>
-              </a:rPr>
-              <a:t>What can “Python-Powered Excel” do that “Pandas-Powered Excel” cannot? </a:t>
-            </a:r>
-          </a:p>
-        </p:txBody>
-      </p:sp>
-    </p:spTree>
-    <p:extLst>
-      <p:ext uri="{BB962C8B-B14F-4D97-AF65-F5344CB8AC3E}">
-        <p14:creationId xmlns:p14="http://schemas.microsoft.com/office/powerpoint/2010/main" val="1917160677"/>
-      </p:ext>
-    </p:extLst>
-  </p:cSld>
-  <p:clrMapOvr>
-    <a:masterClrMapping/>
-  </p:clrMapOvr>
-</p:sld>
-</file>
-
-<file path=ppt/slides/slide21.xml><?xml version="1.0" encoding="utf-8"?>
+<file path=ppt/slides/slide17.xml><?xml version="1.0" encoding="utf-8"?>
 <p:sld xmlns:a="http://schemas.openxmlformats.org/drawingml/2006/main" xmlns:r="http://schemas.openxmlformats.org/officeDocument/2006/relationships" xmlns:p="http://schemas.openxmlformats.org/presentationml/2006/main">
   <p:cSld>
     <p:spTree>
@@ -11011,7 +9887,7 @@
 </p:sld>
 </file>
 
-<file path=ppt/slides/slide22.xml><?xml version="1.0" encoding="utf-8"?>
+<file path=ppt/slides/slide18.xml><?xml version="1.0" encoding="utf-8"?>
 <p:sld xmlns:a="http://schemas.openxmlformats.org/drawingml/2006/main" xmlns:r="http://schemas.openxmlformats.org/officeDocument/2006/relationships" xmlns:p="http://schemas.openxmlformats.org/presentationml/2006/main">
   <p:cSld>
     <p:spTree>
@@ -11118,7 +9994,229 @@
 </p:sld>
 </file>
 
-<file path=ppt/slides/slide23.xml><?xml version="1.0" encoding="utf-8"?>
+<file path=ppt/slides/slide19.xml><?xml version="1.0" encoding="utf-8"?>
+<p:sld xmlns:a="http://schemas.openxmlformats.org/drawingml/2006/main" xmlns:r="http://schemas.openxmlformats.org/officeDocument/2006/relationships" xmlns:p="http://schemas.openxmlformats.org/presentationml/2006/main">
+  <p:cSld>
+    <p:spTree>
+      <p:nvGrpSpPr>
+        <p:cNvPr id="1" name=""/>
+        <p:cNvGrpSpPr/>
+        <p:nvPr/>
+      </p:nvGrpSpPr>
+      <p:grpSpPr>
+        <a:xfrm>
+          <a:off x="0" y="0"/>
+          <a:ext cx="0" cy="0"/>
+          <a:chOff x="0" y="0"/>
+          <a:chExt cx="0" cy="0"/>
+        </a:xfrm>
+      </p:grpSpPr>
+      <p:sp>
+        <p:nvSpPr>
+          <p:cNvPr id="4" name="Rectangle 3"/>
+          <p:cNvSpPr/>
+          <p:nvPr/>
+        </p:nvSpPr>
+        <p:spPr>
+          <a:xfrm>
+            <a:off x="6574420" y="0"/>
+            <a:ext cx="5617580" cy="6858000"/>
+          </a:xfrm>
+          <a:prstGeom prst="rect">
+            <a:avLst/>
+          </a:prstGeom>
+          <a:solidFill>
+            <a:srgbClr val="CF3338"/>
+          </a:solidFill>
+        </p:spPr>
+        <p:style>
+          <a:lnRef idx="2">
+            <a:schemeClr val="accent1">
+              <a:shade val="50000"/>
+            </a:schemeClr>
+          </a:lnRef>
+          <a:fillRef idx="1">
+            <a:schemeClr val="accent1"/>
+          </a:fillRef>
+          <a:effectRef idx="0">
+            <a:schemeClr val="accent1"/>
+          </a:effectRef>
+          <a:fontRef idx="minor">
+            <a:schemeClr val="lt1"/>
+          </a:fontRef>
+        </p:style>
+        <p:txBody>
+          <a:bodyPr rtlCol="0" anchor="ctr"/>
+          <a:lstStyle/>
+          <a:p>
+            <a:pPr algn="ctr"/>
+            <a:endParaRPr lang="en-US"/>
+          </a:p>
+        </p:txBody>
+      </p:sp>
+      <p:sp>
+        <p:nvSpPr>
+          <p:cNvPr id="5" name="TextBox 4"/>
+          <p:cNvSpPr txBox="1"/>
+          <p:nvPr/>
+        </p:nvSpPr>
+        <p:spPr>
+          <a:xfrm>
+            <a:off x="6817489" y="0"/>
+            <a:ext cx="4120587" cy="1446550"/>
+          </a:xfrm>
+          <a:prstGeom prst="rect">
+            <a:avLst/>
+          </a:prstGeom>
+          <a:noFill/>
+        </p:spPr>
+        <p:txBody>
+          <a:bodyPr wrap="square" rtlCol="0">
+            <a:spAutoFit/>
+          </a:bodyPr>
+          <a:lstStyle/>
+          <a:p>
+            <a:r>
+              <a:rPr lang="en-US" sz="8800" dirty="0">
+                <a:solidFill>
+                  <a:schemeClr val="bg1"/>
+                </a:solidFill>
+                <a:latin typeface="Aliens &amp; cows" panose="00000500000000000000" pitchFamily="2" charset="0"/>
+              </a:rPr>
+              <a:t>Demo</a:t>
+            </a:r>
+          </a:p>
+        </p:txBody>
+      </p:sp>
+      <p:pic>
+        <p:nvPicPr>
+          <p:cNvPr id="2" name="Picture 1"/>
+          <p:cNvPicPr>
+            <a:picLocks noChangeAspect="1"/>
+          </p:cNvPicPr>
+          <p:nvPr/>
+        </p:nvPicPr>
+        <p:blipFill rotWithShape="1">
+          <a:blip r:embed="rId3">
+            <a:extLst>
+              <a:ext uri="{28A0092B-C50C-407E-A947-70E740481C1C}">
+                <a14:useLocalDpi xmlns:a14="http://schemas.microsoft.com/office/drawing/2010/main" val="0"/>
+              </a:ext>
+            </a:extLst>
+          </a:blip>
+          <a:srcRect l="69227" t="33418" r="20112" b="50548"/>
+          <a:stretch/>
+        </p:blipFill>
+        <p:spPr>
+          <a:xfrm>
+            <a:off x="10386349" y="5029795"/>
+            <a:ext cx="1805651" cy="1991719"/>
+          </a:xfrm>
+          <a:prstGeom prst="rect">
+            <a:avLst/>
+          </a:prstGeom>
+        </p:spPr>
+      </p:pic>
+      <p:sp>
+        <p:nvSpPr>
+          <p:cNvPr id="3" name="TextBox 2"/>
+          <p:cNvSpPr txBox="1"/>
+          <p:nvPr/>
+        </p:nvSpPr>
+        <p:spPr>
+          <a:xfrm>
+            <a:off x="173620" y="219919"/>
+            <a:ext cx="6285903" cy="1815882"/>
+          </a:xfrm>
+          <a:prstGeom prst="rect">
+            <a:avLst/>
+          </a:prstGeom>
+          <a:noFill/>
+        </p:spPr>
+        <p:txBody>
+          <a:bodyPr wrap="square" rtlCol="0">
+            <a:spAutoFit/>
+          </a:bodyPr>
+          <a:lstStyle/>
+          <a:p>
+            <a:r>
+              <a:rPr lang="en-US" sz="2800" b="1" dirty="0">
+                <a:solidFill>
+                  <a:srgbClr val="CF3338"/>
+                </a:solidFill>
+                <a:latin typeface="Pragmatica" pitchFamily="2" charset="0"/>
+              </a:rPr>
+              <a:t>File: </a:t>
+            </a:r>
+            <a:r>
+              <a:rPr lang="en-US" sz="2800" b="1" dirty="0">
+                <a:solidFill>
+                  <a:srgbClr val="CF3338"/>
+                </a:solidFill>
+                <a:latin typeface="Consolas" panose="020B0609020204030204" pitchFamily="49" charset="0"/>
+              </a:rPr>
+              <a:t>thing-5.ipynb</a:t>
+            </a:r>
+            <a:br>
+              <a:rPr lang="en-US" sz="2800" b="1" dirty="0">
+                <a:solidFill>
+                  <a:srgbClr val="CF3338"/>
+                </a:solidFill>
+                <a:latin typeface="Pragmatica" pitchFamily="2" charset="0"/>
+              </a:rPr>
+            </a:br>
+            <a:endParaRPr lang="en-US" sz="2800" b="1" dirty="0">
+              <a:solidFill>
+                <a:srgbClr val="CF3338"/>
+              </a:solidFill>
+              <a:latin typeface="Pragmatica" pitchFamily="2" charset="0"/>
+            </a:endParaRPr>
+          </a:p>
+          <a:p>
+            <a:r>
+              <a:rPr lang="en-US" sz="2800" b="1" dirty="0">
+                <a:solidFill>
+                  <a:srgbClr val="CF3338"/>
+                </a:solidFill>
+                <a:latin typeface="Pragmatica" panose="020B0403040502020204"/>
+              </a:rPr>
+              <a:t>Some ways to get help from right inside </a:t>
+            </a:r>
+            <a:r>
+              <a:rPr lang="en-US" sz="2800" b="1" dirty="0" err="1">
+                <a:solidFill>
+                  <a:srgbClr val="CF3338"/>
+                </a:solidFill>
+                <a:latin typeface="Pragmatica" panose="020B0403040502020204"/>
+              </a:rPr>
+              <a:t>Jupyter</a:t>
+            </a:r>
+            <a:r>
+              <a:rPr lang="en-US" sz="2800" b="1" dirty="0">
+                <a:solidFill>
+                  <a:srgbClr val="CF3338"/>
+                </a:solidFill>
+                <a:latin typeface="Pragmatica" panose="020B0403040502020204"/>
+              </a:rPr>
+              <a:t>…</a:t>
+            </a:r>
+          </a:p>
+        </p:txBody>
+      </p:sp>
+    </p:spTree>
+    <p:extLst>
+      <p:ext uri="{BB962C8B-B14F-4D97-AF65-F5344CB8AC3E}">
+        <p14:creationId xmlns:p14="http://schemas.microsoft.com/office/powerpoint/2010/main" val="1574627544"/>
+      </p:ext>
+    </p:extLst>
+  </p:cSld>
+  <p:clrMapOvr>
+    <a:masterClrMapping/>
+  </p:clrMapOvr>
+</p:sld>
+</file>
+
+<file path=ppt/slides/slide2.xml><?xml version="1.0" encoding="utf-8"?>
 <p:sld xmlns:a="http://schemas.openxmlformats.org/drawingml/2006/main" xmlns:r="http://schemas.openxmlformats.org/officeDocument/2006/relationships" xmlns:p="http://schemas.openxmlformats.org/presentationml/2006/main">
   <p:cSld>
     <p:spTree>
@@ -11190,7 +10288,7 @@
               <a:rPr lang="en-US" sz="6000" dirty="0">
                 <a:latin typeface="Aliens &amp; cows" panose="00000500000000000000" pitchFamily="2" charset="0"/>
               </a:rPr>
-              <a:t>5 ways to get help…</a:t>
+              <a:t>Follow along</a:t>
             </a:r>
           </a:p>
         </p:txBody>
@@ -11203,8 +10301,8 @@
         </p:nvSpPr>
         <p:spPr>
           <a:xfrm>
-            <a:off x="255598" y="1271545"/>
-            <a:ext cx="7512090" cy="5262979"/>
+            <a:off x="462988" y="1365813"/>
+            <a:ext cx="8245584" cy="1384995"/>
           </a:xfrm>
           <a:prstGeom prst="rect">
             <a:avLst/>
@@ -11217,6 +10315,10 @@
           </a:bodyPr>
           <a:lstStyle/>
           <a:p>
+            <a:pPr marL="285750" indent="-285750">
+              <a:buFont typeface="Arial" panose="020B0604020202020204" pitchFamily="34" charset="0"/>
+              <a:buChar char="•"/>
+            </a:pPr>
             <a:r>
               <a:rPr lang="en-US" sz="2800" dirty="0">
                 <a:solidFill>
@@ -11224,177 +10326,17 @@
                 </a:solidFill>
                 <a:latin typeface="Pragmatica" panose="020B0403040502020204" pitchFamily="34" charset="0"/>
               </a:rPr>
-              <a:t>0. Web search it</a:t>
-            </a:r>
-          </a:p>
-          <a:p>
-            <a:pPr marL="514350" indent="-514350">
-              <a:buFont typeface="+mj-lt"/>
-              <a:buAutoNum type="arabicPeriod"/>
-            </a:pPr>
+              <a:t>Download and unzip resources: </a:t>
+            </a:r>
             <a:r>
               <a:rPr lang="en-US" sz="2800" dirty="0">
-                <a:solidFill>
-                  <a:srgbClr val="707070"/>
-                </a:solidFill>
-                <a:latin typeface="Pragmatica" panose="020B0403040502020204" pitchFamily="34" charset="0"/>
-              </a:rPr>
-              <a:t>Help documentation: </a:t>
-            </a:r>
-            <a:r>
-              <a:rPr lang="en-US" sz="2800" dirty="0">
-                <a:solidFill>
-                  <a:srgbClr val="707070"/>
-                </a:solidFill>
-                <a:latin typeface="Consolas" panose="020B0609020204030204" pitchFamily="49" charset="0"/>
-              </a:rPr>
-              <a:t>?</a:t>
-            </a:r>
-            <a:r>
-              <a:rPr lang="en-US" sz="2800" dirty="0">
-                <a:solidFill>
-                  <a:srgbClr val="707070"/>
-                </a:solidFill>
-                <a:latin typeface="Pragmatica" panose="020B0403040502020204" pitchFamily="34" charset="0"/>
-              </a:rPr>
-              <a:t> or </a:t>
-            </a:r>
-            <a:r>
-              <a:rPr lang="en-US" sz="2800" dirty="0">
-                <a:solidFill>
-                  <a:srgbClr val="707070"/>
-                </a:solidFill>
-                <a:latin typeface="Consolas" panose="020B0609020204030204" pitchFamily="49" charset="0"/>
-              </a:rPr>
-              <a:t>help()</a:t>
-            </a:r>
-          </a:p>
-          <a:p>
-            <a:pPr marL="514350" indent="-514350">
-              <a:buFont typeface="+mj-lt"/>
-              <a:buAutoNum type="arabicPeriod"/>
-            </a:pPr>
-            <a:r>
-              <a:rPr lang="en-US" sz="2800" dirty="0">
-                <a:solidFill>
-                  <a:srgbClr val="707070"/>
-                </a:solidFill>
-                <a:latin typeface="Pragmatica" panose="020B0403040502020204" pitchFamily="34" charset="0"/>
-              </a:rPr>
-              <a:t>Read package’s documentation</a:t>
-            </a:r>
-          </a:p>
-          <a:p>
-            <a:pPr marL="514350" indent="-514350">
-              <a:buFont typeface="+mj-lt"/>
-              <a:buAutoNum type="arabicPeriod"/>
-            </a:pPr>
-            <a:r>
-              <a:rPr lang="en-US" sz="2800" dirty="0">
-                <a:solidFill>
-                  <a:srgbClr val="707070"/>
-                </a:solidFill>
-                <a:latin typeface="Pragmatica" panose="020B0403040502020204" pitchFamily="34" charset="0"/>
-              </a:rPr>
-              <a:t>Visualize your code with </a:t>
-            </a:r>
-            <a:r>
-              <a:rPr lang="en-US" sz="2800" dirty="0" err="1">
                 <a:solidFill>
                   <a:srgbClr val="707070"/>
                 </a:solidFill>
                 <a:latin typeface="Pragmatica" panose="020B0403040502020204" pitchFamily="34" charset="0"/>
                 <a:hlinkClick r:id="rId4"/>
               </a:rPr>
-              <a:t>PythonTutor</a:t>
-            </a:r>
-            <a:endParaRPr lang="en-US" sz="2800" dirty="0">
-              <a:solidFill>
-                <a:srgbClr val="707070"/>
-              </a:solidFill>
-              <a:latin typeface="Pragmatica" panose="020B0403040502020204" pitchFamily="34" charset="0"/>
-            </a:endParaRPr>
-          </a:p>
-          <a:p>
-            <a:pPr marL="514350" indent="-514350">
-              <a:buFont typeface="+mj-lt"/>
-              <a:buAutoNum type="arabicPeriod"/>
-            </a:pPr>
-            <a:r>
-              <a:rPr lang="en-US" sz="2800" dirty="0">
-                <a:solidFill>
-                  <a:srgbClr val="707070"/>
-                </a:solidFill>
-                <a:latin typeface="Pragmatica" panose="020B0403040502020204" pitchFamily="34" charset="0"/>
-              </a:rPr>
-              <a:t>Compose an </a:t>
-            </a:r>
-            <a:r>
-              <a:rPr lang="en-US" sz="2800" dirty="0">
-                <a:solidFill>
-                  <a:srgbClr val="707070"/>
-                </a:solidFill>
-                <a:latin typeface="Pragmatica" panose="020B0403040502020204" pitchFamily="34" charset="0"/>
-                <a:hlinkClick r:id="rId5"/>
-              </a:rPr>
-              <a:t>MRE</a:t>
-            </a:r>
-            <a:endParaRPr lang="en-US" sz="2800" dirty="0">
-              <a:solidFill>
-                <a:srgbClr val="707070"/>
-              </a:solidFill>
-              <a:latin typeface="Pragmatica" panose="020B0403040502020204" pitchFamily="34" charset="0"/>
-            </a:endParaRPr>
-          </a:p>
-          <a:p>
-            <a:r>
-              <a:rPr lang="en-US" sz="2800" i="1" dirty="0">
-                <a:solidFill>
-                  <a:srgbClr val="707070"/>
-                </a:solidFill>
-                <a:latin typeface="Pragmatica" panose="020B0403040502020204" pitchFamily="34" charset="0"/>
-              </a:rPr>
-              <a:t>And then…</a:t>
-            </a:r>
-          </a:p>
-          <a:p>
-            <a:r>
-              <a:rPr lang="en-US" sz="2800" dirty="0">
-                <a:solidFill>
-                  <a:srgbClr val="707070"/>
-                </a:solidFill>
-                <a:latin typeface="Pragmatica" panose="020B0403040502020204" pitchFamily="34" charset="0"/>
-              </a:rPr>
-              <a:t>5. Hit the forums for help</a:t>
-            </a:r>
-          </a:p>
-          <a:p>
-            <a:endParaRPr lang="en-US" sz="2800" i="1" dirty="0">
-              <a:solidFill>
-                <a:srgbClr val="707070"/>
-              </a:solidFill>
-              <a:latin typeface="Pragmatica" panose="020B0403040502020204" pitchFamily="34" charset="0"/>
-            </a:endParaRPr>
-          </a:p>
-          <a:p>
-            <a:r>
-              <a:rPr lang="en-US" sz="2800" dirty="0">
-                <a:solidFill>
-                  <a:srgbClr val="707070"/>
-                </a:solidFill>
-                <a:latin typeface="Pragmatica" panose="020B0403040502020204" pitchFamily="34" charset="0"/>
-              </a:rPr>
-              <a:t>More: </a:t>
-            </a:r>
-            <a:r>
-              <a:rPr lang="en-US" sz="2800" dirty="0">
-                <a:solidFill>
-                  <a:srgbClr val="707070"/>
-                </a:solidFill>
-                <a:latin typeface="Pragmatica" panose="020B0403040502020204" pitchFamily="34" charset="0"/>
-                <a:hlinkClick r:id="rId6"/>
-              </a:rPr>
-              <a:t>https://stringfestanalytics.com/five-ways-to-get-help-in-python/</a:t>
+              <a:t>https://github.com/stringfestdata/five-things-workshop</a:t>
             </a:r>
             <a:r>
               <a:rPr lang="en-US" sz="2800" dirty="0">
@@ -11406,71 +10348,42 @@
               <a:t>  </a:t>
             </a:r>
           </a:p>
-          <a:p>
-            <a:pPr marL="514350" indent="-514350">
-              <a:buFont typeface="+mj-lt"/>
-              <a:buAutoNum type="arabicPeriod"/>
-            </a:pPr>
-            <a:endParaRPr lang="en-US" sz="2800" dirty="0">
-              <a:solidFill>
-                <a:srgbClr val="707070"/>
-              </a:solidFill>
-              <a:latin typeface="Pragmatica" panose="020B0403040502020204" pitchFamily="34" charset="0"/>
-            </a:endParaRPr>
-          </a:p>
         </p:txBody>
       </p:sp>
       <p:pic>
         <p:nvPicPr>
-          <p:cNvPr id="1026" name="Picture 2">
+          <p:cNvPr id="7" name="Picture 6">
             <a:extLst>
               <a:ext uri="{FF2B5EF4-FFF2-40B4-BE49-F238E27FC236}">
-                <a16:creationId xmlns:a16="http://schemas.microsoft.com/office/drawing/2014/main" id="{852D406E-2331-46A9-A399-A76B406632C0}"/>
+                <a16:creationId xmlns:a16="http://schemas.microsoft.com/office/drawing/2014/main" id="{A558E868-37D7-44EE-9326-24E43DB73F4B}"/>
               </a:ext>
             </a:extLst>
           </p:cNvPr>
           <p:cNvPicPr>
-            <a:picLocks noChangeAspect="1" noChangeArrowheads="1"/>
+            <a:picLocks noChangeAspect="1"/>
           </p:cNvPicPr>
           <p:nvPr/>
         </p:nvPicPr>
         <p:blipFill>
-          <a:blip r:embed="rId7">
-            <a:extLst>
-              <a:ext uri="{28A0092B-C50C-407E-A947-70E740481C1C}">
-                <a14:useLocalDpi xmlns:a14="http://schemas.microsoft.com/office/drawing/2010/main" val="0"/>
-              </a:ext>
-            </a:extLst>
-          </a:blip>
-          <a:srcRect/>
+          <a:blip r:embed="rId5"/>
           <a:stretch>
             <a:fillRect/>
           </a:stretch>
         </p:blipFill>
-        <p:spPr bwMode="auto">
+        <p:spPr>
           <a:xfrm>
-            <a:off x="7524749" y="3676650"/>
-            <a:ext cx="4667250" cy="3181350"/>
+            <a:off x="4018280" y="2909214"/>
+            <a:ext cx="7695288" cy="3593186"/>
           </a:xfrm>
           <a:prstGeom prst="rect">
             <a:avLst/>
           </a:prstGeom>
-          <a:noFill/>
-          <a:extLst>
-            <a:ext uri="{909E8E84-426E-40DD-AFC4-6F175D3DCCD1}">
-              <a14:hiddenFill xmlns:a14="http://schemas.microsoft.com/office/drawing/2010/main">
-                <a:solidFill>
-                  <a:srgbClr val="FFFFFF"/>
-                </a:solidFill>
-              </a14:hiddenFill>
-            </a:ext>
-          </a:extLst>
         </p:spPr>
       </p:pic>
     </p:spTree>
     <p:extLst>
       <p:ext uri="{BB962C8B-B14F-4D97-AF65-F5344CB8AC3E}">
-        <p14:creationId xmlns:p14="http://schemas.microsoft.com/office/powerpoint/2010/main" val="1932329740"/>
+        <p14:creationId xmlns:p14="http://schemas.microsoft.com/office/powerpoint/2010/main" val="3830029867"/>
       </p:ext>
     </p:extLst>
   </p:cSld>
@@ -11480,7 +10393,7 @@
 </p:sld>
 </file>
 
-<file path=ppt/slides/slide24.xml><?xml version="1.0" encoding="utf-8"?>
+<file path=ppt/slides/slide20.xml><?xml version="1.0" encoding="utf-8"?>
 <p:sld xmlns:a="http://schemas.openxmlformats.org/drawingml/2006/main" xmlns:r="http://schemas.openxmlformats.org/officeDocument/2006/relationships" xmlns:p="http://schemas.openxmlformats.org/presentationml/2006/main">
   <p:cSld>
     <p:spTree>
@@ -11603,7 +10516,7 @@
 </p:sld>
 </file>
 
-<file path=ppt/slides/slide25.xml><?xml version="1.0" encoding="utf-8"?>
+<file path=ppt/slides/slide21.xml><?xml version="1.0" encoding="utf-8"?>
 <p:sld xmlns:a="http://schemas.openxmlformats.org/drawingml/2006/main" xmlns:r="http://schemas.openxmlformats.org/officeDocument/2006/relationships" xmlns:p="http://schemas.openxmlformats.org/presentationml/2006/main">
   <p:cSld>
     <p:spTree>
@@ -11710,7 +10623,7 @@
 </p:sld>
 </file>
 
-<file path=ppt/slides/slide26.xml><?xml version="1.0" encoding="utf-8"?>
+<file path=ppt/slides/slide22.xml><?xml version="1.0" encoding="utf-8"?>
 <p:sld xmlns:a="http://schemas.openxmlformats.org/drawingml/2006/main" xmlns:r="http://schemas.openxmlformats.org/officeDocument/2006/relationships" xmlns:p="http://schemas.openxmlformats.org/presentationml/2006/main">
   <p:cSld>
     <p:spTree>
@@ -11782,7 +10695,7 @@
               <a:rPr lang="en-US" sz="6000" dirty="0">
                 <a:latin typeface="Aliens &amp; cows" panose="00000500000000000000" pitchFamily="2" charset="0"/>
               </a:rPr>
-              <a:t>Recommended reading</a:t>
+              <a:t>Take-home activity</a:t>
             </a:r>
           </a:p>
         </p:txBody>
@@ -11801,8 +10714,8 @@
         </p:nvSpPr>
         <p:spPr>
           <a:xfrm>
-            <a:off x="347240" y="1465093"/>
-            <a:ext cx="8255987" cy="1815882"/>
+            <a:off x="347240" y="1479233"/>
+            <a:ext cx="11318287" cy="1384995"/>
           </a:xfrm>
           <a:prstGeom prst="rect">
             <a:avLst/>
@@ -11823,26 +10736,26 @@
               <a:buChar char="•"/>
             </a:pPr>
             <a:r>
-              <a:rPr lang="en-US" sz="2800" i="1" dirty="0">
-                <a:solidFill>
-                  <a:srgbClr val="707070"/>
-                </a:solidFill>
-                <a:latin typeface="Pragmatica" panose="020B0403040502020204" pitchFamily="34" charset="0"/>
-              </a:rPr>
-              <a:t>Advancing into Analytics </a:t>
-            </a:r>
-            <a:r>
               <a:rPr lang="en-US" sz="2800" dirty="0">
                 <a:solidFill>
                   <a:srgbClr val="707070"/>
                 </a:solidFill>
                 <a:latin typeface="Pragmatica" panose="020B0403040502020204" pitchFamily="34" charset="0"/>
               </a:rPr>
-              <a:t>by George Mount</a:t>
-            </a:r>
-          </a:p>
-          <a:p>
-            <a:pPr marL="914400" lvl="1" indent="-457200">
+              <a:t>Folder: </a:t>
+            </a:r>
+            <a:r>
+              <a:rPr lang="en-US" sz="2800" dirty="0">
+                <a:solidFill>
+                  <a:srgbClr val="707070"/>
+                </a:solidFill>
+                <a:latin typeface="Consolas" panose="020B0609020204030204" pitchFamily="49" charset="0"/>
+              </a:rPr>
+              <a:t>take-home</a:t>
+            </a:r>
+          </a:p>
+          <a:p>
+            <a:pPr marL="457200" indent="-457200">
               <a:buClr>
                 <a:srgbClr val="CF3338"/>
               </a:buClr>
@@ -11854,150 +10767,33 @@
                 <a:solidFill>
                   <a:srgbClr val="707070"/>
                 </a:solidFill>
-                <a:latin typeface="Pragmatica" panose="020B0403040502020204" pitchFamily="34" charset="0"/>
+                <a:latin typeface="Pragmatica" panose="020B0403040502020204"/>
               </a:rPr>
-              <a:t>More info about </a:t>
-            </a:r>
+              <a:t>Summarize and visualize a dataset in Python</a:t>
+            </a:r>
+            <a:endParaRPr lang="en-US" sz="2800" dirty="0">
+              <a:solidFill>
+                <a:srgbClr val="707070"/>
+              </a:solidFill>
+              <a:latin typeface="Consolas" panose="020B0609020204030204" pitchFamily="49" charset="0"/>
+            </a:endParaRPr>
+          </a:p>
+          <a:p>
+            <a:pPr marL="457200" indent="-457200">
+              <a:buClr>
+                <a:srgbClr val="CF3338"/>
+              </a:buClr>
+              <a:buFont typeface="Arial" panose="020B0604020202020204" pitchFamily="34" charset="0"/>
+              <a:buChar char="•"/>
+            </a:pPr>
             <a:r>
               <a:rPr lang="en-US" sz="2800" dirty="0">
                 <a:solidFill>
                   <a:srgbClr val="707070"/>
                 </a:solidFill>
-                <a:latin typeface="Pragmatica" panose="020B0403040502020204" pitchFamily="34" charset="0"/>
-                <a:hlinkClick r:id="rId4"/>
+                <a:latin typeface="Pragmatica" panose="020B0403040502020204"/>
               </a:rPr>
-              <a:t>http://stringfestanalytics.com/book/</a:t>
-            </a:r>
-            <a:r>
-              <a:rPr lang="en-US" sz="2800" dirty="0">
-                <a:solidFill>
-                  <a:srgbClr val="707070"/>
-                </a:solidFill>
-                <a:latin typeface="Pragmatica" panose="020B0403040502020204" pitchFamily="34" charset="0"/>
-              </a:rPr>
-              <a:t> , including how to </a:t>
-            </a:r>
-            <a:r>
-              <a:rPr lang="en-US" sz="2800" i="1" dirty="0">
-                <a:solidFill>
-                  <a:srgbClr val="707070"/>
-                </a:solidFill>
-                <a:latin typeface="Pragmatica" panose="020B0403040502020204" pitchFamily="34" charset="0"/>
-              </a:rPr>
-              <a:t>read for free!</a:t>
-            </a:r>
-            <a:endParaRPr lang="en-US" sz="2800" dirty="0">
-              <a:solidFill>
-                <a:srgbClr val="707070"/>
-              </a:solidFill>
-              <a:latin typeface="Pragmatica" panose="020B0403040502020204" pitchFamily="34" charset="0"/>
-            </a:endParaRPr>
-          </a:p>
-        </p:txBody>
-      </p:sp>
-      <p:pic>
-        <p:nvPicPr>
-          <p:cNvPr id="4098" name="Picture 2" descr="Advancing into Analytics Cover Image">
-            <a:extLst>
-              <a:ext uri="{FF2B5EF4-FFF2-40B4-BE49-F238E27FC236}">
-                <a16:creationId xmlns:a16="http://schemas.microsoft.com/office/drawing/2014/main" id="{58958D3C-C4DB-4EBB-9EE6-AA9672AA9979}"/>
-              </a:ext>
-            </a:extLst>
-          </p:cNvPr>
-          <p:cNvPicPr>
-            <a:picLocks noChangeAspect="1" noChangeArrowheads="1"/>
-          </p:cNvPicPr>
-          <p:nvPr/>
-        </p:nvPicPr>
-        <p:blipFill>
-          <a:blip r:embed="rId5">
-            <a:extLst>
-              <a:ext uri="{28A0092B-C50C-407E-A947-70E740481C1C}">
-                <a14:useLocalDpi xmlns:a14="http://schemas.microsoft.com/office/drawing/2010/main" val="0"/>
-              </a:ext>
-            </a:extLst>
-          </a:blip>
-          <a:srcRect/>
-          <a:stretch>
-            <a:fillRect/>
-          </a:stretch>
-        </p:blipFill>
-        <p:spPr bwMode="auto">
-          <a:xfrm>
-            <a:off x="8322631" y="1804894"/>
-            <a:ext cx="3869369" cy="5053106"/>
-          </a:xfrm>
-          <a:prstGeom prst="rect">
-            <a:avLst/>
-          </a:prstGeom>
-          <a:noFill/>
-          <a:extLst>
-            <a:ext uri="{909E8E84-426E-40DD-AFC4-6F175D3DCCD1}">
-              <a14:hiddenFill xmlns:a14="http://schemas.microsoft.com/office/drawing/2010/main">
-                <a:solidFill>
-                  <a:srgbClr val="FFFFFF"/>
-                </a:solidFill>
-              </a14:hiddenFill>
-            </a:ext>
-          </a:extLst>
-        </p:spPr>
-      </p:pic>
-      <p:sp>
-        <p:nvSpPr>
-          <p:cNvPr id="2" name="Rectangle 1">
-            <a:extLst>
-              <a:ext uri="{FF2B5EF4-FFF2-40B4-BE49-F238E27FC236}">
-                <a16:creationId xmlns:a16="http://schemas.microsoft.com/office/drawing/2014/main" id="{6681DC4C-77BB-4A7B-909D-F6A177016ADE}"/>
-              </a:ext>
-            </a:extLst>
-          </p:cNvPr>
-          <p:cNvSpPr/>
-          <p:nvPr/>
-        </p:nvSpPr>
-        <p:spPr>
-          <a:xfrm>
-            <a:off x="278504" y="4038436"/>
-            <a:ext cx="7697694" cy="2062103"/>
-          </a:xfrm>
-          <a:prstGeom prst="rect">
-            <a:avLst/>
-          </a:prstGeom>
-        </p:spPr>
-        <p:txBody>
-          <a:bodyPr wrap="square">
-            <a:spAutoFit/>
-          </a:bodyPr>
-          <a:lstStyle/>
-          <a:p>
-            <a:pPr>
-              <a:buClr>
-                <a:srgbClr val="CF3338"/>
-              </a:buClr>
-            </a:pPr>
-            <a:r>
-              <a:rPr lang="en-US" sz="3200" dirty="0">
-                <a:solidFill>
-                  <a:srgbClr val="707070"/>
-                </a:solidFill>
-                <a:latin typeface="Pragmatica" panose="020B0403040502020204" pitchFamily="34" charset="0"/>
-              </a:rPr>
-              <a:t>“By the end of this book, you should be able to conduct exploratory data analysis and</a:t>
-            </a:r>
-          </a:p>
-          <a:p>
-            <a:pPr>
-              <a:buClr>
-                <a:srgbClr val="CF3338"/>
-              </a:buClr>
-            </a:pPr>
-            <a:r>
-              <a:rPr lang="en-US" sz="3200" dirty="0">
-                <a:solidFill>
-                  <a:srgbClr val="707070"/>
-                </a:solidFill>
-                <a:latin typeface="Pragmatica" panose="020B0403040502020204" pitchFamily="34" charset="0"/>
-              </a:rPr>
-              <a:t>hypothesis testing using a programming language.”</a:t>
+              <a:t>Solution notebook available</a:t>
             </a:r>
           </a:p>
         </p:txBody>
@@ -12005,7 +10801,7 @@
     </p:spTree>
     <p:extLst>
       <p:ext uri="{BB962C8B-B14F-4D97-AF65-F5344CB8AC3E}">
-        <p14:creationId xmlns:p14="http://schemas.microsoft.com/office/powerpoint/2010/main" val="3327978876"/>
+        <p14:creationId xmlns:p14="http://schemas.microsoft.com/office/powerpoint/2010/main" val="1850583779"/>
       </p:ext>
     </p:extLst>
   </p:cSld>
@@ -12015,7 +10811,7 @@
 </p:sld>
 </file>
 
-<file path=ppt/slides/slide27.xml><?xml version="1.0" encoding="utf-8"?>
+<file path=ppt/slides/slide23.xml><?xml version="1.0" encoding="utf-8"?>
 <p:sld xmlns:a="http://schemas.openxmlformats.org/drawingml/2006/main" xmlns:r="http://schemas.openxmlformats.org/officeDocument/2006/relationships" xmlns:p="http://schemas.openxmlformats.org/presentationml/2006/main">
   <p:cSld>
     <p:spTree>
@@ -12041,7 +10837,7 @@
           <p:nvPr/>
         </p:nvPicPr>
         <p:blipFill rotWithShape="1">
-          <a:blip r:embed="rId2">
+          <a:blip r:embed="rId3">
             <a:extLst>
               <a:ext uri="{28A0092B-C50C-407E-A947-70E740481C1C}">
                 <a14:useLocalDpi xmlns:a14="http://schemas.microsoft.com/office/drawing/2010/main" val="0"/>
@@ -12087,7 +10883,7 @@
               <a:rPr lang="en-US" sz="6000" dirty="0">
                 <a:latin typeface="Aliens &amp; cows" panose="00000500000000000000" pitchFamily="2" charset="0"/>
               </a:rPr>
-              <a:t>After that…</a:t>
+              <a:t>Want more? </a:t>
             </a:r>
           </a:p>
         </p:txBody>
@@ -12107,7 +10903,7 @@
         <p:spPr>
           <a:xfrm>
             <a:off x="347240" y="1465093"/>
-            <a:ext cx="8255987" cy="2677656"/>
+            <a:ext cx="9688858" cy="954107"/>
           </a:xfrm>
           <a:prstGeom prst="rect">
             <a:avLst/>
@@ -12128,58 +10924,33 @@
               <a:buChar char="•"/>
             </a:pPr>
             <a:r>
-              <a:rPr lang="en-US" sz="2800" i="1" dirty="0">
-                <a:solidFill>
-                  <a:srgbClr val="707070"/>
-                </a:solidFill>
-                <a:latin typeface="Pragmatica" panose="020B0403040502020204" pitchFamily="34" charset="0"/>
-              </a:rPr>
-              <a:t>Automate the Boring Stuff with Python </a:t>
-            </a:r>
-            <a:r>
               <a:rPr lang="en-US" sz="2800" dirty="0">
                 <a:solidFill>
                   <a:srgbClr val="707070"/>
                 </a:solidFill>
                 <a:latin typeface="Pragmatica" panose="020B0403040502020204" pitchFamily="34" charset="0"/>
               </a:rPr>
-              <a:t>by Al </a:t>
-            </a:r>
-            <a:r>
-              <a:rPr lang="en-US" sz="2800" dirty="0" err="1">
+              <a:t>Sign up for course waiting list: </a:t>
+            </a:r>
+            <a:r>
+              <a:rPr lang="en-US" sz="2800" b="1" dirty="0">
                 <a:solidFill>
                   <a:srgbClr val="707070"/>
                 </a:solidFill>
                 <a:latin typeface="Pragmatica" panose="020B0403040502020204" pitchFamily="34" charset="0"/>
+                <a:hlinkClick r:id="rId4"/>
               </a:rPr>
-              <a:t>Sweigart</a:t>
-            </a:r>
-            <a:r>
-              <a:rPr lang="en-US" sz="2800" i="1" dirty="0">
+              <a:t>https://stringfestanalytics.com/aina-waiting</a:t>
+            </a:r>
+            <a:r>
+              <a:rPr lang="en-US" sz="2800" dirty="0">
                 <a:solidFill>
                   <a:srgbClr val="707070"/>
                 </a:solidFill>
                 <a:latin typeface="Pragmatica" panose="020B0403040502020204" pitchFamily="34" charset="0"/>
+                <a:hlinkClick r:id="rId4"/>
               </a:rPr>
-              <a:t> </a:t>
-            </a:r>
-          </a:p>
-          <a:p>
-            <a:pPr marL="457200" indent="-457200">
-              <a:buClr>
-                <a:srgbClr val="CF3338"/>
-              </a:buClr>
-              <a:buFont typeface="Arial" panose="020B0604020202020204" pitchFamily="34" charset="0"/>
-              <a:buChar char="•"/>
-            </a:pPr>
-            <a:r>
-              <a:rPr lang="en-US" sz="2800" i="1" dirty="0">
-                <a:solidFill>
-                  <a:srgbClr val="707070"/>
-                </a:solidFill>
-                <a:latin typeface="Pragmatica" panose="020B0403040502020204" pitchFamily="34" charset="0"/>
-              </a:rPr>
-              <a:t>Python for Data Analysis</a:t>
+              <a:t>/</a:t>
             </a:r>
             <a:r>
               <a:rPr lang="en-US" sz="2800" dirty="0">
@@ -12188,91 +10959,52 @@
                 </a:solidFill>
                 <a:latin typeface="Pragmatica" panose="020B0403040502020204" pitchFamily="34" charset="0"/>
               </a:rPr>
-              <a:t>, 2</a:t>
-            </a:r>
-            <a:r>
-              <a:rPr lang="en-US" sz="2800" baseline="30000" dirty="0">
-                <a:solidFill>
-                  <a:srgbClr val="707070"/>
-                </a:solidFill>
-                <a:latin typeface="Pragmatica" panose="020B0403040502020204" pitchFamily="34" charset="0"/>
-              </a:rPr>
-              <a:t>nd</a:t>
-            </a:r>
-            <a:r>
-              <a:rPr lang="en-US" sz="2800" dirty="0">
-                <a:solidFill>
-                  <a:srgbClr val="707070"/>
-                </a:solidFill>
-                <a:latin typeface="Pragmatica" panose="020B0403040502020204" pitchFamily="34" charset="0"/>
-              </a:rPr>
-              <a:t> Edition by Wes McKinney</a:t>
-            </a:r>
-          </a:p>
-          <a:p>
-            <a:pPr marL="457200" indent="-457200">
-              <a:buClr>
-                <a:srgbClr val="CF3338"/>
-              </a:buClr>
-              <a:buFont typeface="Arial" panose="020B0604020202020204" pitchFamily="34" charset="0"/>
-              <a:buChar char="•"/>
-            </a:pPr>
-            <a:r>
-              <a:rPr lang="en-US" sz="2800" i="1" dirty="0">
-                <a:solidFill>
-                  <a:srgbClr val="707070"/>
-                </a:solidFill>
-                <a:latin typeface="Pragmatica" panose="020B0403040502020204" pitchFamily="34" charset="0"/>
-              </a:rPr>
-              <a:t>Python for Excel </a:t>
-            </a:r>
-            <a:r>
-              <a:rPr lang="en-US" sz="2800" dirty="0">
-                <a:solidFill>
-                  <a:srgbClr val="707070"/>
-                </a:solidFill>
-                <a:latin typeface="Pragmatica" panose="020B0403040502020204" pitchFamily="34" charset="0"/>
-              </a:rPr>
-              <a:t>by Felix </a:t>
-            </a:r>
-            <a:r>
-              <a:rPr lang="en-US" sz="2800" dirty="0" err="1">
-                <a:solidFill>
-                  <a:srgbClr val="707070"/>
-                </a:solidFill>
-                <a:latin typeface="Pragmatica" panose="020B0403040502020204" pitchFamily="34" charset="0"/>
-              </a:rPr>
-              <a:t>Zumstein</a:t>
-            </a:r>
-            <a:endParaRPr lang="en-US" sz="2800" dirty="0">
-              <a:solidFill>
-                <a:srgbClr val="707070"/>
-              </a:solidFill>
-              <a:latin typeface="Pragmatica" panose="020B0403040502020204" pitchFamily="34" charset="0"/>
-            </a:endParaRPr>
-          </a:p>
-          <a:p>
-            <a:pPr>
-              <a:buClr>
-                <a:srgbClr val="CF3338"/>
-              </a:buClr>
-            </a:pPr>
-            <a:r>
-              <a:rPr lang="en-US" sz="2800" dirty="0">
-                <a:solidFill>
-                  <a:srgbClr val="707070"/>
-                </a:solidFill>
-                <a:latin typeface="Pragmatica" panose="020B0403040502020204" pitchFamily="34" charset="0"/>
-              </a:rPr>
-              <a:t> </a:t>
-            </a:r>
-          </a:p>
-        </p:txBody>
-      </p:sp>
+              <a:t>    </a:t>
+            </a:r>
+          </a:p>
+        </p:txBody>
+      </p:sp>
+      <p:pic>
+        <p:nvPicPr>
+          <p:cNvPr id="3" name="Picture 2" descr="A bird standing on a white surface&#10;&#10;Description automatically generated with low confidence">
+            <a:hlinkClick r:id="rId4"/>
+            <a:extLst>
+              <a:ext uri="{FF2B5EF4-FFF2-40B4-BE49-F238E27FC236}">
+                <a16:creationId xmlns:a16="http://schemas.microsoft.com/office/drawing/2014/main" id="{2BD72895-0339-43FE-8F98-905E02F0E9E7}"/>
+              </a:ext>
+            </a:extLst>
+          </p:cNvPr>
+          <p:cNvPicPr>
+            <a:picLocks noChangeAspect="1"/>
+          </p:cNvPicPr>
+          <p:nvPr/>
+        </p:nvPicPr>
+        <p:blipFill>
+          <a:blip r:embed="rId5">
+            <a:extLst>
+              <a:ext uri="{28A0092B-C50C-407E-A947-70E740481C1C}">
+                <a14:useLocalDpi xmlns:a14="http://schemas.microsoft.com/office/drawing/2010/main" val="0"/>
+              </a:ext>
+            </a:extLst>
+          </a:blip>
+          <a:stretch>
+            <a:fillRect/>
+          </a:stretch>
+        </p:blipFill>
+        <p:spPr>
+          <a:xfrm>
+            <a:off x="2095512" y="2491739"/>
+            <a:ext cx="7364990" cy="4142807"/>
+          </a:xfrm>
+          <a:prstGeom prst="rect">
+            <a:avLst/>
+          </a:prstGeom>
+        </p:spPr>
+      </p:pic>
     </p:spTree>
     <p:extLst>
       <p:ext uri="{BB962C8B-B14F-4D97-AF65-F5344CB8AC3E}">
-        <p14:creationId xmlns:p14="http://schemas.microsoft.com/office/powerpoint/2010/main" val="2249534705"/>
+        <p14:creationId xmlns:p14="http://schemas.microsoft.com/office/powerpoint/2010/main" val="1574051232"/>
       </p:ext>
     </p:extLst>
   </p:cSld>
@@ -12282,180 +11014,7 @@
 </p:sld>
 </file>
 
-<file path=ppt/slides/slide28.xml><?xml version="1.0" encoding="utf-8"?>
-<p:sld xmlns:a="http://schemas.openxmlformats.org/drawingml/2006/main" xmlns:r="http://schemas.openxmlformats.org/officeDocument/2006/relationships" xmlns:p="http://schemas.openxmlformats.org/presentationml/2006/main">
-  <p:cSld>
-    <p:spTree>
-      <p:nvGrpSpPr>
-        <p:cNvPr id="1" name=""/>
-        <p:cNvGrpSpPr/>
-        <p:nvPr/>
-      </p:nvGrpSpPr>
-      <p:grpSpPr>
-        <a:xfrm>
-          <a:off x="0" y="0"/>
-          <a:ext cx="0" cy="0"/>
-          <a:chOff x="0" y="0"/>
-          <a:chExt cx="0" cy="0"/>
-        </a:xfrm>
-      </p:grpSpPr>
-      <p:pic>
-        <p:nvPicPr>
-          <p:cNvPr id="10" name="Picture 9"/>
-          <p:cNvPicPr>
-            <a:picLocks noChangeAspect="1"/>
-          </p:cNvPicPr>
-          <p:nvPr/>
-        </p:nvPicPr>
-        <p:blipFill rotWithShape="1">
-          <a:blip r:embed="rId2">
-            <a:extLst>
-              <a:ext uri="{28A0092B-C50C-407E-A947-70E740481C1C}">
-                <a14:useLocalDpi xmlns:a14="http://schemas.microsoft.com/office/drawing/2010/main" val="0"/>
-              </a:ext>
-            </a:extLst>
-          </a:blip>
-          <a:srcRect l="50728" t="56371"/>
-          <a:stretch/>
-        </p:blipFill>
-        <p:spPr>
-          <a:xfrm>
-            <a:off x="10894024" y="5370653"/>
-            <a:ext cx="1297975" cy="1487348"/>
-          </a:xfrm>
-          <a:prstGeom prst="rect">
-            <a:avLst/>
-          </a:prstGeom>
-        </p:spPr>
-      </p:pic>
-      <p:sp>
-        <p:nvSpPr>
-          <p:cNvPr id="11" name="TextBox 10"/>
-          <p:cNvSpPr txBox="1"/>
-          <p:nvPr/>
-        </p:nvSpPr>
-        <p:spPr>
-          <a:xfrm>
-            <a:off x="347240" y="113388"/>
-            <a:ext cx="10861534" cy="1015663"/>
-          </a:xfrm>
-          <a:prstGeom prst="rect">
-            <a:avLst/>
-          </a:prstGeom>
-          <a:noFill/>
-        </p:spPr>
-        <p:txBody>
-          <a:bodyPr wrap="square" rtlCol="0">
-            <a:spAutoFit/>
-          </a:bodyPr>
-          <a:lstStyle/>
-          <a:p>
-            <a:r>
-              <a:rPr lang="en-US" sz="6000" dirty="0">
-                <a:latin typeface="Aliens &amp; cows" panose="00000500000000000000" pitchFamily="2" charset="0"/>
-              </a:rPr>
-              <a:t>Get in touch</a:t>
-            </a:r>
-          </a:p>
-        </p:txBody>
-      </p:sp>
-      <p:sp>
-        <p:nvSpPr>
-          <p:cNvPr id="4" name="TextBox 3">
-            <a:extLst>
-              <a:ext uri="{FF2B5EF4-FFF2-40B4-BE49-F238E27FC236}">
-                <a16:creationId xmlns:a16="http://schemas.microsoft.com/office/drawing/2014/main" id="{5A4F6C64-3E8D-4255-95B8-CF64265213DA}"/>
-              </a:ext>
-            </a:extLst>
-          </p:cNvPr>
-          <p:cNvSpPr txBox="1"/>
-          <p:nvPr/>
-        </p:nvSpPr>
-        <p:spPr>
-          <a:xfrm>
-            <a:off x="347239" y="1424949"/>
-            <a:ext cx="6352413" cy="1384995"/>
-          </a:xfrm>
-          <a:prstGeom prst="rect">
-            <a:avLst/>
-          </a:prstGeom>
-          <a:noFill/>
-        </p:spPr>
-        <p:txBody>
-          <a:bodyPr wrap="square" rtlCol="0">
-            <a:spAutoFit/>
-          </a:bodyPr>
-          <a:lstStyle/>
-          <a:p>
-            <a:pPr marL="514350" indent="-514350">
-              <a:buClr>
-                <a:srgbClr val="CF3338"/>
-              </a:buClr>
-              <a:buFont typeface="Arial" panose="020B0604020202020204" pitchFamily="34" charset="0"/>
-              <a:buChar char="•"/>
-            </a:pPr>
-            <a:r>
-              <a:rPr lang="en-US" sz="2800" dirty="0">
-                <a:solidFill>
-                  <a:srgbClr val="707070"/>
-                </a:solidFill>
-                <a:latin typeface="Pragmatica" panose="020B0403040502020204" pitchFamily="34" charset="0"/>
-              </a:rPr>
-              <a:t>george@stringfestanalytics.com</a:t>
-            </a:r>
-          </a:p>
-          <a:p>
-            <a:pPr marL="514350" indent="-514350">
-              <a:buClr>
-                <a:srgbClr val="CF3338"/>
-              </a:buClr>
-              <a:buFont typeface="Arial" panose="020B0604020202020204" pitchFamily="34" charset="0"/>
-              <a:buChar char="•"/>
-            </a:pPr>
-            <a:r>
-              <a:rPr lang="en-US" sz="2800" dirty="0">
-                <a:solidFill>
-                  <a:srgbClr val="707070"/>
-                </a:solidFill>
-                <a:latin typeface="Pragmatica" panose="020B0403040502020204" pitchFamily="34" charset="0"/>
-              </a:rPr>
-              <a:t>stringfestanalytics.com/book</a:t>
-            </a:r>
-          </a:p>
-          <a:p>
-            <a:pPr marL="514350" indent="-514350">
-              <a:buClr>
-                <a:srgbClr val="CF3338"/>
-              </a:buClr>
-              <a:buFont typeface="Arial" panose="020B0604020202020204" pitchFamily="34" charset="0"/>
-              <a:buChar char="•"/>
-            </a:pPr>
-            <a:r>
-              <a:rPr lang="en-US" sz="2800" dirty="0">
-                <a:solidFill>
-                  <a:srgbClr val="707070"/>
-                </a:solidFill>
-                <a:latin typeface="Pragmatica" panose="020B0403040502020204" pitchFamily="34" charset="0"/>
-              </a:rPr>
-              <a:t>linkedin.com/in/gjmount  </a:t>
-            </a:r>
-          </a:p>
-        </p:txBody>
-      </p:sp>
-    </p:spTree>
-    <p:extLst>
-      <p:ext uri="{BB962C8B-B14F-4D97-AF65-F5344CB8AC3E}">
-        <p14:creationId xmlns:p14="http://schemas.microsoft.com/office/powerpoint/2010/main" val="1370879176"/>
-      </p:ext>
-    </p:extLst>
-  </p:cSld>
-  <p:clrMapOvr>
-    <a:masterClrMapping/>
-  </p:clrMapOvr>
-</p:sld>
-</file>
-
-<file path=ppt/slides/slide29.xml><?xml version="1.0" encoding="utf-8"?>
+<file path=ppt/slides/slide24.xml><?xml version="1.0" encoding="utf-8"?>
 <p:sld xmlns:a="http://schemas.openxmlformats.org/drawingml/2006/main" xmlns:r="http://schemas.openxmlformats.org/officeDocument/2006/relationships" xmlns:p="http://schemas.openxmlformats.org/presentationml/2006/main">
   <p:cSld>
     <p:spTree>
@@ -12560,10 +11119,18 @@
                 </a:solidFill>
                 <a:latin typeface="Pragmatica" panose="020B0403040502020204" pitchFamily="34" charset="0"/>
               </a:rPr>
-              <a:t>Questions?</a:t>
-            </a:r>
-          </a:p>
-          <a:p>
+              <a:t>Event survey: </a:t>
+            </a:r>
+            <a:r>
+              <a:rPr lang="en-US" sz="2800" b="1" dirty="0">
+                <a:solidFill>
+                  <a:srgbClr val="707070"/>
+                </a:solidFill>
+                <a:latin typeface="Pragmatica" panose="020B0403040502020204" pitchFamily="34" charset="0"/>
+                <a:hlinkClick r:id="rId4"/>
+              </a:rPr>
+              <a:t>https://forms.office.com/r/0ZnD0LxpZy</a:t>
+            </a:r>
             <a:endParaRPr lang="en-US" sz="2800" b="1" dirty="0">
               <a:solidFill>
                 <a:srgbClr val="707070"/>
@@ -12572,22 +11139,204 @@
             </a:endParaRPr>
           </a:p>
           <a:p>
-            <a:r>
-              <a:rPr lang="en-US" sz="2800" b="1" i="1" dirty="0">
+            <a:endParaRPr lang="en-US" sz="2800" b="1" dirty="0">
+              <a:solidFill>
+                <a:srgbClr val="707070"/>
+              </a:solidFill>
+              <a:latin typeface="Pragmatica" panose="020B0403040502020204" pitchFamily="34" charset="0"/>
+            </a:endParaRPr>
+          </a:p>
+        </p:txBody>
+      </p:sp>
+    </p:spTree>
+    <p:extLst>
+      <p:ext uri="{BB962C8B-B14F-4D97-AF65-F5344CB8AC3E}">
+        <p14:creationId xmlns:p14="http://schemas.microsoft.com/office/powerpoint/2010/main" val="3360935609"/>
+      </p:ext>
+    </p:extLst>
+  </p:cSld>
+  <p:clrMapOvr>
+    <a:masterClrMapping/>
+  </p:clrMapOvr>
+</p:sld>
+</file>
+
+<file path=ppt/slides/slide25.xml><?xml version="1.0" encoding="utf-8"?>
+<p:sld xmlns:a="http://schemas.openxmlformats.org/drawingml/2006/main" xmlns:r="http://schemas.openxmlformats.org/officeDocument/2006/relationships" xmlns:p="http://schemas.openxmlformats.org/presentationml/2006/main">
+  <p:cSld>
+    <p:spTree>
+      <p:nvGrpSpPr>
+        <p:cNvPr id="1" name=""/>
+        <p:cNvGrpSpPr/>
+        <p:nvPr/>
+      </p:nvGrpSpPr>
+      <p:grpSpPr>
+        <a:xfrm>
+          <a:off x="0" y="0"/>
+          <a:ext cx="0" cy="0"/>
+          <a:chOff x="0" y="0"/>
+          <a:chExt cx="0" cy="0"/>
+        </a:xfrm>
+      </p:grpSpPr>
+      <p:pic>
+        <p:nvPicPr>
+          <p:cNvPr id="10" name="Picture 9"/>
+          <p:cNvPicPr>
+            <a:picLocks noChangeAspect="1"/>
+          </p:cNvPicPr>
+          <p:nvPr/>
+        </p:nvPicPr>
+        <p:blipFill rotWithShape="1">
+          <a:blip r:embed="rId2">
+            <a:extLst>
+              <a:ext uri="{28A0092B-C50C-407E-A947-70E740481C1C}">
+                <a14:useLocalDpi xmlns:a14="http://schemas.microsoft.com/office/drawing/2010/main" val="0"/>
+              </a:ext>
+            </a:extLst>
+          </a:blip>
+          <a:srcRect l="50728" t="56371"/>
+          <a:stretch/>
+        </p:blipFill>
+        <p:spPr>
+          <a:xfrm>
+            <a:off x="8136460" y="2210765"/>
+            <a:ext cx="4055539" cy="4647236"/>
+          </a:xfrm>
+          <a:prstGeom prst="rect">
+            <a:avLst/>
+          </a:prstGeom>
+        </p:spPr>
+      </p:pic>
+      <p:pic>
+        <p:nvPicPr>
+          <p:cNvPr id="4" name="Picture 3"/>
+          <p:cNvPicPr>
+            <a:picLocks noChangeAspect="1"/>
+          </p:cNvPicPr>
+          <p:nvPr/>
+        </p:nvPicPr>
+        <p:blipFill>
+          <a:blip r:embed="rId3">
+            <a:extLst>
+              <a:ext uri="{28A0092B-C50C-407E-A947-70E740481C1C}">
+                <a14:useLocalDpi xmlns:a14="http://schemas.microsoft.com/office/drawing/2010/main" val="0"/>
+              </a:ext>
+            </a:extLst>
+          </a:blip>
+          <a:stretch>
+            <a:fillRect/>
+          </a:stretch>
+        </p:blipFill>
+        <p:spPr>
+          <a:xfrm>
+            <a:off x="-538496" y="-2482770"/>
+            <a:ext cx="10171472" cy="7459883"/>
+          </a:xfrm>
+          <a:prstGeom prst="rect">
+            <a:avLst/>
+          </a:prstGeom>
+        </p:spPr>
+      </p:pic>
+      <p:sp>
+        <p:nvSpPr>
+          <p:cNvPr id="11" name="TextBox 10"/>
+          <p:cNvSpPr txBox="1"/>
+          <p:nvPr/>
+        </p:nvSpPr>
+        <p:spPr>
+          <a:xfrm>
+            <a:off x="324091" y="1687545"/>
+            <a:ext cx="7986531" cy="2369880"/>
+          </a:xfrm>
+          <a:prstGeom prst="rect">
+            <a:avLst/>
+          </a:prstGeom>
+          <a:noFill/>
+        </p:spPr>
+        <p:txBody>
+          <a:bodyPr wrap="square" rtlCol="0">
+            <a:spAutoFit/>
+          </a:bodyPr>
+          <a:lstStyle/>
+          <a:p>
+            <a:r>
+              <a:rPr lang="en-US" sz="3600" b="1" dirty="0">
                 <a:solidFill>
                   <a:srgbClr val="707070"/>
                 </a:solidFill>
                 <a:latin typeface="Pragmatica" panose="020B0403040502020204" pitchFamily="34" charset="0"/>
               </a:rPr>
-              <a:t>Who wants to win a book?</a:t>
-            </a:r>
+              <a:t>THANK YOU</a:t>
+            </a:r>
+          </a:p>
+          <a:p>
+            <a:endParaRPr lang="en-US" sz="2800" b="1" dirty="0">
+              <a:solidFill>
+                <a:srgbClr val="707070"/>
+              </a:solidFill>
+              <a:latin typeface="Pragmatica" panose="020B0403040502020204" pitchFamily="34" charset="0"/>
+            </a:endParaRPr>
+          </a:p>
+          <a:p>
+            <a:r>
+              <a:rPr lang="en-US" sz="2800" b="1" dirty="0">
+                <a:solidFill>
+                  <a:srgbClr val="707070"/>
+                </a:solidFill>
+                <a:latin typeface="Pragmatica" panose="020B0403040502020204" pitchFamily="34" charset="0"/>
+                <a:hlinkClick r:id="rId4"/>
+              </a:rPr>
+              <a:t>george@stringfestanalytics.com</a:t>
+            </a:r>
+            <a:endParaRPr lang="en-US" sz="2800" b="1" dirty="0">
+              <a:solidFill>
+                <a:srgbClr val="707070"/>
+              </a:solidFill>
+              <a:latin typeface="Pragmatica" panose="020B0403040502020204" pitchFamily="34" charset="0"/>
+            </a:endParaRPr>
+          </a:p>
+          <a:p>
+            <a:r>
+              <a:rPr lang="en-US" sz="2800" b="1" dirty="0">
+                <a:solidFill>
+                  <a:srgbClr val="707070"/>
+                </a:solidFill>
+                <a:latin typeface="Pragmatica" panose="020B0403040502020204" pitchFamily="34" charset="0"/>
+                <a:hlinkClick r:id="rId5"/>
+              </a:rPr>
+              <a:t>linkedin.com/in/gjmount</a:t>
+            </a:r>
+            <a:endParaRPr lang="en-US" sz="2800" b="1" dirty="0">
+              <a:solidFill>
+                <a:srgbClr val="707070"/>
+              </a:solidFill>
+              <a:latin typeface="Pragmatica" panose="020B0403040502020204" pitchFamily="34" charset="0"/>
+            </a:endParaRPr>
+          </a:p>
+          <a:p>
+            <a:r>
+              <a:rPr lang="en-US" sz="2800" b="1" dirty="0">
+                <a:solidFill>
+                  <a:srgbClr val="707070"/>
+                </a:solidFill>
+                <a:latin typeface="Pragmatica" panose="020B0403040502020204" pitchFamily="34" charset="0"/>
+                <a:hlinkClick r:id="rId6"/>
+              </a:rPr>
+              <a:t>stringfestanalytics.com/contact  </a:t>
+            </a:r>
+            <a:endParaRPr lang="en-US" sz="2800" b="1" dirty="0">
+              <a:solidFill>
+                <a:srgbClr val="707070"/>
+              </a:solidFill>
+              <a:latin typeface="Pragmatica" panose="020B0403040502020204" pitchFamily="34" charset="0"/>
+            </a:endParaRPr>
           </a:p>
         </p:txBody>
       </p:sp>
     </p:spTree>
     <p:extLst>
       <p:ext uri="{BB962C8B-B14F-4D97-AF65-F5344CB8AC3E}">
-        <p14:creationId xmlns:p14="http://schemas.microsoft.com/office/powerpoint/2010/main" val="2312071835"/>
+        <p14:creationId xmlns:p14="http://schemas.microsoft.com/office/powerpoint/2010/main" val="3712320391"/>
       </p:ext>
     </p:extLst>
   </p:cSld>
@@ -12614,45 +11363,59 @@
           <a:chExt cx="0" cy="0"/>
         </a:xfrm>
       </p:grpSpPr>
-      <p:pic>
-        <p:nvPicPr>
-          <p:cNvPr id="10" name="Picture 9"/>
-          <p:cNvPicPr>
-            <a:picLocks noChangeAspect="1"/>
-          </p:cNvPicPr>
+      <p:sp>
+        <p:nvSpPr>
+          <p:cNvPr id="4" name="Rectangle 3"/>
+          <p:cNvSpPr/>
           <p:nvPr/>
-        </p:nvPicPr>
-        <p:blipFill rotWithShape="1">
-          <a:blip r:embed="rId3">
-            <a:extLst>
-              <a:ext uri="{28A0092B-C50C-407E-A947-70E740481C1C}">
-                <a14:useLocalDpi xmlns:a14="http://schemas.microsoft.com/office/drawing/2010/main" val="0"/>
-              </a:ext>
-            </a:extLst>
-          </a:blip>
-          <a:srcRect l="50728" t="56371"/>
-          <a:stretch/>
-        </p:blipFill>
+        </p:nvSpPr>
         <p:spPr>
           <a:xfrm>
-            <a:off x="10894024" y="5370653"/>
-            <a:ext cx="1297975" cy="1487348"/>
+            <a:off x="0" y="0"/>
+            <a:ext cx="12192000" cy="6858000"/>
           </a:xfrm>
           <a:prstGeom prst="rect">
             <a:avLst/>
           </a:prstGeom>
+          <a:solidFill>
+            <a:srgbClr val="CF3338"/>
+          </a:solidFill>
         </p:spPr>
-      </p:pic>
-      <p:sp>
-        <p:nvSpPr>
-          <p:cNvPr id="11" name="TextBox 10"/>
+        <p:style>
+          <a:lnRef idx="2">
+            <a:schemeClr val="accent1">
+              <a:shade val="50000"/>
+            </a:schemeClr>
+          </a:lnRef>
+          <a:fillRef idx="1">
+            <a:schemeClr val="accent1"/>
+          </a:fillRef>
+          <a:effectRef idx="0">
+            <a:schemeClr val="accent1"/>
+          </a:effectRef>
+          <a:fontRef idx="minor">
+            <a:schemeClr val="lt1"/>
+          </a:fontRef>
+        </p:style>
+        <p:txBody>
+          <a:bodyPr rtlCol="0" anchor="ctr"/>
+          <a:lstStyle/>
+          <a:p>
+            <a:pPr algn="ctr"/>
+            <a:endParaRPr lang="en-US"/>
+          </a:p>
+        </p:txBody>
+      </p:sp>
+      <p:sp>
+        <p:nvSpPr>
+          <p:cNvPr id="5" name="TextBox 4"/>
           <p:cNvSpPr txBox="1"/>
           <p:nvPr/>
         </p:nvSpPr>
         <p:spPr>
           <a:xfrm>
-            <a:off x="347240" y="113388"/>
-            <a:ext cx="9799937" cy="1015663"/>
+            <a:off x="520861" y="393539"/>
+            <a:ext cx="10324617" cy="3139321"/>
           </a:xfrm>
           <a:prstGeom prst="rect">
             <a:avLst/>
@@ -12666,170 +11429,21 @@
           <a:lstStyle/>
           <a:p>
             <a:r>
-              <a:rPr lang="en-US" sz="6000" dirty="0">
-                <a:latin typeface="Aliens &amp; cows" panose="00000500000000000000" pitchFamily="2" charset="0"/>
+              <a:rPr lang="en-US" sz="6600" b="1" dirty="0">
+                <a:solidFill>
+                  <a:schemeClr val="bg1"/>
+                </a:solidFill>
+                <a:latin typeface="Pragmatica" panose="020B0403040502020204"/>
               </a:rPr>
-              <a:t>Follow along</a:t>
-            </a:r>
-          </a:p>
-        </p:txBody>
-      </p:sp>
-      <p:sp>
-        <p:nvSpPr>
-          <p:cNvPr id="3" name="TextBox 2"/>
-          <p:cNvSpPr txBox="1"/>
-          <p:nvPr/>
-        </p:nvSpPr>
-        <p:spPr>
-          <a:xfrm>
-            <a:off x="462988" y="1365813"/>
-            <a:ext cx="8245584" cy="4401205"/>
-          </a:xfrm>
-          <a:prstGeom prst="rect">
-            <a:avLst/>
-          </a:prstGeom>
-          <a:noFill/>
-        </p:spPr>
-        <p:txBody>
-          <a:bodyPr wrap="square" rtlCol="0">
-            <a:spAutoFit/>
-          </a:bodyPr>
-          <a:lstStyle/>
-          <a:p>
-            <a:pPr marL="285750" indent="-285750">
-              <a:buFont typeface="Arial" panose="020B0604020202020204" pitchFamily="34" charset="0"/>
-              <a:buChar char="•"/>
-            </a:pPr>
-            <a:r>
-              <a:rPr lang="en-US" sz="2800" dirty="0">
-                <a:solidFill>
-                  <a:srgbClr val="707070"/>
-                </a:solidFill>
-                <a:latin typeface="Pragmatica" panose="020B0403040502020204" pitchFamily="34" charset="0"/>
-              </a:rPr>
-              <a:t>Download resources: </a:t>
-            </a:r>
-            <a:r>
-              <a:rPr lang="en-US" sz="2800" dirty="0">
-                <a:solidFill>
-                  <a:srgbClr val="707070"/>
-                </a:solidFill>
-                <a:latin typeface="Pragmatica" panose="020B0403040502020204" pitchFamily="34" charset="0"/>
-                <a:hlinkClick r:id="rId4"/>
-              </a:rPr>
-              <a:t>https://github.com/stringfestdata/ms-excel-toronto-python</a:t>
-            </a:r>
-            <a:r>
-              <a:rPr lang="en-US" sz="2800" dirty="0">
-                <a:solidFill>
-                  <a:srgbClr val="707070"/>
-                </a:solidFill>
-                <a:latin typeface="Pragmatica" panose="020B0403040502020204" pitchFamily="34" charset="0"/>
-              </a:rPr>
-              <a:t> </a:t>
-            </a:r>
-          </a:p>
-          <a:p>
-            <a:pPr marL="285750" indent="-285750">
-              <a:buFont typeface="Arial" panose="020B0604020202020204" pitchFamily="34" charset="0"/>
-              <a:buChar char="•"/>
-            </a:pPr>
-            <a:r>
-              <a:rPr lang="en-US" sz="2800" dirty="0">
-                <a:solidFill>
-                  <a:srgbClr val="707070"/>
-                </a:solidFill>
-                <a:latin typeface="Pragmatica" panose="020B0403040502020204" pitchFamily="34" charset="0"/>
-              </a:rPr>
-              <a:t>Click through this link now to interact later:</a:t>
-            </a:r>
-          </a:p>
-          <a:p>
-            <a:pPr marL="285750" indent="-285750">
-              <a:buFont typeface="Arial" panose="020B0604020202020204" pitchFamily="34" charset="0"/>
-              <a:buChar char="•"/>
-            </a:pPr>
-            <a:endParaRPr lang="en-US" sz="2800" dirty="0">
-              <a:solidFill>
-                <a:srgbClr val="707070"/>
-              </a:solidFill>
-              <a:latin typeface="Pragmatica" panose="020B0403040502020204" pitchFamily="34" charset="0"/>
-            </a:endParaRPr>
-          </a:p>
-          <a:p>
-            <a:pPr marL="285750" indent="-285750">
-              <a:buFont typeface="Arial" panose="020B0604020202020204" pitchFamily="34" charset="0"/>
-              <a:buChar char="•"/>
-            </a:pPr>
-            <a:endParaRPr lang="en-US" sz="2800" dirty="0">
-              <a:solidFill>
-                <a:srgbClr val="707070"/>
-              </a:solidFill>
-              <a:latin typeface="Pragmatica" panose="020B0403040502020204" pitchFamily="34" charset="0"/>
-            </a:endParaRPr>
-          </a:p>
-          <a:p>
-            <a:endParaRPr lang="en-US" sz="2800" dirty="0">
-              <a:solidFill>
-                <a:srgbClr val="707070"/>
-              </a:solidFill>
-              <a:latin typeface="Pragmatica" panose="020B0403040502020204" pitchFamily="34" charset="0"/>
-            </a:endParaRPr>
-          </a:p>
-          <a:p>
-            <a:endParaRPr lang="en-US" sz="2800" dirty="0">
-              <a:solidFill>
-                <a:srgbClr val="707070"/>
-              </a:solidFill>
-              <a:latin typeface="Pragmatica" panose="020B0403040502020204" pitchFamily="34" charset="0"/>
-            </a:endParaRPr>
-          </a:p>
-          <a:p>
-            <a:r>
-              <a:rPr lang="en-US" sz="2800" dirty="0">
-                <a:solidFill>
-                  <a:srgbClr val="707070"/>
-                </a:solidFill>
-                <a:latin typeface="Pragmatica" panose="020B0403040502020204" pitchFamily="34" charset="0"/>
-              </a:rPr>
-              <a:t>(this could take some time so feel free to ask questions now)…</a:t>
-            </a:r>
-          </a:p>
-        </p:txBody>
-      </p:sp>
-      <p:pic>
-        <p:nvPicPr>
-          <p:cNvPr id="4" name="Picture 3">
-            <a:extLst>
-              <a:ext uri="{FF2B5EF4-FFF2-40B4-BE49-F238E27FC236}">
-                <a16:creationId xmlns:a16="http://schemas.microsoft.com/office/drawing/2014/main" id="{F51C6B1B-A060-47A7-9AD8-3F6C3CE0AD77}"/>
-              </a:ext>
-            </a:extLst>
-          </p:cNvPr>
-          <p:cNvPicPr>
-            <a:picLocks noChangeAspect="1"/>
-          </p:cNvPicPr>
-          <p:nvPr/>
-        </p:nvPicPr>
-        <p:blipFill rotWithShape="1">
-          <a:blip r:embed="rId5"/>
-          <a:srcRect t="43450"/>
-          <a:stretch/>
-        </p:blipFill>
-        <p:spPr>
-          <a:xfrm>
-            <a:off x="1515231" y="3429000"/>
-            <a:ext cx="5780952" cy="953261"/>
-          </a:xfrm>
-          <a:prstGeom prst="rect">
-            <a:avLst/>
-          </a:prstGeom>
-        </p:spPr>
-      </p:pic>
+              <a:t>1. Open source means a license to build and distribute</a:t>
+            </a:r>
+          </a:p>
+        </p:txBody>
+      </p:sp>
     </p:spTree>
     <p:extLst>
       <p:ext uri="{BB962C8B-B14F-4D97-AF65-F5344CB8AC3E}">
-        <p14:creationId xmlns:p14="http://schemas.microsoft.com/office/powerpoint/2010/main" val="3830029867"/>
+        <p14:creationId xmlns:p14="http://schemas.microsoft.com/office/powerpoint/2010/main" val="2967702006"/>
       </p:ext>
     </p:extLst>
   </p:cSld>
@@ -12911,438 +11525,6 @@
               <a:rPr lang="en-US" sz="6000" dirty="0">
                 <a:latin typeface="Aliens &amp; cows" panose="00000500000000000000" pitchFamily="2" charset="0"/>
               </a:rPr>
-              <a:t>Learning objectives</a:t>
-            </a:r>
-          </a:p>
-        </p:txBody>
-      </p:sp>
-      <p:sp>
-        <p:nvSpPr>
-          <p:cNvPr id="3" name="TextBox 2"/>
-          <p:cNvSpPr txBox="1"/>
-          <p:nvPr/>
-        </p:nvSpPr>
-        <p:spPr>
-          <a:xfrm>
-            <a:off x="462987" y="1365813"/>
-            <a:ext cx="9595413" cy="1815882"/>
-          </a:xfrm>
-          <a:prstGeom prst="rect">
-            <a:avLst/>
-          </a:prstGeom>
-          <a:noFill/>
-        </p:spPr>
-        <p:txBody>
-          <a:bodyPr wrap="square" rtlCol="0">
-            <a:spAutoFit/>
-          </a:bodyPr>
-          <a:lstStyle/>
-          <a:p>
-            <a:pPr marL="285750" indent="-285750">
-              <a:buFont typeface="Arial" panose="020B0604020202020204" pitchFamily="34" charset="0"/>
-              <a:buChar char="•"/>
-            </a:pPr>
-            <a:r>
-              <a:rPr lang="en-US" sz="2800" dirty="0">
-                <a:solidFill>
-                  <a:srgbClr val="707070"/>
-                </a:solidFill>
-                <a:latin typeface="Pragmatica" panose="020B0403040502020204" pitchFamily="34" charset="0"/>
-              </a:rPr>
-              <a:t>Situate Excel in the data analytics stack</a:t>
-            </a:r>
-          </a:p>
-          <a:p>
-            <a:pPr marL="285750" indent="-285750">
-              <a:buFont typeface="Arial" panose="020B0604020202020204" pitchFamily="34" charset="0"/>
-              <a:buChar char="•"/>
-            </a:pPr>
-            <a:r>
-              <a:rPr lang="en-US" sz="2800" dirty="0">
-                <a:solidFill>
-                  <a:srgbClr val="707070"/>
-                </a:solidFill>
-                <a:latin typeface="Pragmatica" panose="020B0403040502020204" pitchFamily="34" charset="0"/>
-              </a:rPr>
-              <a:t>Chart a clear learning path from Excel to R and Python</a:t>
-            </a:r>
-          </a:p>
-          <a:p>
-            <a:pPr marL="285750" indent="-285750">
-              <a:buFont typeface="Arial" panose="020B0604020202020204" pitchFamily="34" charset="0"/>
-              <a:buChar char="•"/>
-            </a:pPr>
-            <a:r>
-              <a:rPr lang="en-US" sz="2800" dirty="0">
-                <a:solidFill>
-                  <a:srgbClr val="707070"/>
-                </a:solidFill>
-                <a:latin typeface="Pragmatica" panose="020B0403040502020204" pitchFamily="34" charset="0"/>
-              </a:rPr>
-              <a:t>Demonstrate tangible use cases for combining these tools</a:t>
-            </a:r>
-          </a:p>
-          <a:p>
-            <a:pPr marL="285750" indent="-285750">
-              <a:buFont typeface="Arial" panose="020B0604020202020204" pitchFamily="34" charset="0"/>
-              <a:buChar char="•"/>
-            </a:pPr>
-            <a:endParaRPr lang="en-US" sz="2800" dirty="0">
-              <a:solidFill>
-                <a:srgbClr val="707070"/>
-              </a:solidFill>
-              <a:latin typeface="Pragmatica" panose="020B0403040502020204" pitchFamily="34" charset="0"/>
-            </a:endParaRPr>
-          </a:p>
-        </p:txBody>
-      </p:sp>
-    </p:spTree>
-    <p:extLst>
-      <p:ext uri="{BB962C8B-B14F-4D97-AF65-F5344CB8AC3E}">
-        <p14:creationId xmlns:p14="http://schemas.microsoft.com/office/powerpoint/2010/main" val="1144046251"/>
-      </p:ext>
-    </p:extLst>
-  </p:cSld>
-  <p:clrMapOvr>
-    <a:masterClrMapping/>
-  </p:clrMapOvr>
-</p:sld>
-</file>
-
-<file path=ppt/slides/slide5.xml><?xml version="1.0" encoding="utf-8"?>
-<p:sld xmlns:a="http://schemas.openxmlformats.org/drawingml/2006/main" xmlns:r="http://schemas.openxmlformats.org/officeDocument/2006/relationships" xmlns:p="http://schemas.openxmlformats.org/presentationml/2006/main">
-  <p:cSld>
-    <p:spTree>
-      <p:nvGrpSpPr>
-        <p:cNvPr id="1" name=""/>
-        <p:cNvGrpSpPr/>
-        <p:nvPr/>
-      </p:nvGrpSpPr>
-      <p:grpSpPr>
-        <a:xfrm>
-          <a:off x="0" y="0"/>
-          <a:ext cx="0" cy="0"/>
-          <a:chOff x="0" y="0"/>
-          <a:chExt cx="0" cy="0"/>
-        </a:xfrm>
-      </p:grpSpPr>
-      <p:pic>
-        <p:nvPicPr>
-          <p:cNvPr id="10" name="Picture 9"/>
-          <p:cNvPicPr>
-            <a:picLocks noChangeAspect="1"/>
-          </p:cNvPicPr>
-          <p:nvPr/>
-        </p:nvPicPr>
-        <p:blipFill rotWithShape="1">
-          <a:blip r:embed="rId3">
-            <a:extLst>
-              <a:ext uri="{28A0092B-C50C-407E-A947-70E740481C1C}">
-                <a14:useLocalDpi xmlns:a14="http://schemas.microsoft.com/office/drawing/2010/main" val="0"/>
-              </a:ext>
-            </a:extLst>
-          </a:blip>
-          <a:srcRect l="50728" t="56371"/>
-          <a:stretch/>
-        </p:blipFill>
-        <p:spPr>
-          <a:xfrm>
-            <a:off x="10894024" y="5370653"/>
-            <a:ext cx="1297975" cy="1487348"/>
-          </a:xfrm>
-          <a:prstGeom prst="rect">
-            <a:avLst/>
-          </a:prstGeom>
-        </p:spPr>
-      </p:pic>
-      <p:sp>
-        <p:nvSpPr>
-          <p:cNvPr id="11" name="TextBox 10"/>
-          <p:cNvSpPr txBox="1"/>
-          <p:nvPr/>
-        </p:nvSpPr>
-        <p:spPr>
-          <a:xfrm>
-            <a:off x="347240" y="113388"/>
-            <a:ext cx="9799937" cy="1015663"/>
-          </a:xfrm>
-          <a:prstGeom prst="rect">
-            <a:avLst/>
-          </a:prstGeom>
-          <a:noFill/>
-        </p:spPr>
-        <p:txBody>
-          <a:bodyPr wrap="square" rtlCol="0">
-            <a:spAutoFit/>
-          </a:bodyPr>
-          <a:lstStyle/>
-          <a:p>
-            <a:r>
-              <a:rPr lang="en-US" sz="6000" dirty="0">
-                <a:latin typeface="Aliens &amp; cows" panose="00000500000000000000" pitchFamily="2" charset="0"/>
-              </a:rPr>
-              <a:t>Unofficial learning objective</a:t>
-            </a:r>
-          </a:p>
-        </p:txBody>
-      </p:sp>
-      <p:sp>
-        <p:nvSpPr>
-          <p:cNvPr id="3" name="TextBox 2"/>
-          <p:cNvSpPr txBox="1"/>
-          <p:nvPr/>
-        </p:nvSpPr>
-        <p:spPr>
-          <a:xfrm>
-            <a:off x="462987" y="1365813"/>
-            <a:ext cx="9595413" cy="1384995"/>
-          </a:xfrm>
-          <a:prstGeom prst="rect">
-            <a:avLst/>
-          </a:prstGeom>
-          <a:noFill/>
-        </p:spPr>
-        <p:txBody>
-          <a:bodyPr wrap="square" rtlCol="0">
-            <a:spAutoFit/>
-          </a:bodyPr>
-          <a:lstStyle/>
-          <a:p>
-            <a:pPr marL="285750" indent="-285750">
-              <a:buFont typeface="Arial" panose="020B0604020202020204" pitchFamily="34" charset="0"/>
-              <a:buChar char="•"/>
-            </a:pPr>
-            <a:r>
-              <a:rPr lang="en-US" sz="2800" dirty="0">
-                <a:solidFill>
-                  <a:srgbClr val="707070"/>
-                </a:solidFill>
-                <a:latin typeface="Pragmatica" panose="020B0403040502020204" pitchFamily="34" charset="0"/>
-              </a:rPr>
-              <a:t>Having fun with data &amp; computers</a:t>
-            </a:r>
-          </a:p>
-          <a:p>
-            <a:pPr marL="285750" indent="-285750">
-              <a:buFont typeface="Arial" panose="020B0604020202020204" pitchFamily="34" charset="0"/>
-              <a:buChar char="•"/>
-            </a:pPr>
-            <a:r>
-              <a:rPr lang="en-US" sz="2800" dirty="0">
-                <a:solidFill>
-                  <a:srgbClr val="707070"/>
-                </a:solidFill>
-                <a:latin typeface="Pragmatica" panose="020B0403040502020204" pitchFamily="34" charset="0"/>
-              </a:rPr>
-              <a:t>Win a book… maybe? Read for free, either way!</a:t>
-            </a:r>
-          </a:p>
-          <a:p>
-            <a:pPr marL="285750" indent="-285750">
-              <a:buFont typeface="Arial" panose="020B0604020202020204" pitchFamily="34" charset="0"/>
-              <a:buChar char="•"/>
-            </a:pPr>
-            <a:endParaRPr lang="en-US" sz="2800" dirty="0">
-              <a:solidFill>
-                <a:srgbClr val="707070"/>
-              </a:solidFill>
-              <a:latin typeface="Pragmatica" panose="020B0403040502020204" pitchFamily="34" charset="0"/>
-            </a:endParaRPr>
-          </a:p>
-        </p:txBody>
-      </p:sp>
-    </p:spTree>
-    <p:extLst>
-      <p:ext uri="{BB962C8B-B14F-4D97-AF65-F5344CB8AC3E}">
-        <p14:creationId xmlns:p14="http://schemas.microsoft.com/office/powerpoint/2010/main" val="3088404701"/>
-      </p:ext>
-    </p:extLst>
-  </p:cSld>
-  <p:clrMapOvr>
-    <a:masterClrMapping/>
-  </p:clrMapOvr>
-</p:sld>
-</file>
-
-<file path=ppt/slides/slide6.xml><?xml version="1.0" encoding="utf-8"?>
-<p:sld xmlns:a="http://schemas.openxmlformats.org/drawingml/2006/main" xmlns:r="http://schemas.openxmlformats.org/officeDocument/2006/relationships" xmlns:p="http://schemas.openxmlformats.org/presentationml/2006/main">
-  <p:cSld>
-    <p:spTree>
-      <p:nvGrpSpPr>
-        <p:cNvPr id="1" name=""/>
-        <p:cNvGrpSpPr/>
-        <p:nvPr/>
-      </p:nvGrpSpPr>
-      <p:grpSpPr>
-        <a:xfrm>
-          <a:off x="0" y="0"/>
-          <a:ext cx="0" cy="0"/>
-          <a:chOff x="0" y="0"/>
-          <a:chExt cx="0" cy="0"/>
-        </a:xfrm>
-      </p:grpSpPr>
-      <p:sp>
-        <p:nvSpPr>
-          <p:cNvPr id="4" name="Rectangle 3"/>
-          <p:cNvSpPr/>
-          <p:nvPr/>
-        </p:nvSpPr>
-        <p:spPr>
-          <a:xfrm>
-            <a:off x="0" y="0"/>
-            <a:ext cx="12192000" cy="6858000"/>
-          </a:xfrm>
-          <a:prstGeom prst="rect">
-            <a:avLst/>
-          </a:prstGeom>
-          <a:solidFill>
-            <a:srgbClr val="CF3338"/>
-          </a:solidFill>
-        </p:spPr>
-        <p:style>
-          <a:lnRef idx="2">
-            <a:schemeClr val="accent1">
-              <a:shade val="50000"/>
-            </a:schemeClr>
-          </a:lnRef>
-          <a:fillRef idx="1">
-            <a:schemeClr val="accent1"/>
-          </a:fillRef>
-          <a:effectRef idx="0">
-            <a:schemeClr val="accent1"/>
-          </a:effectRef>
-          <a:fontRef idx="minor">
-            <a:schemeClr val="lt1"/>
-          </a:fontRef>
-        </p:style>
-        <p:txBody>
-          <a:bodyPr rtlCol="0" anchor="ctr"/>
-          <a:lstStyle/>
-          <a:p>
-            <a:pPr algn="ctr"/>
-            <a:endParaRPr lang="en-US"/>
-          </a:p>
-        </p:txBody>
-      </p:sp>
-      <p:sp>
-        <p:nvSpPr>
-          <p:cNvPr id="5" name="TextBox 4"/>
-          <p:cNvSpPr txBox="1"/>
-          <p:nvPr/>
-        </p:nvSpPr>
-        <p:spPr>
-          <a:xfrm>
-            <a:off x="520861" y="393539"/>
-            <a:ext cx="10324617" cy="3139321"/>
-          </a:xfrm>
-          <a:prstGeom prst="rect">
-            <a:avLst/>
-          </a:prstGeom>
-          <a:noFill/>
-        </p:spPr>
-        <p:txBody>
-          <a:bodyPr wrap="square" rtlCol="0">
-            <a:spAutoFit/>
-          </a:bodyPr>
-          <a:lstStyle/>
-          <a:p>
-            <a:r>
-              <a:rPr lang="en-US" sz="6600" b="1" dirty="0">
-                <a:solidFill>
-                  <a:schemeClr val="bg1"/>
-                </a:solidFill>
-                <a:latin typeface="Pragmatica" panose="020B0403040502020204"/>
-              </a:rPr>
-              <a:t>1. Open source means a license to build and distribute</a:t>
-            </a:r>
-          </a:p>
-        </p:txBody>
-      </p:sp>
-    </p:spTree>
-    <p:extLst>
-      <p:ext uri="{BB962C8B-B14F-4D97-AF65-F5344CB8AC3E}">
-        <p14:creationId xmlns:p14="http://schemas.microsoft.com/office/powerpoint/2010/main" val="2967702006"/>
-      </p:ext>
-    </p:extLst>
-  </p:cSld>
-  <p:clrMapOvr>
-    <a:masterClrMapping/>
-  </p:clrMapOvr>
-</p:sld>
-</file>
-
-<file path=ppt/slides/slide7.xml><?xml version="1.0" encoding="utf-8"?>
-<p:sld xmlns:a="http://schemas.openxmlformats.org/drawingml/2006/main" xmlns:r="http://schemas.openxmlformats.org/officeDocument/2006/relationships" xmlns:p="http://schemas.openxmlformats.org/presentationml/2006/main">
-  <p:cSld>
-    <p:spTree>
-      <p:nvGrpSpPr>
-        <p:cNvPr id="1" name=""/>
-        <p:cNvGrpSpPr/>
-        <p:nvPr/>
-      </p:nvGrpSpPr>
-      <p:grpSpPr>
-        <a:xfrm>
-          <a:off x="0" y="0"/>
-          <a:ext cx="0" cy="0"/>
-          <a:chOff x="0" y="0"/>
-          <a:chExt cx="0" cy="0"/>
-        </a:xfrm>
-      </p:grpSpPr>
-      <p:pic>
-        <p:nvPicPr>
-          <p:cNvPr id="10" name="Picture 9"/>
-          <p:cNvPicPr>
-            <a:picLocks noChangeAspect="1"/>
-          </p:cNvPicPr>
-          <p:nvPr/>
-        </p:nvPicPr>
-        <p:blipFill rotWithShape="1">
-          <a:blip r:embed="rId3">
-            <a:extLst>
-              <a:ext uri="{28A0092B-C50C-407E-A947-70E740481C1C}">
-                <a14:useLocalDpi xmlns:a14="http://schemas.microsoft.com/office/drawing/2010/main" val="0"/>
-              </a:ext>
-            </a:extLst>
-          </a:blip>
-          <a:srcRect l="50728" t="56371"/>
-          <a:stretch/>
-        </p:blipFill>
-        <p:spPr>
-          <a:xfrm>
-            <a:off x="10894024" y="5370653"/>
-            <a:ext cx="1297975" cy="1487348"/>
-          </a:xfrm>
-          <a:prstGeom prst="rect">
-            <a:avLst/>
-          </a:prstGeom>
-        </p:spPr>
-      </p:pic>
-      <p:sp>
-        <p:nvSpPr>
-          <p:cNvPr id="11" name="TextBox 10"/>
-          <p:cNvSpPr txBox="1"/>
-          <p:nvPr/>
-        </p:nvSpPr>
-        <p:spPr>
-          <a:xfrm>
-            <a:off x="347240" y="113388"/>
-            <a:ext cx="9799937" cy="1015663"/>
-          </a:xfrm>
-          <a:prstGeom prst="rect">
-            <a:avLst/>
-          </a:prstGeom>
-          <a:noFill/>
-        </p:spPr>
-        <p:txBody>
-          <a:bodyPr wrap="square" rtlCol="0">
-            <a:spAutoFit/>
-          </a:bodyPr>
-          <a:lstStyle/>
-          <a:p>
-            <a:r>
-              <a:rPr lang="en-US" sz="6000" dirty="0">
-                <a:latin typeface="Aliens &amp; cows" panose="00000500000000000000" pitchFamily="2" charset="0"/>
-              </a:rPr>
               <a:t>What is open source? </a:t>
             </a:r>
           </a:p>
@@ -13645,7 +11827,7 @@
 </p:sld>
 </file>
 
-<file path=ppt/slides/slide8.xml><?xml version="1.0" encoding="utf-8"?>
+<file path=ppt/slides/slide5.xml><?xml version="1.0" encoding="utf-8"?>
 <p:sld xmlns:a="http://schemas.openxmlformats.org/drawingml/2006/main" xmlns:r="http://schemas.openxmlformats.org/officeDocument/2006/relationships" xmlns:p="http://schemas.openxmlformats.org/presentationml/2006/main">
   <p:cSld>
     <p:spTree>
@@ -14053,7 +12235,7 @@
 </p:sld>
 </file>
 
-<file path=ppt/slides/slide9.xml><?xml version="1.0" encoding="utf-8"?>
+<file path=ppt/slides/slide6.xml><?xml version="1.0" encoding="utf-8"?>
 <p:sld xmlns:a="http://schemas.openxmlformats.org/drawingml/2006/main" xmlns:r="http://schemas.openxmlformats.org/officeDocument/2006/relationships" xmlns:p="http://schemas.openxmlformats.org/presentationml/2006/main">
   <p:cSld>
     <p:spTree>
@@ -14185,7 +12367,7 @@
         <p:spPr>
           <a:xfrm>
             <a:off x="57991" y="218174"/>
-            <a:ext cx="6516429" cy="3970318"/>
+            <a:ext cx="6516429" cy="4832092"/>
           </a:xfrm>
           <a:prstGeom prst="rect">
             <a:avLst/>
@@ -14198,6 +12380,9 @@
           </a:bodyPr>
           <a:lstStyle/>
           <a:p>
+            <a:pPr marL="514350" indent="-514350">
+              <a:buAutoNum type="arabicPeriod"/>
+            </a:pPr>
             <a:r>
               <a:rPr lang="en-US" sz="2800" b="1" dirty="0">
                 <a:solidFill>
@@ -14205,7 +12390,21 @@
                 </a:solidFill>
                 <a:latin typeface="Pragmatica" pitchFamily="2" charset="0"/>
               </a:rPr>
-              <a:t>Navigate </a:t>
+              <a:t>Download Anaconda</a:t>
+            </a:r>
+          </a:p>
+          <a:p>
+            <a:pPr marL="514350" indent="-514350">
+              <a:buAutoNum type="arabicPeriod"/>
+            </a:pPr>
+            <a:r>
+              <a:rPr lang="en-US" sz="2800" b="1" dirty="0">
+                <a:solidFill>
+                  <a:srgbClr val="CF3338"/>
+                </a:solidFill>
+                <a:latin typeface="Pragmatica" pitchFamily="2" charset="0"/>
+              </a:rPr>
+              <a:t>Start with </a:t>
             </a:r>
             <a:r>
               <a:rPr lang="en-US" sz="2800" b="1" dirty="0" err="1">
@@ -14223,10 +12422,13 @@
                 </a:solidFill>
                 <a:latin typeface="Pragmatica" pitchFamily="2" charset="0"/>
               </a:rPr>
-              <a:t>, starting with 1 + 1</a:t>
-            </a:r>
-          </a:p>
-          <a:p>
+              <a:t> at 1+1…</a:t>
+            </a:r>
+          </a:p>
+          <a:p>
+            <a:pPr marL="514350" indent="-514350">
+              <a:buAutoNum type="arabicPeriod"/>
+            </a:pPr>
             <a:endParaRPr lang="en-US" sz="2800" b="1" dirty="0">
               <a:solidFill>
                 <a:srgbClr val="CF3338"/>
@@ -14242,7 +12444,7 @@
                 </a:solidFill>
                 <a:latin typeface="Pragmatica" pitchFamily="2" charset="0"/>
               </a:rPr>
-              <a:t>File: Open a new </a:t>
+              <a:t>File: </a:t>
             </a:r>
             <a:r>
               <a:rPr lang="en-US" sz="2800" b="1" dirty="0">
@@ -14251,26 +12453,16 @@
                 </a:solidFill>
                 <a:latin typeface="Consolas" panose="020B0609020204030204" pitchFamily="49" charset="0"/>
               </a:rPr>
-              <a:t>.</a:t>
-            </a:r>
-            <a:r>
-              <a:rPr lang="en-US" sz="2800" b="1" dirty="0" err="1">
-                <a:solidFill>
-                  <a:srgbClr val="CF3338"/>
-                </a:solidFill>
-                <a:latin typeface="Consolas" panose="020B0609020204030204" pitchFamily="49" charset="0"/>
-              </a:rPr>
-              <a:t>ipynb</a:t>
-            </a:r>
-            <a:r>
-              <a:rPr lang="en-US" sz="2800" b="1" dirty="0">
-                <a:solidFill>
-                  <a:srgbClr val="CF3338"/>
-                </a:solidFill>
-                <a:latin typeface="Pragmatica" pitchFamily="2" charset="0"/>
-              </a:rPr>
-              <a:t> notebook…</a:t>
-            </a:r>
+              <a:t>downloading-anaconda.docx</a:t>
+            </a:r>
+          </a:p>
+          <a:p>
+            <a:endParaRPr lang="en-US" sz="2800" b="1" dirty="0">
+              <a:solidFill>
+                <a:srgbClr val="CF3338"/>
+              </a:solidFill>
+              <a:latin typeface="Pragmatica" pitchFamily="2" charset="0"/>
+            </a:endParaRPr>
           </a:p>
           <a:p>
             <a:endParaRPr lang="en-US" sz="2800" b="1" dirty="0">
@@ -14352,36 +12544,6 @@
           </a:prstGeom>
         </p:spPr>
       </p:pic>
-      <p:pic>
-        <p:nvPicPr>
-          <p:cNvPr id="11" name="Picture 10">
-            <a:extLst>
-              <a:ext uri="{FF2B5EF4-FFF2-40B4-BE49-F238E27FC236}">
-                <a16:creationId xmlns:a16="http://schemas.microsoft.com/office/drawing/2014/main" id="{3CD83BF2-3603-4E70-91DF-99EE1A9BEFA8}"/>
-              </a:ext>
-            </a:extLst>
-          </p:cNvPr>
-          <p:cNvPicPr>
-            <a:picLocks noChangeAspect="1"/>
-          </p:cNvPicPr>
-          <p:nvPr/>
-        </p:nvPicPr>
-        <p:blipFill>
-          <a:blip r:embed="rId5"/>
-          <a:stretch>
-            <a:fillRect/>
-          </a:stretch>
-        </p:blipFill>
-        <p:spPr>
-          <a:xfrm>
-            <a:off x="893963" y="2632993"/>
-            <a:ext cx="4844484" cy="835256"/>
-          </a:xfrm>
-          <a:prstGeom prst="rect">
-            <a:avLst/>
-          </a:prstGeom>
-        </p:spPr>
-      </p:pic>
       <p:sp>
         <p:nvSpPr>
           <p:cNvPr id="13" name="TextBox 12">
@@ -14506,6 +12668,492 @@
     <p:extLst>
       <p:ext uri="{BB962C8B-B14F-4D97-AF65-F5344CB8AC3E}">
         <p14:creationId xmlns:p14="http://schemas.microsoft.com/office/powerpoint/2010/main" val="160382419"/>
+      </p:ext>
+    </p:extLst>
+  </p:cSld>
+  <p:clrMapOvr>
+    <a:masterClrMapping/>
+  </p:clrMapOvr>
+</p:sld>
+</file>
+
+<file path=ppt/slides/slide7.xml><?xml version="1.0" encoding="utf-8"?>
+<p:sld xmlns:a="http://schemas.openxmlformats.org/drawingml/2006/main" xmlns:r="http://schemas.openxmlformats.org/officeDocument/2006/relationships" xmlns:p="http://schemas.openxmlformats.org/presentationml/2006/main">
+  <p:cSld>
+    <p:spTree>
+      <p:nvGrpSpPr>
+        <p:cNvPr id="1" name=""/>
+        <p:cNvGrpSpPr/>
+        <p:nvPr/>
+      </p:nvGrpSpPr>
+      <p:grpSpPr>
+        <a:xfrm>
+          <a:off x="0" y="0"/>
+          <a:ext cx="0" cy="0"/>
+          <a:chOff x="0" y="0"/>
+          <a:chExt cx="0" cy="0"/>
+        </a:xfrm>
+      </p:grpSpPr>
+      <p:sp>
+        <p:nvSpPr>
+          <p:cNvPr id="4" name="Rectangle 3"/>
+          <p:cNvSpPr/>
+          <p:nvPr/>
+        </p:nvSpPr>
+        <p:spPr>
+          <a:xfrm>
+            <a:off x="0" y="0"/>
+            <a:ext cx="12192000" cy="6858000"/>
+          </a:xfrm>
+          <a:prstGeom prst="rect">
+            <a:avLst/>
+          </a:prstGeom>
+          <a:solidFill>
+            <a:srgbClr val="CF3338"/>
+          </a:solidFill>
+        </p:spPr>
+        <p:style>
+          <a:lnRef idx="2">
+            <a:schemeClr val="accent1">
+              <a:shade val="50000"/>
+            </a:schemeClr>
+          </a:lnRef>
+          <a:fillRef idx="1">
+            <a:schemeClr val="accent1"/>
+          </a:fillRef>
+          <a:effectRef idx="0">
+            <a:schemeClr val="accent1"/>
+          </a:effectRef>
+          <a:fontRef idx="minor">
+            <a:schemeClr val="lt1"/>
+          </a:fontRef>
+        </p:style>
+        <p:txBody>
+          <a:bodyPr rtlCol="0" anchor="ctr"/>
+          <a:lstStyle/>
+          <a:p>
+            <a:pPr algn="ctr"/>
+            <a:endParaRPr lang="en-US"/>
+          </a:p>
+        </p:txBody>
+      </p:sp>
+      <p:sp>
+        <p:nvSpPr>
+          <p:cNvPr id="5" name="TextBox 4"/>
+          <p:cNvSpPr txBox="1"/>
+          <p:nvPr/>
+        </p:nvSpPr>
+        <p:spPr>
+          <a:xfrm>
+            <a:off x="520861" y="393539"/>
+            <a:ext cx="10324617" cy="2123658"/>
+          </a:xfrm>
+          <a:prstGeom prst="rect">
+            <a:avLst/>
+          </a:prstGeom>
+          <a:noFill/>
+        </p:spPr>
+        <p:txBody>
+          <a:bodyPr wrap="square" rtlCol="0">
+            <a:spAutoFit/>
+          </a:bodyPr>
+          <a:lstStyle/>
+          <a:p>
+            <a:r>
+              <a:rPr lang="en-US" sz="6600" b="1" dirty="0">
+                <a:solidFill>
+                  <a:schemeClr val="bg1"/>
+                </a:solidFill>
+                <a:latin typeface="Pragmatica" panose="020B0403040502020204"/>
+              </a:rPr>
+              <a:t>2. It’s finnicky… or maybe logical?</a:t>
+            </a:r>
+          </a:p>
+        </p:txBody>
+      </p:sp>
+    </p:spTree>
+    <p:extLst>
+      <p:ext uri="{BB962C8B-B14F-4D97-AF65-F5344CB8AC3E}">
+        <p14:creationId xmlns:p14="http://schemas.microsoft.com/office/powerpoint/2010/main" val="1991586970"/>
+      </p:ext>
+    </p:extLst>
+  </p:cSld>
+  <p:clrMapOvr>
+    <a:masterClrMapping/>
+  </p:clrMapOvr>
+</p:sld>
+</file>
+
+<file path=ppt/slides/slide8.xml><?xml version="1.0" encoding="utf-8"?>
+<p:sld xmlns:a="http://schemas.openxmlformats.org/drawingml/2006/main" xmlns:r="http://schemas.openxmlformats.org/officeDocument/2006/relationships" xmlns:p="http://schemas.openxmlformats.org/presentationml/2006/main">
+  <p:cSld>
+    <p:spTree>
+      <p:nvGrpSpPr>
+        <p:cNvPr id="1" name=""/>
+        <p:cNvGrpSpPr/>
+        <p:nvPr/>
+      </p:nvGrpSpPr>
+      <p:grpSpPr>
+        <a:xfrm>
+          <a:off x="0" y="0"/>
+          <a:ext cx="0" cy="0"/>
+          <a:chOff x="0" y="0"/>
+          <a:chExt cx="0" cy="0"/>
+        </a:xfrm>
+      </p:grpSpPr>
+      <p:sp>
+        <p:nvSpPr>
+          <p:cNvPr id="4" name="Rectangle 3"/>
+          <p:cNvSpPr/>
+          <p:nvPr/>
+        </p:nvSpPr>
+        <p:spPr>
+          <a:xfrm>
+            <a:off x="6574420" y="0"/>
+            <a:ext cx="5617580" cy="6858000"/>
+          </a:xfrm>
+          <a:prstGeom prst="rect">
+            <a:avLst/>
+          </a:prstGeom>
+          <a:solidFill>
+            <a:srgbClr val="CF3338"/>
+          </a:solidFill>
+        </p:spPr>
+        <p:style>
+          <a:lnRef idx="2">
+            <a:schemeClr val="accent1">
+              <a:shade val="50000"/>
+            </a:schemeClr>
+          </a:lnRef>
+          <a:fillRef idx="1">
+            <a:schemeClr val="accent1"/>
+          </a:fillRef>
+          <a:effectRef idx="0">
+            <a:schemeClr val="accent1"/>
+          </a:effectRef>
+          <a:fontRef idx="minor">
+            <a:schemeClr val="lt1"/>
+          </a:fontRef>
+        </p:style>
+        <p:txBody>
+          <a:bodyPr rtlCol="0" anchor="ctr"/>
+          <a:lstStyle/>
+          <a:p>
+            <a:pPr algn="ctr"/>
+            <a:endParaRPr lang="en-US"/>
+          </a:p>
+        </p:txBody>
+      </p:sp>
+      <p:sp>
+        <p:nvSpPr>
+          <p:cNvPr id="5" name="TextBox 4"/>
+          <p:cNvSpPr txBox="1"/>
+          <p:nvPr/>
+        </p:nvSpPr>
+        <p:spPr>
+          <a:xfrm>
+            <a:off x="6817489" y="0"/>
+            <a:ext cx="4120587" cy="1446550"/>
+          </a:xfrm>
+          <a:prstGeom prst="rect">
+            <a:avLst/>
+          </a:prstGeom>
+          <a:noFill/>
+        </p:spPr>
+        <p:txBody>
+          <a:bodyPr wrap="square" rtlCol="0">
+            <a:spAutoFit/>
+          </a:bodyPr>
+          <a:lstStyle/>
+          <a:p>
+            <a:r>
+              <a:rPr lang="en-US" sz="8800" dirty="0">
+                <a:solidFill>
+                  <a:schemeClr val="bg1"/>
+                </a:solidFill>
+                <a:latin typeface="Aliens &amp; cows" panose="00000500000000000000" pitchFamily="2" charset="0"/>
+              </a:rPr>
+              <a:t>Demo</a:t>
+            </a:r>
+          </a:p>
+        </p:txBody>
+      </p:sp>
+      <p:pic>
+        <p:nvPicPr>
+          <p:cNvPr id="2" name="Picture 1"/>
+          <p:cNvPicPr>
+            <a:picLocks noChangeAspect="1"/>
+          </p:cNvPicPr>
+          <p:nvPr/>
+        </p:nvPicPr>
+        <p:blipFill rotWithShape="1">
+          <a:blip r:embed="rId3">
+            <a:extLst>
+              <a:ext uri="{28A0092B-C50C-407E-A947-70E740481C1C}">
+                <a14:useLocalDpi xmlns:a14="http://schemas.microsoft.com/office/drawing/2010/main" val="0"/>
+              </a:ext>
+            </a:extLst>
+          </a:blip>
+          <a:srcRect l="69227" t="33418" r="20112" b="50548"/>
+          <a:stretch/>
+        </p:blipFill>
+        <p:spPr>
+          <a:xfrm>
+            <a:off x="10386349" y="5029795"/>
+            <a:ext cx="1805651" cy="1991719"/>
+          </a:xfrm>
+          <a:prstGeom prst="rect">
+            <a:avLst/>
+          </a:prstGeom>
+        </p:spPr>
+      </p:pic>
+      <p:sp>
+        <p:nvSpPr>
+          <p:cNvPr id="3" name="TextBox 2"/>
+          <p:cNvSpPr txBox="1"/>
+          <p:nvPr/>
+        </p:nvSpPr>
+        <p:spPr>
+          <a:xfrm>
+            <a:off x="173620" y="219919"/>
+            <a:ext cx="5937813" cy="954107"/>
+          </a:xfrm>
+          <a:prstGeom prst="rect">
+            <a:avLst/>
+          </a:prstGeom>
+          <a:noFill/>
+        </p:spPr>
+        <p:txBody>
+          <a:bodyPr wrap="square" rtlCol="0">
+            <a:spAutoFit/>
+          </a:bodyPr>
+          <a:lstStyle/>
+          <a:p>
+            <a:r>
+              <a:rPr lang="en-US" sz="2800" b="1" dirty="0">
+                <a:solidFill>
+                  <a:srgbClr val="CF3338"/>
+                </a:solidFill>
+                <a:latin typeface="Pragmatica" pitchFamily="2" charset="0"/>
+              </a:rPr>
+              <a:t>File: </a:t>
+            </a:r>
+            <a:r>
+              <a:rPr lang="en-US" sz="2800" b="1" dirty="0">
+                <a:solidFill>
+                  <a:srgbClr val="CF3338"/>
+                </a:solidFill>
+                <a:latin typeface="Consolas" panose="020B0609020204030204" pitchFamily="49" charset="0"/>
+              </a:rPr>
+              <a:t>thing-2.ipynb</a:t>
+            </a:r>
+          </a:p>
+          <a:p>
+            <a:endParaRPr lang="en-US" sz="2800" b="1" dirty="0">
+              <a:solidFill>
+                <a:srgbClr val="CF3338"/>
+              </a:solidFill>
+              <a:latin typeface="Consolas" panose="020B0609020204030204" pitchFamily="49" charset="0"/>
+            </a:endParaRPr>
+          </a:p>
+        </p:txBody>
+      </p:sp>
+      <p:sp>
+        <p:nvSpPr>
+          <p:cNvPr id="7" name="TextBox 6">
+            <a:extLst>
+              <a:ext uri="{FF2B5EF4-FFF2-40B4-BE49-F238E27FC236}">
+                <a16:creationId xmlns:a16="http://schemas.microsoft.com/office/drawing/2014/main" id="{855BC584-A237-4C91-9DAB-ADA80256CAC8}"/>
+              </a:ext>
+            </a:extLst>
+          </p:cNvPr>
+          <p:cNvSpPr txBox="1"/>
+          <p:nvPr/>
+        </p:nvSpPr>
+        <p:spPr>
+          <a:xfrm>
+            <a:off x="158187" y="1446550"/>
+            <a:ext cx="5937813" cy="1692771"/>
+          </a:xfrm>
+          <a:prstGeom prst="rect">
+            <a:avLst/>
+          </a:prstGeom>
+          <a:noFill/>
+        </p:spPr>
+        <p:txBody>
+          <a:bodyPr wrap="square" rtlCol="0">
+            <a:spAutoFit/>
+          </a:bodyPr>
+          <a:lstStyle/>
+          <a:p>
+            <a:r>
+              <a:rPr lang="en-US" sz="2600" b="1" dirty="0">
+                <a:solidFill>
+                  <a:srgbClr val="CF3338"/>
+                </a:solidFill>
+                <a:latin typeface="Pragmatica" pitchFamily="2" charset="0"/>
+              </a:rPr>
+              <a:t>How does Python handle</a:t>
+            </a:r>
+          </a:p>
+          <a:p>
+            <a:pPr marL="457200" indent="-457200">
+              <a:buFont typeface="Arial" panose="020B0604020202020204" pitchFamily="34" charset="0"/>
+              <a:buChar char="•"/>
+            </a:pPr>
+            <a:r>
+              <a:rPr lang="en-US" sz="2600" b="1" dirty="0">
+                <a:solidFill>
+                  <a:srgbClr val="CF3338"/>
+                </a:solidFill>
+                <a:latin typeface="Pragmatica" pitchFamily="2" charset="0"/>
+              </a:rPr>
+              <a:t>Case sensitivity?</a:t>
+            </a:r>
+          </a:p>
+          <a:p>
+            <a:pPr marL="457200" indent="-457200">
+              <a:buFont typeface="Arial" panose="020B0604020202020204" pitchFamily="34" charset="0"/>
+              <a:buChar char="•"/>
+            </a:pPr>
+            <a:r>
+              <a:rPr lang="en-US" sz="2600" b="1" dirty="0">
+                <a:solidFill>
+                  <a:srgbClr val="CF3338"/>
+                </a:solidFill>
+                <a:latin typeface="Pragmatica" pitchFamily="2" charset="0"/>
+              </a:rPr>
+              <a:t>Indexing?</a:t>
+            </a:r>
+          </a:p>
+          <a:p>
+            <a:pPr marL="457200" indent="-457200">
+              <a:buFont typeface="Arial" panose="020B0604020202020204" pitchFamily="34" charset="0"/>
+              <a:buChar char="•"/>
+            </a:pPr>
+            <a:r>
+              <a:rPr lang="en-US" sz="2600" b="1" dirty="0">
+                <a:solidFill>
+                  <a:srgbClr val="CF3338"/>
+                </a:solidFill>
+                <a:latin typeface="Pragmatica" pitchFamily="2" charset="0"/>
+              </a:rPr>
+              <a:t>Whitespace?</a:t>
+            </a:r>
+          </a:p>
+        </p:txBody>
+      </p:sp>
+    </p:spTree>
+    <p:extLst>
+      <p:ext uri="{BB962C8B-B14F-4D97-AF65-F5344CB8AC3E}">
+        <p14:creationId xmlns:p14="http://schemas.microsoft.com/office/powerpoint/2010/main" val="3395063419"/>
+      </p:ext>
+    </p:extLst>
+  </p:cSld>
+  <p:clrMapOvr>
+    <a:masterClrMapping/>
+  </p:clrMapOvr>
+</p:sld>
+</file>
+
+<file path=ppt/slides/slide9.xml><?xml version="1.0" encoding="utf-8"?>
+<p:sld xmlns:a="http://schemas.openxmlformats.org/drawingml/2006/main" xmlns:r="http://schemas.openxmlformats.org/officeDocument/2006/relationships" xmlns:p="http://schemas.openxmlformats.org/presentationml/2006/main">
+  <p:cSld>
+    <p:spTree>
+      <p:nvGrpSpPr>
+        <p:cNvPr id="1" name=""/>
+        <p:cNvGrpSpPr/>
+        <p:nvPr/>
+      </p:nvGrpSpPr>
+      <p:grpSpPr>
+        <a:xfrm>
+          <a:off x="0" y="0"/>
+          <a:ext cx="0" cy="0"/>
+          <a:chOff x="0" y="0"/>
+          <a:chExt cx="0" cy="0"/>
+        </a:xfrm>
+      </p:grpSpPr>
+      <p:sp>
+        <p:nvSpPr>
+          <p:cNvPr id="4" name="Rectangle 3"/>
+          <p:cNvSpPr/>
+          <p:nvPr/>
+        </p:nvSpPr>
+        <p:spPr>
+          <a:xfrm>
+            <a:off x="0" y="0"/>
+            <a:ext cx="12192000" cy="6858000"/>
+          </a:xfrm>
+          <a:prstGeom prst="rect">
+            <a:avLst/>
+          </a:prstGeom>
+          <a:solidFill>
+            <a:srgbClr val="CF3338"/>
+          </a:solidFill>
+        </p:spPr>
+        <p:style>
+          <a:lnRef idx="2">
+            <a:schemeClr val="accent1">
+              <a:shade val="50000"/>
+            </a:schemeClr>
+          </a:lnRef>
+          <a:fillRef idx="1">
+            <a:schemeClr val="accent1"/>
+          </a:fillRef>
+          <a:effectRef idx="0">
+            <a:schemeClr val="accent1"/>
+          </a:effectRef>
+          <a:fontRef idx="minor">
+            <a:schemeClr val="lt1"/>
+          </a:fontRef>
+        </p:style>
+        <p:txBody>
+          <a:bodyPr rtlCol="0" anchor="ctr"/>
+          <a:lstStyle/>
+          <a:p>
+            <a:pPr algn="ctr"/>
+            <a:endParaRPr lang="en-US"/>
+          </a:p>
+        </p:txBody>
+      </p:sp>
+      <p:sp>
+        <p:nvSpPr>
+          <p:cNvPr id="5" name="TextBox 4"/>
+          <p:cNvSpPr txBox="1"/>
+          <p:nvPr/>
+        </p:nvSpPr>
+        <p:spPr>
+          <a:xfrm>
+            <a:off x="520861" y="393539"/>
+            <a:ext cx="10324617" cy="2123658"/>
+          </a:xfrm>
+          <a:prstGeom prst="rect">
+            <a:avLst/>
+          </a:prstGeom>
+          <a:noFill/>
+        </p:spPr>
+        <p:txBody>
+          <a:bodyPr wrap="square" rtlCol="0">
+            <a:spAutoFit/>
+          </a:bodyPr>
+          <a:lstStyle/>
+          <a:p>
+            <a:r>
+              <a:rPr lang="en-US" sz="6600" b="1" dirty="0">
+                <a:solidFill>
+                  <a:schemeClr val="bg1"/>
+                </a:solidFill>
+                <a:latin typeface="Pragmatica" panose="020B0403040502020204"/>
+              </a:rPr>
+              <a:t>3. There’s a package for that!</a:t>
+            </a:r>
+          </a:p>
+        </p:txBody>
+      </p:sp>
+    </p:spTree>
+    <p:extLst>
+      <p:ext uri="{BB962C8B-B14F-4D97-AF65-F5344CB8AC3E}">
+        <p14:creationId xmlns:p14="http://schemas.microsoft.com/office/powerpoint/2010/main" val="858187301"/>
       </p:ext>
     </p:extLst>
   </p:cSld>

--- a/five-things-excel-python.pptx
+++ b/five-things-excel-python.pptx
@@ -5,34 +5,35 @@
     <p:sldMasterId id="2147483648" r:id="rId1"/>
   </p:sldMasterIdLst>
   <p:notesMasterIdLst>
-    <p:notesMasterId r:id="rId27"/>
+    <p:notesMasterId r:id="rId28"/>
   </p:notesMasterIdLst>
   <p:sldIdLst>
     <p:sldId id="356" r:id="rId2"/>
     <p:sldId id="258" r:id="rId3"/>
-    <p:sldId id="267" r:id="rId4"/>
-    <p:sldId id="352" r:id="rId5"/>
-    <p:sldId id="328" r:id="rId6"/>
-    <p:sldId id="324" r:id="rId7"/>
-    <p:sldId id="341" r:id="rId8"/>
-    <p:sldId id="348" r:id="rId9"/>
-    <p:sldId id="340" r:id="rId10"/>
-    <p:sldId id="349" r:id="rId11"/>
+    <p:sldId id="435" r:id="rId4"/>
+    <p:sldId id="267" r:id="rId5"/>
+    <p:sldId id="352" r:id="rId6"/>
+    <p:sldId id="328" r:id="rId7"/>
+    <p:sldId id="324" r:id="rId8"/>
+    <p:sldId id="341" r:id="rId9"/>
+    <p:sldId id="348" r:id="rId10"/>
+    <p:sldId id="340" r:id="rId11"/>
     <p:sldId id="275" r:id="rId12"/>
-    <p:sldId id="344" r:id="rId13"/>
-    <p:sldId id="351" r:id="rId14"/>
-    <p:sldId id="342" r:id="rId15"/>
-    <p:sldId id="347" r:id="rId16"/>
-    <p:sldId id="354" r:id="rId17"/>
-    <p:sldId id="350" r:id="rId18"/>
-    <p:sldId id="343" r:id="rId19"/>
-    <p:sldId id="355" r:id="rId20"/>
-    <p:sldId id="329" r:id="rId21"/>
-    <p:sldId id="306" r:id="rId22"/>
-    <p:sldId id="357" r:id="rId23"/>
-    <p:sldId id="433" r:id="rId24"/>
-    <p:sldId id="434" r:id="rId25"/>
-    <p:sldId id="432" r:id="rId26"/>
+    <p:sldId id="349" r:id="rId13"/>
+    <p:sldId id="344" r:id="rId14"/>
+    <p:sldId id="351" r:id="rId15"/>
+    <p:sldId id="342" r:id="rId16"/>
+    <p:sldId id="347" r:id="rId17"/>
+    <p:sldId id="354" r:id="rId18"/>
+    <p:sldId id="350" r:id="rId19"/>
+    <p:sldId id="343" r:id="rId20"/>
+    <p:sldId id="355" r:id="rId21"/>
+    <p:sldId id="329" r:id="rId22"/>
+    <p:sldId id="306" r:id="rId23"/>
+    <p:sldId id="357" r:id="rId24"/>
+    <p:sldId id="433" r:id="rId25"/>
+    <p:sldId id="434" r:id="rId26"/>
+    <p:sldId id="432" r:id="rId27"/>
   </p:sldIdLst>
   <p:sldSz cx="12192000" cy="6858000"/>
   <p:notesSz cx="6858000" cy="9144000"/>
@@ -2276,7 +2277,7 @@
     </p:spTree>
     <p:extLst>
       <p:ext uri="{BB962C8B-B14F-4D97-AF65-F5344CB8AC3E}">
-        <p14:creationId xmlns:p14="http://schemas.microsoft.com/office/powerpoint/2010/main" val="3230393688"/>
+        <p14:creationId xmlns:p14="http://schemas.microsoft.com/office/powerpoint/2010/main" val="1548743503"/>
       </p:ext>
     </p:extLst>
   </p:cSld>
@@ -2417,19 +2418,7 @@
           <a:bodyPr/>
           <a:lstStyle/>
           <a:p>
-            <a:r>
-              <a:rPr lang="en-US" dirty="0"/>
-              <a:t>OK again, what I want to do here is just show you the basics of working with Jupyter. You will see in the repo there is an option to launch an interactive session, so do that and let’s navigate the four sections of Jupyter and get comfortable working there. </a:t>
-            </a:r>
-          </a:p>
-          <a:p>
             <a:endParaRPr lang="en-US" dirty="0"/>
-          </a:p>
-          <a:p>
-            <a:r>
-              <a:rPr lang="en-US" dirty="0"/>
-              <a:t>Possibly come up with some demo notes for this  </a:t>
-            </a:r>
           </a:p>
         </p:txBody>
       </p:sp>
@@ -2459,7 +2448,7 @@
     </p:spTree>
     <p:extLst>
       <p:ext uri="{BB962C8B-B14F-4D97-AF65-F5344CB8AC3E}">
-        <p14:creationId xmlns:p14="http://schemas.microsoft.com/office/powerpoint/2010/main" val="1541855448"/>
+        <p14:creationId xmlns:p14="http://schemas.microsoft.com/office/powerpoint/2010/main" val="3230393688"/>
       </p:ext>
     </p:extLst>
   </p:cSld>
@@ -2515,22 +2504,16 @@
           <a:p>
             <a:r>
               <a:rPr lang="en-US" dirty="0"/>
-              <a:t>Any questions so far about using R? </a:t>
-            </a:r>
+              <a:t>OK again, what I want to do here is just show you the basics of working with Jupyter. You will see in the repo there is an option to launch an interactive session, so do that and let’s navigate the four sections of Jupyter and get comfortable working there. </a:t>
+            </a:r>
+          </a:p>
+          <a:p>
+            <a:endParaRPr lang="en-US" dirty="0"/>
           </a:p>
           <a:p>
             <a:r>
               <a:rPr lang="en-US" dirty="0"/>
-              <a:t>Again I just want to show you how easy it is to get up and running there as an Excel user and what to expect when working with open source programs. </a:t>
-            </a:r>
-          </a:p>
-          <a:p>
-            <a:endParaRPr lang="en-US" dirty="0"/>
-          </a:p>
-          <a:p>
-            <a:r>
-              <a:rPr lang="en-US" dirty="0"/>
-              <a:t>Now I guess one of the questions I might have in your shoes is what’s the big deal, we can do the same kind of stuff with Power Query. So I want to acknowledge that. </a:t>
+              <a:t>Possibly come up with some demo notes for this  </a:t>
             </a:r>
           </a:p>
         </p:txBody>
@@ -2561,7 +2544,7 @@
     </p:spTree>
     <p:extLst>
       <p:ext uri="{BB962C8B-B14F-4D97-AF65-F5344CB8AC3E}">
-        <p14:creationId xmlns:p14="http://schemas.microsoft.com/office/powerpoint/2010/main" val="847681158"/>
+        <p14:creationId xmlns:p14="http://schemas.microsoft.com/office/powerpoint/2010/main" val="1541855448"/>
       </p:ext>
     </p:extLst>
   </p:cSld>
@@ -2615,7 +2598,25 @@
           <a:bodyPr/>
           <a:lstStyle/>
           <a:p>
+            <a:r>
+              <a:rPr lang="en-US" dirty="0"/>
+              <a:t>Any questions so far about using R? </a:t>
+            </a:r>
+          </a:p>
+          <a:p>
+            <a:r>
+              <a:rPr lang="en-US" dirty="0"/>
+              <a:t>Again I just want to show you how easy it is to get up and running there as an Excel user and what to expect when working with open source programs. </a:t>
+            </a:r>
+          </a:p>
+          <a:p>
             <a:endParaRPr lang="en-US" dirty="0"/>
+          </a:p>
+          <a:p>
+            <a:r>
+              <a:rPr lang="en-US" dirty="0"/>
+              <a:t>Now I guess one of the questions I might have in your shoes is what’s the big deal, we can do the same kind of stuff with Power Query. So I want to acknowledge that. </a:t>
+            </a:r>
           </a:p>
         </p:txBody>
       </p:sp>
@@ -2645,7 +2646,7 @@
     </p:spTree>
     <p:extLst>
       <p:ext uri="{BB962C8B-B14F-4D97-AF65-F5344CB8AC3E}">
-        <p14:creationId xmlns:p14="http://schemas.microsoft.com/office/powerpoint/2010/main" val="157423635"/>
+        <p14:creationId xmlns:p14="http://schemas.microsoft.com/office/powerpoint/2010/main" val="847681158"/>
       </p:ext>
     </p:extLst>
   </p:cSld>
@@ -2699,10 +2700,7 @@
           <a:bodyPr/>
           <a:lstStyle/>
           <a:p>
-            <a:r>
-              <a:rPr lang="en-US" dirty="0"/>
-              <a:t>Now another thing unique to open source programs is this idea of packages. You can kind of think of this as like add-ins for Excel – the analogy I like to use is as apps on a phone. </a:t>
-            </a:r>
+            <a:endParaRPr lang="en-US" dirty="0"/>
           </a:p>
         </p:txBody>
       </p:sp>
@@ -2732,7 +2730,7 @@
     </p:spTree>
     <p:extLst>
       <p:ext uri="{BB962C8B-B14F-4D97-AF65-F5344CB8AC3E}">
-        <p14:creationId xmlns:p14="http://schemas.microsoft.com/office/powerpoint/2010/main" val="2453663335"/>
+        <p14:creationId xmlns:p14="http://schemas.microsoft.com/office/powerpoint/2010/main" val="157423635"/>
       </p:ext>
     </p:extLst>
   </p:cSld>
@@ -2819,7 +2817,7 @@
     </p:spTree>
     <p:extLst>
       <p:ext uri="{BB962C8B-B14F-4D97-AF65-F5344CB8AC3E}">
-        <p14:creationId xmlns:p14="http://schemas.microsoft.com/office/powerpoint/2010/main" val="4160286385"/>
+        <p14:creationId xmlns:p14="http://schemas.microsoft.com/office/powerpoint/2010/main" val="2453663335"/>
       </p:ext>
     </p:extLst>
   </p:cSld>
@@ -2875,24 +2873,7 @@
           <a:p>
             <a:r>
               <a:rPr lang="en-US" dirty="0"/>
-              <a:t>One of the things that people get confused about is why learn Python if you’re getting into Power Query… or which to focus on.</a:t>
-            </a:r>
-          </a:p>
-          <a:p>
-            <a:endParaRPr lang="en-US" dirty="0"/>
-          </a:p>
-          <a:p>
-            <a:r>
-              <a:rPr lang="en-US" dirty="0"/>
-              <a:t>You’re not leaving Microsoft’s stack. I have some documentation and a great book here. Now of course these are more about </a:t>
-            </a:r>
-            <a:r>
-              <a:rPr lang="en-US" dirty="0" err="1"/>
-              <a:t>PowerBI</a:t>
-            </a:r>
-            <a:r>
-              <a:rPr lang="en-US" dirty="0"/>
-              <a:t> but there’s every indication there’s more to come with Excel. </a:t>
+              <a:t>Now another thing unique to open source programs is this idea of packages. You can kind of think of this as like add-ins for Excel – the analogy I like to use is as apps on a phone. </a:t>
             </a:r>
           </a:p>
         </p:txBody>
@@ -2923,7 +2904,7 @@
     </p:spTree>
     <p:extLst>
       <p:ext uri="{BB962C8B-B14F-4D97-AF65-F5344CB8AC3E}">
-        <p14:creationId xmlns:p14="http://schemas.microsoft.com/office/powerpoint/2010/main" val="748458497"/>
+        <p14:creationId xmlns:p14="http://schemas.microsoft.com/office/powerpoint/2010/main" val="4160286385"/>
       </p:ext>
     </p:extLst>
   </p:cSld>
@@ -2979,7 +2960,24 @@
           <a:p>
             <a:r>
               <a:rPr lang="en-US" dirty="0"/>
-              <a:t>Now this is scary, it’s literally learning another language! </a:t>
+              <a:t>One of the things that people get confused about is why learn Python if you’re getting into Power Query… or which to focus on.</a:t>
+            </a:r>
+          </a:p>
+          <a:p>
+            <a:endParaRPr lang="en-US" dirty="0"/>
+          </a:p>
+          <a:p>
+            <a:r>
+              <a:rPr lang="en-US" dirty="0"/>
+              <a:t>You’re not leaving Microsoft’s stack. I have some documentation and a great book here. Now of course these are more about </a:t>
+            </a:r>
+            <a:r>
+              <a:rPr lang="en-US" dirty="0" err="1"/>
+              <a:t>PowerBI</a:t>
+            </a:r>
+            <a:r>
+              <a:rPr lang="en-US" dirty="0"/>
+              <a:t> but there’s every indication there’s more to come with Excel. </a:t>
             </a:r>
           </a:p>
         </p:txBody>
@@ -3010,7 +3008,7 @@
     </p:spTree>
     <p:extLst>
       <p:ext uri="{BB962C8B-B14F-4D97-AF65-F5344CB8AC3E}">
-        <p14:creationId xmlns:p14="http://schemas.microsoft.com/office/powerpoint/2010/main" val="3399850265"/>
+        <p14:creationId xmlns:p14="http://schemas.microsoft.com/office/powerpoint/2010/main" val="748458497"/>
       </p:ext>
     </p:extLst>
   </p:cSld>
@@ -3066,16 +3064,7 @@
           <a:p>
             <a:r>
               <a:rPr lang="en-US" dirty="0"/>
-              <a:t>OK again, what I want to do here is just show you the basics of working with Jupyter. You will see in the repo there is an option to launch an interactive session, so do that and let’s navigate the four sections of Jupyter and get comfortable working there. </a:t>
-            </a:r>
-          </a:p>
-          <a:p>
-            <a:endParaRPr lang="en-US" dirty="0"/>
-          </a:p>
-          <a:p>
-            <a:r>
-              <a:rPr lang="en-US" dirty="0"/>
-              <a:t>Possibly come up with some demo notes for this  </a:t>
+              <a:t>Now this is scary, it’s literally learning another language! </a:t>
             </a:r>
           </a:p>
         </p:txBody>
@@ -3106,7 +3095,7 @@
     </p:spTree>
     <p:extLst>
       <p:ext uri="{BB962C8B-B14F-4D97-AF65-F5344CB8AC3E}">
-        <p14:creationId xmlns:p14="http://schemas.microsoft.com/office/powerpoint/2010/main" val="2244508521"/>
+        <p14:creationId xmlns:p14="http://schemas.microsoft.com/office/powerpoint/2010/main" val="3399850265"/>
       </p:ext>
     </p:extLst>
   </p:cSld>
@@ -3246,22 +3235,16 @@
           <a:p>
             <a:r>
               <a:rPr lang="en-US" dirty="0"/>
-              <a:t>Any questions so far about using R? </a:t>
-            </a:r>
+              <a:t>OK again, what I want to do here is just show you the basics of working with Jupyter. You will see in the repo there is an option to launch an interactive session, so do that and let’s navigate the four sections of Jupyter and get comfortable working there. </a:t>
+            </a:r>
+          </a:p>
+          <a:p>
+            <a:endParaRPr lang="en-US" dirty="0"/>
           </a:p>
           <a:p>
             <a:r>
               <a:rPr lang="en-US" dirty="0"/>
-              <a:t>Again I just want to show you how easy it is to get up and running there as an Excel user and what to expect when working with open source programs. </a:t>
-            </a:r>
-          </a:p>
-          <a:p>
-            <a:endParaRPr lang="en-US" dirty="0"/>
-          </a:p>
-          <a:p>
-            <a:r>
-              <a:rPr lang="en-US" dirty="0"/>
-              <a:t>Now I guess one of the questions I might have in your shoes is what’s the big deal, we can do the same kind of stuff with Power Query. So I want to acknowledge that. </a:t>
+              <a:t>Possibly come up with some demo notes for this  </a:t>
             </a:r>
           </a:p>
         </p:txBody>
@@ -3292,7 +3275,7 @@
     </p:spTree>
     <p:extLst>
       <p:ext uri="{BB962C8B-B14F-4D97-AF65-F5344CB8AC3E}">
-        <p14:creationId xmlns:p14="http://schemas.microsoft.com/office/powerpoint/2010/main" val="2041702506"/>
+        <p14:creationId xmlns:p14="http://schemas.microsoft.com/office/powerpoint/2010/main" val="2244508521"/>
       </p:ext>
     </p:extLst>
   </p:cSld>
@@ -3346,39 +3329,25 @@
           <a:bodyPr/>
           <a:lstStyle/>
           <a:p>
-            <a:pPr>
-              <a:buClr>
-                <a:srgbClr val="CF3338"/>
-              </a:buClr>
-            </a:pPr>
-            <a:r>
-              <a:rPr lang="en-US" sz="1200" i="1" dirty="0">
-                <a:solidFill>
-                  <a:srgbClr val="707070"/>
-                </a:solidFill>
-                <a:latin typeface="Pragmatica" panose="020B0403040502020204" pitchFamily="34" charset="0"/>
-              </a:rPr>
-              <a:t>By the end of this book, you should be able to conduct exploratory data analysis and</a:t>
-            </a:r>
-          </a:p>
-          <a:p>
-            <a:pPr>
-              <a:buClr>
-                <a:srgbClr val="CF3338"/>
-              </a:buClr>
-            </a:pPr>
-            <a:r>
-              <a:rPr lang="en-US" sz="1200" i="1" dirty="0">
-                <a:solidFill>
-                  <a:srgbClr val="707070"/>
-                </a:solidFill>
-                <a:latin typeface="Pragmatica" panose="020B0403040502020204" pitchFamily="34" charset="0"/>
-              </a:rPr>
-              <a:t>hypothesis testing using a programming language.</a:t>
+            <a:r>
+              <a:rPr lang="en-US" dirty="0"/>
+              <a:t>Any questions so far about using R? </a:t>
+            </a:r>
+          </a:p>
+          <a:p>
+            <a:r>
+              <a:rPr lang="en-US" dirty="0"/>
+              <a:t>Again I just want to show you how easy it is to get up and running there as an Excel user and what to expect when working with open source programs. </a:t>
             </a:r>
           </a:p>
           <a:p>
             <a:endParaRPr lang="en-US" dirty="0"/>
+          </a:p>
+          <a:p>
+            <a:r>
+              <a:rPr lang="en-US" dirty="0"/>
+              <a:t>Now I guess one of the questions I might have in your shoes is what’s the big deal, we can do the same kind of stuff with Power Query. So I want to acknowledge that. </a:t>
+            </a:r>
           </a:p>
         </p:txBody>
       </p:sp>
@@ -3399,7 +3368,7 @@
           <a:p>
             <a:fld id="{3BB66621-ADCC-4EF8-8003-B9D3E881DCD2}" type="slidenum">
               <a:rPr lang="en-US" smtClean="0"/>
-              <a:t>22</a:t>
+              <a:t>21</a:t>
             </a:fld>
             <a:endParaRPr lang="en-US"/>
           </a:p>
@@ -3408,7 +3377,7 @@
     </p:spTree>
     <p:extLst>
       <p:ext uri="{BB962C8B-B14F-4D97-AF65-F5344CB8AC3E}">
-        <p14:creationId xmlns:p14="http://schemas.microsoft.com/office/powerpoint/2010/main" val="128776136"/>
+        <p14:creationId xmlns:p14="http://schemas.microsoft.com/office/powerpoint/2010/main" val="2041702506"/>
       </p:ext>
     </p:extLst>
   </p:cSld>
@@ -3516,6 +3485,122 @@
             <a:fld id="{3BB66621-ADCC-4EF8-8003-B9D3E881DCD2}" type="slidenum">
               <a:rPr lang="en-US" smtClean="0"/>
               <a:t>23</a:t>
+            </a:fld>
+            <a:endParaRPr lang="en-US"/>
+          </a:p>
+        </p:txBody>
+      </p:sp>
+    </p:spTree>
+    <p:extLst>
+      <p:ext uri="{BB962C8B-B14F-4D97-AF65-F5344CB8AC3E}">
+        <p14:creationId xmlns:p14="http://schemas.microsoft.com/office/powerpoint/2010/main" val="128776136"/>
+      </p:ext>
+    </p:extLst>
+  </p:cSld>
+  <p:clrMapOvr>
+    <a:masterClrMapping/>
+  </p:clrMapOvr>
+</p:notes>
+</file>
+
+<file path=ppt/notesSlides/notesSlide23.xml><?xml version="1.0" encoding="utf-8"?>
+<p:notes xmlns:a="http://schemas.openxmlformats.org/drawingml/2006/main" xmlns:r="http://schemas.openxmlformats.org/officeDocument/2006/relationships" xmlns:p="http://schemas.openxmlformats.org/presentationml/2006/main">
+  <p:cSld>
+    <p:spTree>
+      <p:nvGrpSpPr>
+        <p:cNvPr id="1" name=""/>
+        <p:cNvGrpSpPr/>
+        <p:nvPr/>
+      </p:nvGrpSpPr>
+      <p:grpSpPr>
+        <a:xfrm>
+          <a:off x="0" y="0"/>
+          <a:ext cx="0" cy="0"/>
+          <a:chOff x="0" y="0"/>
+          <a:chExt cx="0" cy="0"/>
+        </a:xfrm>
+      </p:grpSpPr>
+      <p:sp>
+        <p:nvSpPr>
+          <p:cNvPr id="2" name="Slide Image Placeholder 1"/>
+          <p:cNvSpPr>
+            <a:spLocks noGrp="1" noRot="1" noChangeAspect="1"/>
+          </p:cNvSpPr>
+          <p:nvPr>
+            <p:ph type="sldImg"/>
+          </p:nvPr>
+        </p:nvSpPr>
+        <p:spPr/>
+      </p:sp>
+      <p:sp>
+        <p:nvSpPr>
+          <p:cNvPr id="3" name="Notes Placeholder 2"/>
+          <p:cNvSpPr>
+            <a:spLocks noGrp="1"/>
+          </p:cNvSpPr>
+          <p:nvPr>
+            <p:ph type="body" idx="1"/>
+          </p:nvPr>
+        </p:nvSpPr>
+        <p:spPr/>
+        <p:txBody>
+          <a:bodyPr/>
+          <a:lstStyle/>
+          <a:p>
+            <a:pPr>
+              <a:buClr>
+                <a:srgbClr val="CF3338"/>
+              </a:buClr>
+            </a:pPr>
+            <a:r>
+              <a:rPr lang="en-US" sz="1200" i="1" dirty="0">
+                <a:solidFill>
+                  <a:srgbClr val="707070"/>
+                </a:solidFill>
+                <a:latin typeface="Pragmatica" panose="020B0403040502020204" pitchFamily="34" charset="0"/>
+              </a:rPr>
+              <a:t>By the end of this book, you should be able to conduct exploratory data analysis and</a:t>
+            </a:r>
+          </a:p>
+          <a:p>
+            <a:pPr>
+              <a:buClr>
+                <a:srgbClr val="CF3338"/>
+              </a:buClr>
+            </a:pPr>
+            <a:r>
+              <a:rPr lang="en-US" sz="1200" i="1" dirty="0">
+                <a:solidFill>
+                  <a:srgbClr val="707070"/>
+                </a:solidFill>
+                <a:latin typeface="Pragmatica" panose="020B0403040502020204" pitchFamily="34" charset="0"/>
+              </a:rPr>
+              <a:t>hypothesis testing using a programming language.</a:t>
+            </a:r>
+          </a:p>
+          <a:p>
+            <a:endParaRPr lang="en-US" dirty="0"/>
+          </a:p>
+        </p:txBody>
+      </p:sp>
+      <p:sp>
+        <p:nvSpPr>
+          <p:cNvPr id="4" name="Slide Number Placeholder 3"/>
+          <p:cNvSpPr>
+            <a:spLocks noGrp="1"/>
+          </p:cNvSpPr>
+          <p:nvPr>
+            <p:ph type="sldNum" sz="quarter" idx="5"/>
+          </p:nvPr>
+        </p:nvSpPr>
+        <p:spPr/>
+        <p:txBody>
+          <a:bodyPr/>
+          <a:lstStyle/>
+          <a:p>
+            <a:fld id="{3BB66621-ADCC-4EF8-8003-B9D3E881DCD2}" type="slidenum">
+              <a:rPr lang="en-US" smtClean="0"/>
+              <a:t>24</a:t>
             </a:fld>
             <a:endParaRPr lang="en-US"/>
           </a:p>
@@ -3580,13 +3665,22 @@
           <a:p>
             <a:r>
               <a:rPr lang="en-US" dirty="0"/>
-              <a:t>This is different coming from Microsoft, proprietary technology</a:t>
+              <a:t>Any questions so far about using R? </a:t>
             </a:r>
           </a:p>
           <a:p>
             <a:r>
               <a:rPr lang="en-US" dirty="0"/>
-              <a:t>Python is open source what does that mean? </a:t>
+              <a:t>Again I just want to show you how easy it is to get up and running there as an Excel user and what to expect when working with open source programs. </a:t>
+            </a:r>
+          </a:p>
+          <a:p>
+            <a:endParaRPr lang="en-US" dirty="0"/>
+          </a:p>
+          <a:p>
+            <a:r>
+              <a:rPr lang="en-US" dirty="0"/>
+              <a:t>Now I guess one of the questions I might have in your shoes is what’s the big deal, we can do the same kind of stuff with Power Query. So I want to acknowledge that. </a:t>
             </a:r>
           </a:p>
         </p:txBody>
@@ -3617,7 +3711,7 @@
     </p:spTree>
     <p:extLst>
       <p:ext uri="{BB962C8B-B14F-4D97-AF65-F5344CB8AC3E}">
-        <p14:creationId xmlns:p14="http://schemas.microsoft.com/office/powerpoint/2010/main" val="3138835969"/>
+        <p14:creationId xmlns:p14="http://schemas.microsoft.com/office/powerpoint/2010/main" val="524119743"/>
       </p:ext>
     </p:extLst>
   </p:cSld>
@@ -3671,7 +3765,16 @@
           <a:bodyPr/>
           <a:lstStyle/>
           <a:p>
-            <a:endParaRPr lang="en-US" dirty="0"/>
+            <a:r>
+              <a:rPr lang="en-US" dirty="0"/>
+              <a:t>This is different coming from Microsoft, proprietary technology</a:t>
+            </a:r>
+          </a:p>
+          <a:p>
+            <a:r>
+              <a:rPr lang="en-US" dirty="0"/>
+              <a:t>Python is open source what does that mean? </a:t>
+            </a:r>
           </a:p>
         </p:txBody>
       </p:sp>
@@ -3701,7 +3804,7 @@
     </p:spTree>
     <p:extLst>
       <p:ext uri="{BB962C8B-B14F-4D97-AF65-F5344CB8AC3E}">
-        <p14:creationId xmlns:p14="http://schemas.microsoft.com/office/powerpoint/2010/main" val="1413153760"/>
+        <p14:creationId xmlns:p14="http://schemas.microsoft.com/office/powerpoint/2010/main" val="3138835969"/>
       </p:ext>
     </p:extLst>
   </p:cSld>
@@ -3757,15 +3860,7 @@
           <a:p>
             <a:r>
               <a:rPr lang="en-US" dirty="0"/>
-              <a:t>OK now remember that being open source means anyone is free to repackage and redistribute code. In the case of Python the official source code lives with the Python foundation and can be found there. It’s more common however to download from the Anaconda _distribution_ of that code. One of the reasons why is Anaconda comes with some goodies that don’t come with the raw </a:t>
-            </a:r>
-            <a:r>
-              <a:rPr lang="en-US" dirty="0" err="1"/>
-              <a:t>Pyhon</a:t>
-            </a:r>
-            <a:r>
-              <a:rPr lang="en-US" dirty="0"/>
-              <a:t> installation. One of those is the Jupyter notebook, which is a browser-based app we’ll be using to work with Python. </a:t>
+              <a:t>So this means anyone is free to build on it or redistribute it… and that’s how we’ll get our code </a:t>
             </a:r>
           </a:p>
         </p:txBody>
@@ -3796,7 +3891,7 @@
     </p:spTree>
     <p:extLst>
       <p:ext uri="{BB962C8B-B14F-4D97-AF65-F5344CB8AC3E}">
-        <p14:creationId xmlns:p14="http://schemas.microsoft.com/office/powerpoint/2010/main" val="586087745"/>
+        <p14:creationId xmlns:p14="http://schemas.microsoft.com/office/powerpoint/2010/main" val="1413153760"/>
       </p:ext>
     </p:extLst>
   </p:cSld>
@@ -3852,25 +3947,15 @@
           <a:p>
             <a:r>
               <a:rPr lang="en-US" dirty="0"/>
-              <a:t>OK again, what I want to do here is just show you the basics of working with Jupyter. You will see in the repo there is an option to launch an interactive session, so do that and let’s navigate the four sections of Jupyter and get comfortable working there. </a:t>
-            </a:r>
-          </a:p>
-          <a:p>
-            <a:endParaRPr lang="en-US" dirty="0"/>
-          </a:p>
-          <a:p>
+              <a:t>OK now remember that being open source means anyone is free to repackage and redistribute code. In the case of Python the official source code lives with the Python foundation and can be found there. It’s more common however to download from the Anaconda _distribution_ of that code. One of the reasons why is Anaconda comes with some goodies that don’t come with the raw </a:t>
+            </a:r>
+            <a:r>
+              <a:rPr lang="en-US" dirty="0" err="1"/>
+              <a:t>Pyhon</a:t>
+            </a:r>
             <a:r>
               <a:rPr lang="en-US" dirty="0"/>
-              <a:t>In the demo you’ll get a tour of the notebook and how to work a bit with functions and objects. </a:t>
-            </a:r>
-          </a:p>
-          <a:p>
-            <a:endParaRPr lang="en-US" dirty="0"/>
-          </a:p>
-          <a:p>
-            <a:r>
-              <a:rPr lang="en-US" dirty="0"/>
-              <a:t>Possibly come up with some demo notes for this  </a:t>
+              <a:t> installation. One of those is the Jupyter notebook, which is a browser-based app we’ll be using to work with Python. </a:t>
             </a:r>
           </a:p>
         </p:txBody>
@@ -3901,7 +3986,7 @@
     </p:spTree>
     <p:extLst>
       <p:ext uri="{BB962C8B-B14F-4D97-AF65-F5344CB8AC3E}">
-        <p14:creationId xmlns:p14="http://schemas.microsoft.com/office/powerpoint/2010/main" val="2263882747"/>
+        <p14:creationId xmlns:p14="http://schemas.microsoft.com/office/powerpoint/2010/main" val="586087745"/>
       </p:ext>
     </p:extLst>
   </p:cSld>
@@ -3955,7 +4040,28 @@
           <a:bodyPr/>
           <a:lstStyle/>
           <a:p>
+            <a:r>
+              <a:rPr lang="en-US" dirty="0"/>
+              <a:t>OK again, what I want to do here is just show you the basics of working with Jupyter. You will see in the repo there is an option to launch an interactive session, so do that and let’s navigate the four sections of Jupyter and get comfortable working there. </a:t>
+            </a:r>
+          </a:p>
+          <a:p>
             <a:endParaRPr lang="en-US" dirty="0"/>
+          </a:p>
+          <a:p>
+            <a:r>
+              <a:rPr lang="en-US" dirty="0"/>
+              <a:t>In the demo you’ll get a tour of the notebook and how to work a bit with functions and objects. </a:t>
+            </a:r>
+          </a:p>
+          <a:p>
+            <a:endParaRPr lang="en-US" dirty="0"/>
+          </a:p>
+          <a:p>
+            <a:r>
+              <a:rPr lang="en-US" dirty="0"/>
+              <a:t>Possibly come up with some demo notes for this  </a:t>
+            </a:r>
           </a:p>
         </p:txBody>
       </p:sp>
@@ -3985,7 +4091,7 @@
     </p:spTree>
     <p:extLst>
       <p:ext uri="{BB962C8B-B14F-4D97-AF65-F5344CB8AC3E}">
-        <p14:creationId xmlns:p14="http://schemas.microsoft.com/office/powerpoint/2010/main" val="4257777998"/>
+        <p14:creationId xmlns:p14="http://schemas.microsoft.com/office/powerpoint/2010/main" val="2263882747"/>
       </p:ext>
     </p:extLst>
   </p:cSld>
@@ -4039,18 +4145,7 @@
           <a:bodyPr/>
           <a:lstStyle/>
           <a:p>
-            <a:r>
-              <a:rPr lang="en-US" dirty="0"/>
-              <a:t>OK so what we are going to do here is go back to your session or open a new one. Go to the </a:t>
-            </a:r>
-            <a:r>
-              <a:rPr lang="en-US" dirty="0" err="1"/>
-              <a:t>diamonds.r</a:t>
-            </a:r>
-            <a:r>
-              <a:rPr lang="en-US" dirty="0"/>
-              <a:t> dataset. And let’s actually conduct the analysis that was hinted at earlier. </a:t>
-            </a:r>
+            <a:endParaRPr lang="en-US" dirty="0"/>
           </a:p>
         </p:txBody>
       </p:sp>
@@ -4080,7 +4175,7 @@
     </p:spTree>
     <p:extLst>
       <p:ext uri="{BB962C8B-B14F-4D97-AF65-F5344CB8AC3E}">
-        <p14:creationId xmlns:p14="http://schemas.microsoft.com/office/powerpoint/2010/main" val="3669274824"/>
+        <p14:creationId xmlns:p14="http://schemas.microsoft.com/office/powerpoint/2010/main" val="4257777998"/>
       </p:ext>
     </p:extLst>
   </p:cSld>
@@ -4134,7 +4229,18 @@
           <a:bodyPr/>
           <a:lstStyle/>
           <a:p>
-            <a:endParaRPr lang="en-US" dirty="0"/>
+            <a:r>
+              <a:rPr lang="en-US" dirty="0"/>
+              <a:t>OK so what we are going to do here is go back to your session or open a new one. Go to the </a:t>
+            </a:r>
+            <a:r>
+              <a:rPr lang="en-US" dirty="0" err="1"/>
+              <a:t>diamonds.r</a:t>
+            </a:r>
+            <a:r>
+              <a:rPr lang="en-US" dirty="0"/>
+              <a:t> dataset. And let’s actually conduct the analysis that was hinted at earlier. </a:t>
+            </a:r>
           </a:p>
         </p:txBody>
       </p:sp>
@@ -4164,7 +4270,7 @@
     </p:spTree>
     <p:extLst>
       <p:ext uri="{BB962C8B-B14F-4D97-AF65-F5344CB8AC3E}">
-        <p14:creationId xmlns:p14="http://schemas.microsoft.com/office/powerpoint/2010/main" val="1548743503"/>
+        <p14:creationId xmlns:p14="http://schemas.microsoft.com/office/powerpoint/2010/main" val="3669274824"/>
       </p:ext>
     </p:extLst>
   </p:cSld>
@@ -7163,6 +7269,42 @@
           </a:prstGeom>
         </p:spPr>
       </p:pic>
+      <p:pic>
+        <p:nvPicPr>
+          <p:cNvPr id="5" name="Picture 4" descr="Text&#10;&#10;Description automatically generated">
+            <a:extLst>
+              <a:ext uri="{FF2B5EF4-FFF2-40B4-BE49-F238E27FC236}">
+                <a16:creationId xmlns:a16="http://schemas.microsoft.com/office/drawing/2014/main" id="{78BB40FC-DBB4-4F9E-BE2A-57553FC35414}"/>
+              </a:ext>
+            </a:extLst>
+          </p:cNvPr>
+          <p:cNvPicPr>
+            <a:picLocks noChangeAspect="1"/>
+          </p:cNvPicPr>
+          <p:nvPr/>
+        </p:nvPicPr>
+        <p:blipFill>
+          <a:blip r:embed="rId6">
+            <a:extLst>
+              <a:ext uri="{28A0092B-C50C-407E-A947-70E740481C1C}">
+                <a14:useLocalDpi xmlns:a14="http://schemas.microsoft.com/office/drawing/2010/main" val="0"/>
+              </a:ext>
+            </a:extLst>
+          </a:blip>
+          <a:stretch>
+            <a:fillRect/>
+          </a:stretch>
+        </p:blipFill>
+        <p:spPr>
+          <a:xfrm>
+            <a:off x="762" y="428"/>
+            <a:ext cx="12190476" cy="6857143"/>
+          </a:xfrm>
+          <a:prstGeom prst="rect">
+            <a:avLst/>
+          </a:prstGeom>
+        </p:spPr>
+      </p:pic>
     </p:spTree>
     <p:extLst>
       <p:ext uri="{BB962C8B-B14F-4D97-AF65-F5344CB8AC3E}">
@@ -7177,6 +7319,451 @@
 </file>
 
 <file path=ppt/slides/slide10.xml><?xml version="1.0" encoding="utf-8"?>
+<p:sld xmlns:a="http://schemas.openxmlformats.org/drawingml/2006/main" xmlns:r="http://schemas.openxmlformats.org/officeDocument/2006/relationships" xmlns:p="http://schemas.openxmlformats.org/presentationml/2006/main">
+  <p:cSld>
+    <p:spTree>
+      <p:nvGrpSpPr>
+        <p:cNvPr id="1" name=""/>
+        <p:cNvGrpSpPr/>
+        <p:nvPr/>
+      </p:nvGrpSpPr>
+      <p:grpSpPr>
+        <a:xfrm>
+          <a:off x="0" y="0"/>
+          <a:ext cx="0" cy="0"/>
+          <a:chOff x="0" y="0"/>
+          <a:chExt cx="0" cy="0"/>
+        </a:xfrm>
+      </p:grpSpPr>
+      <p:sp>
+        <p:nvSpPr>
+          <p:cNvPr id="4" name="Rectangle 3"/>
+          <p:cNvSpPr/>
+          <p:nvPr/>
+        </p:nvSpPr>
+        <p:spPr>
+          <a:xfrm>
+            <a:off x="0" y="0"/>
+            <a:ext cx="12192000" cy="6858000"/>
+          </a:xfrm>
+          <a:prstGeom prst="rect">
+            <a:avLst/>
+          </a:prstGeom>
+          <a:solidFill>
+            <a:srgbClr val="CF3338"/>
+          </a:solidFill>
+        </p:spPr>
+        <p:style>
+          <a:lnRef idx="2">
+            <a:schemeClr val="accent1">
+              <a:shade val="50000"/>
+            </a:schemeClr>
+          </a:lnRef>
+          <a:fillRef idx="1">
+            <a:schemeClr val="accent1"/>
+          </a:fillRef>
+          <a:effectRef idx="0">
+            <a:schemeClr val="accent1"/>
+          </a:effectRef>
+          <a:fontRef idx="minor">
+            <a:schemeClr val="lt1"/>
+          </a:fontRef>
+        </p:style>
+        <p:txBody>
+          <a:bodyPr rtlCol="0" anchor="ctr"/>
+          <a:lstStyle/>
+          <a:p>
+            <a:pPr algn="ctr"/>
+            <a:endParaRPr lang="en-US"/>
+          </a:p>
+        </p:txBody>
+      </p:sp>
+      <p:sp>
+        <p:nvSpPr>
+          <p:cNvPr id="5" name="TextBox 4"/>
+          <p:cNvSpPr txBox="1"/>
+          <p:nvPr/>
+        </p:nvSpPr>
+        <p:spPr>
+          <a:xfrm>
+            <a:off x="520861" y="393539"/>
+            <a:ext cx="10324617" cy="2123658"/>
+          </a:xfrm>
+          <a:prstGeom prst="rect">
+            <a:avLst/>
+          </a:prstGeom>
+          <a:noFill/>
+        </p:spPr>
+        <p:txBody>
+          <a:bodyPr wrap="square" rtlCol="0">
+            <a:spAutoFit/>
+          </a:bodyPr>
+          <a:lstStyle/>
+          <a:p>
+            <a:r>
+              <a:rPr lang="en-US" sz="6600" b="1" dirty="0">
+                <a:solidFill>
+                  <a:schemeClr val="bg1"/>
+                </a:solidFill>
+                <a:latin typeface="Pragmatica" panose="020B0403040502020204"/>
+              </a:rPr>
+              <a:t>3. There’s a package for that!</a:t>
+            </a:r>
+          </a:p>
+        </p:txBody>
+      </p:sp>
+    </p:spTree>
+    <p:extLst>
+      <p:ext uri="{BB962C8B-B14F-4D97-AF65-F5344CB8AC3E}">
+        <p14:creationId xmlns:p14="http://schemas.microsoft.com/office/powerpoint/2010/main" val="858187301"/>
+      </p:ext>
+    </p:extLst>
+  </p:cSld>
+  <p:clrMapOvr>
+    <a:masterClrMapping/>
+  </p:clrMapOvr>
+</p:sld>
+</file>
+
+<file path=ppt/slides/slide11.xml><?xml version="1.0" encoding="utf-8"?>
+<p:sld xmlns:a="http://schemas.openxmlformats.org/drawingml/2006/main" xmlns:r="http://schemas.openxmlformats.org/officeDocument/2006/relationships" xmlns:p="http://schemas.openxmlformats.org/presentationml/2006/main">
+  <p:cSld>
+    <p:spTree>
+      <p:nvGrpSpPr>
+        <p:cNvPr id="1" name=""/>
+        <p:cNvGrpSpPr/>
+        <p:nvPr/>
+      </p:nvGrpSpPr>
+      <p:grpSpPr>
+        <a:xfrm>
+          <a:off x="0" y="0"/>
+          <a:ext cx="0" cy="0"/>
+          <a:chOff x="0" y="0"/>
+          <a:chExt cx="0" cy="0"/>
+        </a:xfrm>
+      </p:grpSpPr>
+      <p:pic>
+        <p:nvPicPr>
+          <p:cNvPr id="4" name="Picture 3" descr="Graphical user interface, application, icon&#10;&#10;Description automatically generated">
+            <a:extLst>
+              <a:ext uri="{FF2B5EF4-FFF2-40B4-BE49-F238E27FC236}">
+                <a16:creationId xmlns:a16="http://schemas.microsoft.com/office/drawing/2014/main" id="{A712A01B-0288-4354-8C7C-A34D5AF2C311}"/>
+              </a:ext>
+            </a:extLst>
+          </p:cNvPr>
+          <p:cNvPicPr>
+            <a:picLocks noChangeAspect="1"/>
+          </p:cNvPicPr>
+          <p:nvPr/>
+        </p:nvPicPr>
+        <p:blipFill rotWithShape="1">
+          <a:blip r:embed="rId3">
+            <a:extLst>
+              <a:ext uri="{28A0092B-C50C-407E-A947-70E740481C1C}">
+                <a14:useLocalDpi xmlns:a14="http://schemas.microsoft.com/office/drawing/2010/main" val="0"/>
+              </a:ext>
+            </a:extLst>
+          </a:blip>
+          <a:srcRect l="18586" t="26117" r="24476" b="19863"/>
+          <a:stretch/>
+        </p:blipFill>
+        <p:spPr>
+          <a:xfrm>
+            <a:off x="7428412" y="1543847"/>
+            <a:ext cx="3047384" cy="5140006"/>
+          </a:xfrm>
+          <a:prstGeom prst="rect">
+            <a:avLst/>
+          </a:prstGeom>
+        </p:spPr>
+      </p:pic>
+      <p:pic>
+        <p:nvPicPr>
+          <p:cNvPr id="10" name="Picture 9"/>
+          <p:cNvPicPr>
+            <a:picLocks noChangeAspect="1"/>
+          </p:cNvPicPr>
+          <p:nvPr/>
+        </p:nvPicPr>
+        <p:blipFill rotWithShape="1">
+          <a:blip r:embed="rId4">
+            <a:extLst>
+              <a:ext uri="{28A0092B-C50C-407E-A947-70E740481C1C}">
+                <a14:useLocalDpi xmlns:a14="http://schemas.microsoft.com/office/drawing/2010/main" val="0"/>
+              </a:ext>
+            </a:extLst>
+          </a:blip>
+          <a:srcRect l="50728" t="56371"/>
+          <a:stretch/>
+        </p:blipFill>
+        <p:spPr>
+          <a:xfrm>
+            <a:off x="10894024" y="5370653"/>
+            <a:ext cx="1297975" cy="1487348"/>
+          </a:xfrm>
+          <a:prstGeom prst="rect">
+            <a:avLst/>
+          </a:prstGeom>
+        </p:spPr>
+      </p:pic>
+      <p:sp>
+        <p:nvSpPr>
+          <p:cNvPr id="11" name="TextBox 10"/>
+          <p:cNvSpPr txBox="1"/>
+          <p:nvPr/>
+        </p:nvSpPr>
+        <p:spPr>
+          <a:xfrm>
+            <a:off x="347240" y="113388"/>
+            <a:ext cx="9799937" cy="1015663"/>
+          </a:xfrm>
+          <a:prstGeom prst="rect">
+            <a:avLst/>
+          </a:prstGeom>
+          <a:noFill/>
+        </p:spPr>
+        <p:txBody>
+          <a:bodyPr wrap="square" rtlCol="0">
+            <a:spAutoFit/>
+          </a:bodyPr>
+          <a:lstStyle/>
+          <a:p>
+            <a:r>
+              <a:rPr lang="en-US" sz="6000" dirty="0">
+                <a:latin typeface="Aliens &amp; cows" panose="00000500000000000000" pitchFamily="2" charset="0"/>
+              </a:rPr>
+              <a:t>The package two-step…</a:t>
+            </a:r>
+          </a:p>
+        </p:txBody>
+      </p:sp>
+      <p:sp>
+        <p:nvSpPr>
+          <p:cNvPr id="3" name="TextBox 2"/>
+          <p:cNvSpPr txBox="1"/>
+          <p:nvPr/>
+        </p:nvSpPr>
+        <p:spPr>
+          <a:xfrm>
+            <a:off x="454109" y="2297968"/>
+            <a:ext cx="6086650" cy="2246769"/>
+          </a:xfrm>
+          <a:prstGeom prst="rect">
+            <a:avLst/>
+          </a:prstGeom>
+          <a:noFill/>
+        </p:spPr>
+        <p:txBody>
+          <a:bodyPr wrap="square" rtlCol="0">
+            <a:spAutoFit/>
+          </a:bodyPr>
+          <a:lstStyle/>
+          <a:p>
+            <a:pPr marL="514350" indent="-514350">
+              <a:buAutoNum type="arabicPeriod"/>
+            </a:pPr>
+            <a:r>
+              <a:rPr lang="en-US" sz="2800" dirty="0">
+                <a:solidFill>
+                  <a:srgbClr val="707070"/>
+                </a:solidFill>
+                <a:latin typeface="Pragmatica" panose="020B0403040502020204" pitchFamily="34" charset="0"/>
+              </a:rPr>
+              <a:t>Install the package if needed</a:t>
+            </a:r>
+          </a:p>
+          <a:p>
+            <a:pPr marL="971550" lvl="1" indent="-514350">
+              <a:buFont typeface="Arial" panose="020B0604020202020204" pitchFamily="34" charset="0"/>
+              <a:buChar char="•"/>
+            </a:pPr>
+            <a:r>
+              <a:rPr lang="en-US" sz="2800" dirty="0" err="1">
+                <a:solidFill>
+                  <a:srgbClr val="707070"/>
+                </a:solidFill>
+                <a:latin typeface="Consolas" panose="020B0609020204030204" pitchFamily="49" charset="0"/>
+              </a:rPr>
+              <a:t>conda</a:t>
+            </a:r>
+            <a:r>
+              <a:rPr lang="en-US" sz="2800" dirty="0">
+                <a:solidFill>
+                  <a:srgbClr val="707070"/>
+                </a:solidFill>
+                <a:latin typeface="Consolas" panose="020B0609020204030204" pitchFamily="49" charset="0"/>
+              </a:rPr>
+              <a:t> install </a:t>
+            </a:r>
+            <a:r>
+              <a:rPr lang="en-US" sz="2800" dirty="0" err="1">
+                <a:solidFill>
+                  <a:srgbClr val="707070"/>
+                </a:solidFill>
+                <a:latin typeface="Consolas" panose="020B0609020204030204" pitchFamily="49" charset="0"/>
+              </a:rPr>
+              <a:t>packagename</a:t>
+            </a:r>
+            <a:r>
+              <a:rPr lang="en-US" sz="2800" dirty="0">
+                <a:solidFill>
+                  <a:srgbClr val="707070"/>
+                </a:solidFill>
+                <a:latin typeface="Consolas" panose="020B0609020204030204" pitchFamily="49" charset="0"/>
+              </a:rPr>
+              <a:t> </a:t>
+            </a:r>
+          </a:p>
+          <a:p>
+            <a:pPr marL="971550" lvl="1" indent="-514350">
+              <a:buFont typeface="Arial" panose="020B0604020202020204" pitchFamily="34" charset="0"/>
+              <a:buChar char="•"/>
+            </a:pPr>
+            <a:r>
+              <a:rPr lang="en-US" sz="2800" dirty="0">
+                <a:solidFill>
+                  <a:srgbClr val="707070"/>
+                </a:solidFill>
+                <a:latin typeface="Consolas" panose="020B0609020204030204" pitchFamily="49" charset="0"/>
+              </a:rPr>
+              <a:t>pip install </a:t>
+            </a:r>
+            <a:r>
+              <a:rPr lang="en-US" sz="2800" dirty="0" err="1">
+                <a:solidFill>
+                  <a:srgbClr val="707070"/>
+                </a:solidFill>
+                <a:latin typeface="Consolas" panose="020B0609020204030204" pitchFamily="49" charset="0"/>
+              </a:rPr>
+              <a:t>packagename</a:t>
+            </a:r>
+            <a:endParaRPr lang="en-US" sz="2800" dirty="0">
+              <a:solidFill>
+                <a:srgbClr val="707070"/>
+              </a:solidFill>
+              <a:latin typeface="Consolas" panose="020B0609020204030204" pitchFamily="49" charset="0"/>
+            </a:endParaRPr>
+          </a:p>
+          <a:p>
+            <a:pPr marL="514350" indent="-514350">
+              <a:buFont typeface="+mj-lt"/>
+              <a:buAutoNum type="arabicPeriod"/>
+            </a:pPr>
+            <a:r>
+              <a:rPr lang="en-US" sz="2800" dirty="0">
+                <a:solidFill>
+                  <a:srgbClr val="707070"/>
+                </a:solidFill>
+                <a:latin typeface="Pragmatica" panose="020B0403040502020204" pitchFamily="34" charset="0"/>
+              </a:rPr>
+              <a:t>Open the package</a:t>
+            </a:r>
+          </a:p>
+          <a:p>
+            <a:pPr marL="971550" lvl="1" indent="-514350">
+              <a:buFont typeface="Arial" panose="020B0604020202020204" pitchFamily="34" charset="0"/>
+              <a:buChar char="•"/>
+            </a:pPr>
+            <a:r>
+              <a:rPr lang="en-US" sz="2800" dirty="0">
+                <a:solidFill>
+                  <a:srgbClr val="707070"/>
+                </a:solidFill>
+                <a:latin typeface="Consolas" panose="020B0609020204030204" pitchFamily="49" charset="0"/>
+              </a:rPr>
+              <a:t>import </a:t>
+            </a:r>
+            <a:r>
+              <a:rPr lang="en-US" sz="2800" dirty="0" err="1">
+                <a:solidFill>
+                  <a:srgbClr val="707070"/>
+                </a:solidFill>
+                <a:latin typeface="Consolas" panose="020B0609020204030204" pitchFamily="49" charset="0"/>
+              </a:rPr>
+              <a:t>packagename</a:t>
+            </a:r>
+            <a:endParaRPr lang="en-US" sz="2800" dirty="0">
+              <a:solidFill>
+                <a:srgbClr val="707070"/>
+              </a:solidFill>
+              <a:latin typeface="Consolas" panose="020B0609020204030204" pitchFamily="49" charset="0"/>
+            </a:endParaRPr>
+          </a:p>
+        </p:txBody>
+      </p:sp>
+      <p:sp>
+        <p:nvSpPr>
+          <p:cNvPr id="8" name="TextBox 7">
+            <a:extLst>
+              <a:ext uri="{FF2B5EF4-FFF2-40B4-BE49-F238E27FC236}">
+                <a16:creationId xmlns:a16="http://schemas.microsoft.com/office/drawing/2014/main" id="{1FC30B21-711F-42B6-A594-4AB6BE1C1C42}"/>
+              </a:ext>
+            </a:extLst>
+          </p:cNvPr>
+          <p:cNvSpPr txBox="1"/>
+          <p:nvPr/>
+        </p:nvSpPr>
+        <p:spPr>
+          <a:xfrm>
+            <a:off x="347240" y="4943758"/>
+            <a:ext cx="6086650" cy="1384995"/>
+          </a:xfrm>
+          <a:prstGeom prst="rect">
+            <a:avLst/>
+          </a:prstGeom>
+          <a:noFill/>
+        </p:spPr>
+        <p:txBody>
+          <a:bodyPr wrap="square" rtlCol="0">
+            <a:spAutoFit/>
+          </a:bodyPr>
+          <a:lstStyle/>
+          <a:p>
+            <a:r>
+              <a:rPr lang="en-US" sz="2800" dirty="0">
+                <a:solidFill>
+                  <a:srgbClr val="707070"/>
+                </a:solidFill>
+                <a:latin typeface="Pragmatica" panose="020B7200000000000000" pitchFamily="34" charset="0"/>
+              </a:rPr>
+              <a:t>More:  </a:t>
+            </a:r>
+            <a:r>
+              <a:rPr lang="en-US" sz="2800" dirty="0">
+                <a:solidFill>
+                  <a:srgbClr val="707070"/>
+                </a:solidFill>
+                <a:latin typeface="Pragmatica" panose="020B7200000000000000" pitchFamily="34" charset="0"/>
+                <a:hlinkClick r:id="rId5"/>
+              </a:rPr>
+              <a:t>https://stringfestanalytics.com/sourcing-python-packages/</a:t>
+            </a:r>
+            <a:r>
+              <a:rPr lang="en-US" sz="2800" dirty="0">
+                <a:solidFill>
+                  <a:srgbClr val="707070"/>
+                </a:solidFill>
+                <a:latin typeface="Pragmatica" panose="020B7200000000000000" pitchFamily="34" charset="0"/>
+              </a:rPr>
+              <a:t>  </a:t>
+            </a:r>
+          </a:p>
+        </p:txBody>
+      </p:sp>
+    </p:spTree>
+    <p:extLst>
+      <p:ext uri="{BB962C8B-B14F-4D97-AF65-F5344CB8AC3E}">
+        <p14:creationId xmlns:p14="http://schemas.microsoft.com/office/powerpoint/2010/main" val="3221926916"/>
+      </p:ext>
+    </p:extLst>
+  </p:cSld>
+  <p:clrMapOvr>
+    <a:masterClrMapping/>
+  </p:clrMapOvr>
+</p:sld>
+</file>
+
+<file path=ppt/slides/slide12.xml><?xml version="1.0" encoding="utf-8"?>
 <p:sld xmlns:a="http://schemas.openxmlformats.org/drawingml/2006/main" xmlns:r="http://schemas.openxmlformats.org/officeDocument/2006/relationships" xmlns:p="http://schemas.openxmlformats.org/presentationml/2006/main">
   <p:cSld>
     <p:spTree>
@@ -7268,14 +7855,14 @@
           <p:nvPr>
             <p:extLst>
               <p:ext uri="{D42A27DB-BD31-4B8C-83A1-F6EECF244321}">
-                <p14:modId xmlns:p14="http://schemas.microsoft.com/office/powerpoint/2010/main" val="2633151771"/>
+                <p14:modId xmlns:p14="http://schemas.microsoft.com/office/powerpoint/2010/main" val="1056670891"/>
               </p:ext>
             </p:extLst>
           </p:nvPr>
         </p:nvGraphicFramePr>
         <p:xfrm>
           <a:off x="1014962" y="1685665"/>
-          <a:ext cx="9879062" cy="4397915"/>
+          <a:ext cx="9879062" cy="4741426"/>
         </p:xfrm>
         <a:graphic>
           <a:graphicData uri="http://schemas.openxmlformats.org/drawingml/2006/table">
@@ -7431,7 +8018,7 @@
                         </a:spcAft>
                       </a:pPr>
                       <a:r>
-                        <a:rPr lang="en-US" sz="2000">
+                        <a:rPr lang="en-US" sz="2400">
                           <a:effectLst/>
                           <a:latin typeface="Pragmatica" panose="020B7200000000000000" pitchFamily="34" charset="0"/>
                           <a:ea typeface="Calibri" panose="020F0502020204030204" pitchFamily="34" charset="0"/>
@@ -7440,7 +8027,7 @@
                         <a:t>Designed for </a:t>
                       </a:r>
                       <a:r>
-                        <a:rPr lang="en-US" sz="2000" i="1">
+                        <a:rPr lang="en-US" sz="2400" i="1">
                           <a:effectLst/>
                           <a:latin typeface="Pragmatica" panose="020B7200000000000000" pitchFamily="34" charset="0"/>
                           <a:ea typeface="Calibri" panose="020F0502020204030204" pitchFamily="34" charset="0"/>
@@ -7448,7 +8035,7 @@
                         </a:rPr>
                         <a:t>numerical computing </a:t>
                       </a:r>
-                      <a:endParaRPr lang="en-US" sz="2400">
+                      <a:endParaRPr lang="en-US" sz="2800">
                         <a:effectLst/>
                         <a:latin typeface="Georgia" panose="02040502050405020303" pitchFamily="18" charset="0"/>
                         <a:ea typeface="Calibri" panose="020F0502020204030204" pitchFamily="34" charset="0"/>
@@ -7517,7 +8104,7 @@
                         </a:spcAft>
                       </a:pPr>
                       <a:r>
-                        <a:rPr lang="en-US" sz="2000" dirty="0">
+                        <a:rPr lang="en-US" sz="2400" dirty="0">
                           <a:effectLst/>
                           <a:latin typeface="Pragmatica" panose="020B7200000000000000" pitchFamily="34" charset="0"/>
                           <a:ea typeface="Calibri" panose="020F0502020204030204" pitchFamily="34" charset="0"/>
@@ -7526,7 +8113,7 @@
                         <a:t>Designed to work with </a:t>
                       </a:r>
                       <a:r>
-                        <a:rPr lang="en-US" sz="2000" i="1" dirty="0">
+                        <a:rPr lang="en-US" sz="2400" i="1" dirty="0">
                           <a:effectLst/>
                           <a:latin typeface="Pragmatica" panose="020B7200000000000000" pitchFamily="34" charset="0"/>
                           <a:ea typeface="Calibri" panose="020F0502020204030204" pitchFamily="34" charset="0"/>
@@ -7535,7 +8122,7 @@
                         <a:t>panel data </a:t>
                       </a:r>
                       <a:r>
-                        <a:rPr lang="en-US" sz="2000" dirty="0">
+                        <a:rPr lang="en-US" sz="2400" dirty="0">
                           <a:effectLst/>
                           <a:latin typeface="Pragmatica" panose="020B7200000000000000" pitchFamily="34" charset="0"/>
                           <a:ea typeface="Calibri" panose="020F0502020204030204" pitchFamily="34" charset="0"/>
@@ -7544,7 +8131,7 @@
                         <a:t>and other tabular data structures (think rows and columns. This package leverages code from </a:t>
                       </a:r>
                       <a:r>
-                        <a:rPr lang="en-US" sz="2000" dirty="0" err="1">
+                        <a:rPr lang="en-US" sz="2400" dirty="0" err="1">
                           <a:effectLst/>
                           <a:latin typeface="Consolas" panose="020B0609020204030204" pitchFamily="49" charset="0"/>
                           <a:ea typeface="Calibri" panose="020F0502020204030204" pitchFamily="34" charset="0"/>
@@ -7553,7 +8140,7 @@
                         <a:t>numpy</a:t>
                       </a:r>
                       <a:r>
-                        <a:rPr lang="en-US" sz="2000" dirty="0">
+                        <a:rPr lang="en-US" sz="2400" dirty="0">
                           <a:effectLst/>
                           <a:latin typeface="Pragmatica" panose="020B7200000000000000" pitchFamily="34" charset="0"/>
                           <a:ea typeface="Calibri" panose="020F0502020204030204" pitchFamily="34" charset="0"/>
@@ -7561,7 +8148,7 @@
                         </a:rPr>
                         <a:t>.</a:t>
                       </a:r>
-                      <a:endParaRPr lang="en-US" sz="2400" dirty="0">
+                      <a:endParaRPr lang="en-US" sz="2800" dirty="0">
                         <a:effectLst/>
                         <a:latin typeface="Georgia" panose="02040502050405020303" pitchFamily="18" charset="0"/>
                         <a:ea typeface="Calibri" panose="020F0502020204030204" pitchFamily="34" charset="0"/>
@@ -7630,7 +8217,7 @@
                         </a:spcAft>
                       </a:pPr>
                       <a:r>
-                        <a:rPr lang="en-US" sz="2000">
+                        <a:rPr lang="en-US" sz="2400">
                           <a:effectLst/>
                           <a:latin typeface="Pragmatica" panose="020B7200000000000000" pitchFamily="34" charset="0"/>
                           <a:ea typeface="Calibri" panose="020F0502020204030204" pitchFamily="34" charset="0"/>
@@ -7638,7 +8225,7 @@
                         </a:rPr>
                         <a:t>a popular package for data visualization</a:t>
                       </a:r>
-                      <a:endParaRPr lang="en-US" sz="2400">
+                      <a:endParaRPr lang="en-US" sz="2800">
                         <a:effectLst/>
                         <a:latin typeface="Georgia" panose="02040502050405020303" pitchFamily="18" charset="0"/>
                         <a:ea typeface="Calibri" panose="020F0502020204030204" pitchFamily="34" charset="0"/>
@@ -7707,7 +8294,7 @@
                         </a:spcAft>
                       </a:pPr>
                       <a:r>
-                        <a:rPr lang="en-US" sz="2000" dirty="0">
+                        <a:rPr lang="en-US" sz="2400" dirty="0">
                           <a:effectLst/>
                           <a:latin typeface="Pragmatica" panose="020B7200000000000000" pitchFamily="34" charset="0"/>
                           <a:ea typeface="Calibri" panose="020F0502020204030204" pitchFamily="34" charset="0"/>
@@ -7716,7 +8303,7 @@
                         <a:t>another package for data visualization, built on top of </a:t>
                       </a:r>
                       <a:r>
-                        <a:rPr lang="en-US" sz="2000" dirty="0">
+                        <a:rPr lang="en-US" sz="2400" dirty="0">
                           <a:effectLst/>
                           <a:latin typeface="Consolas" panose="020B0609020204030204" pitchFamily="49" charset="0"/>
                           <a:ea typeface="Calibri" panose="020F0502020204030204" pitchFamily="34" charset="0"/>
@@ -7725,7 +8312,7 @@
                         <a:t>matplotlib</a:t>
                       </a:r>
                       <a:r>
-                        <a:rPr lang="en-US" sz="2000" dirty="0">
+                        <a:rPr lang="en-US" sz="2400" dirty="0">
                           <a:effectLst/>
                           <a:latin typeface="Pragmatica" panose="020B7200000000000000" pitchFamily="34" charset="0"/>
                           <a:ea typeface="Calibri" panose="020F0502020204030204" pitchFamily="34" charset="0"/>
@@ -7734,7 +8321,7 @@
                         <a:t> and designed to work well with </a:t>
                       </a:r>
                       <a:r>
-                        <a:rPr lang="en-US" sz="2000" dirty="0">
+                        <a:rPr lang="en-US" sz="2400" dirty="0">
                           <a:effectLst/>
                           <a:latin typeface="Consolas" panose="020B0609020204030204" pitchFamily="49" charset="0"/>
                           <a:ea typeface="Calibri" panose="020F0502020204030204" pitchFamily="34" charset="0"/>
@@ -7743,7 +8330,7 @@
                         <a:t>pandas</a:t>
                       </a:r>
                       <a:r>
-                        <a:rPr lang="en-US" sz="2000" dirty="0">
+                        <a:rPr lang="en-US" sz="2400" dirty="0">
                           <a:effectLst/>
                           <a:latin typeface="Pragmatica" panose="020B7200000000000000" pitchFamily="34" charset="0"/>
                           <a:ea typeface="Calibri" panose="020F0502020204030204" pitchFamily="34" charset="0"/>
@@ -7751,7 +8338,7 @@
                         </a:rPr>
                         <a:t>. </a:t>
                       </a:r>
-                      <a:endParaRPr lang="en-US" sz="2400" dirty="0">
+                      <a:endParaRPr lang="en-US" sz="2800" dirty="0">
                         <a:effectLst/>
                         <a:latin typeface="Georgia" panose="02040502050405020303" pitchFamily="18" charset="0"/>
                         <a:ea typeface="Calibri" panose="020F0502020204030204" pitchFamily="34" charset="0"/>
@@ -7771,7 +8358,7 @@
                         </a:spcAft>
                       </a:pPr>
                       <a:r>
-                        <a:rPr lang="en-US" sz="2000" dirty="0">
+                        <a:rPr lang="en-US" sz="2400" dirty="0">
                           <a:effectLst/>
                           <a:latin typeface="Pragmatica" panose="020B7200000000000000" pitchFamily="34" charset="0"/>
                           <a:ea typeface="Calibri" panose="020F0502020204030204" pitchFamily="34" charset="0"/>
@@ -7779,7 +8366,7 @@
                         </a:rPr>
                         <a:t> </a:t>
                       </a:r>
-                      <a:endParaRPr lang="en-US" sz="2400" dirty="0">
+                      <a:endParaRPr lang="en-US" sz="2800" dirty="0">
                         <a:effectLst/>
                         <a:latin typeface="Georgia" panose="02040502050405020303" pitchFamily="18" charset="0"/>
                         <a:ea typeface="Calibri" panose="020F0502020204030204" pitchFamily="34" charset="0"/>
@@ -7812,345 +8399,7 @@
 </p:sld>
 </file>
 
-<file path=ppt/slides/slide11.xml><?xml version="1.0" encoding="utf-8"?>
-<p:sld xmlns:a="http://schemas.openxmlformats.org/drawingml/2006/main" xmlns:r="http://schemas.openxmlformats.org/officeDocument/2006/relationships" xmlns:p="http://schemas.openxmlformats.org/presentationml/2006/main">
-  <p:cSld>
-    <p:spTree>
-      <p:nvGrpSpPr>
-        <p:cNvPr id="1" name=""/>
-        <p:cNvGrpSpPr/>
-        <p:nvPr/>
-      </p:nvGrpSpPr>
-      <p:grpSpPr>
-        <a:xfrm>
-          <a:off x="0" y="0"/>
-          <a:ext cx="0" cy="0"/>
-          <a:chOff x="0" y="0"/>
-          <a:chExt cx="0" cy="0"/>
-        </a:xfrm>
-      </p:grpSpPr>
-      <p:pic>
-        <p:nvPicPr>
-          <p:cNvPr id="4" name="Picture 3" descr="Graphical user interface, application, icon&#10;&#10;Description automatically generated">
-            <a:extLst>
-              <a:ext uri="{FF2B5EF4-FFF2-40B4-BE49-F238E27FC236}">
-                <a16:creationId xmlns:a16="http://schemas.microsoft.com/office/drawing/2014/main" id="{A712A01B-0288-4354-8C7C-A34D5AF2C311}"/>
-              </a:ext>
-            </a:extLst>
-          </p:cNvPr>
-          <p:cNvPicPr>
-            <a:picLocks noChangeAspect="1"/>
-          </p:cNvPicPr>
-          <p:nvPr/>
-        </p:nvPicPr>
-        <p:blipFill rotWithShape="1">
-          <a:blip r:embed="rId3">
-            <a:extLst>
-              <a:ext uri="{28A0092B-C50C-407E-A947-70E740481C1C}">
-                <a14:useLocalDpi xmlns:a14="http://schemas.microsoft.com/office/drawing/2010/main" val="0"/>
-              </a:ext>
-            </a:extLst>
-          </a:blip>
-          <a:srcRect l="18586" t="26117" r="24476" b="19863"/>
-          <a:stretch/>
-        </p:blipFill>
-        <p:spPr>
-          <a:xfrm>
-            <a:off x="7428412" y="1543847"/>
-            <a:ext cx="3047384" cy="5140006"/>
-          </a:xfrm>
-          <a:prstGeom prst="rect">
-            <a:avLst/>
-          </a:prstGeom>
-        </p:spPr>
-      </p:pic>
-      <p:pic>
-        <p:nvPicPr>
-          <p:cNvPr id="10" name="Picture 9"/>
-          <p:cNvPicPr>
-            <a:picLocks noChangeAspect="1"/>
-          </p:cNvPicPr>
-          <p:nvPr/>
-        </p:nvPicPr>
-        <p:blipFill rotWithShape="1">
-          <a:blip r:embed="rId4">
-            <a:extLst>
-              <a:ext uri="{28A0092B-C50C-407E-A947-70E740481C1C}">
-                <a14:useLocalDpi xmlns:a14="http://schemas.microsoft.com/office/drawing/2010/main" val="0"/>
-              </a:ext>
-            </a:extLst>
-          </a:blip>
-          <a:srcRect l="50728" t="56371"/>
-          <a:stretch/>
-        </p:blipFill>
-        <p:spPr>
-          <a:xfrm>
-            <a:off x="10894024" y="5370653"/>
-            <a:ext cx="1297975" cy="1487348"/>
-          </a:xfrm>
-          <a:prstGeom prst="rect">
-            <a:avLst/>
-          </a:prstGeom>
-        </p:spPr>
-      </p:pic>
-      <p:sp>
-        <p:nvSpPr>
-          <p:cNvPr id="11" name="TextBox 10"/>
-          <p:cNvSpPr txBox="1"/>
-          <p:nvPr/>
-        </p:nvSpPr>
-        <p:spPr>
-          <a:xfrm>
-            <a:off x="347240" y="113388"/>
-            <a:ext cx="9799937" cy="1015663"/>
-          </a:xfrm>
-          <a:prstGeom prst="rect">
-            <a:avLst/>
-          </a:prstGeom>
-          <a:noFill/>
-        </p:spPr>
-        <p:txBody>
-          <a:bodyPr wrap="square" rtlCol="0">
-            <a:spAutoFit/>
-          </a:bodyPr>
-          <a:lstStyle/>
-          <a:p>
-            <a:r>
-              <a:rPr lang="en-US" sz="6000" dirty="0">
-                <a:latin typeface="Aliens &amp; cows" panose="00000500000000000000" pitchFamily="2" charset="0"/>
-              </a:rPr>
-              <a:t>The package two-step…</a:t>
-            </a:r>
-          </a:p>
-        </p:txBody>
-      </p:sp>
-      <p:sp>
-        <p:nvSpPr>
-          <p:cNvPr id="3" name="TextBox 2"/>
-          <p:cNvSpPr txBox="1"/>
-          <p:nvPr/>
-        </p:nvSpPr>
-        <p:spPr>
-          <a:xfrm>
-            <a:off x="454109" y="2297968"/>
-            <a:ext cx="6086650" cy="2246769"/>
-          </a:xfrm>
-          <a:prstGeom prst="rect">
-            <a:avLst/>
-          </a:prstGeom>
-          <a:noFill/>
-        </p:spPr>
-        <p:txBody>
-          <a:bodyPr wrap="square" rtlCol="0">
-            <a:spAutoFit/>
-          </a:bodyPr>
-          <a:lstStyle/>
-          <a:p>
-            <a:pPr marL="514350" indent="-514350">
-              <a:buAutoNum type="arabicPeriod"/>
-            </a:pPr>
-            <a:r>
-              <a:rPr lang="en-US" sz="2800" dirty="0">
-                <a:solidFill>
-                  <a:srgbClr val="707070"/>
-                </a:solidFill>
-                <a:latin typeface="Pragmatica" panose="020B0403040502020204" pitchFamily="34" charset="0"/>
-              </a:rPr>
-              <a:t>Install the package if needed</a:t>
-            </a:r>
-          </a:p>
-          <a:p>
-            <a:pPr marL="971550" lvl="1" indent="-514350">
-              <a:buFont typeface="Arial" panose="020B0604020202020204" pitchFamily="34" charset="0"/>
-              <a:buChar char="•"/>
-            </a:pPr>
-            <a:r>
-              <a:rPr lang="en-US" sz="2800" dirty="0" err="1">
-                <a:solidFill>
-                  <a:srgbClr val="707070"/>
-                </a:solidFill>
-                <a:latin typeface="Consolas" panose="020B0609020204030204" pitchFamily="49" charset="0"/>
-              </a:rPr>
-              <a:t>conda</a:t>
-            </a:r>
-            <a:r>
-              <a:rPr lang="en-US" sz="2800" dirty="0">
-                <a:solidFill>
-                  <a:srgbClr val="707070"/>
-                </a:solidFill>
-                <a:latin typeface="Consolas" panose="020B0609020204030204" pitchFamily="49" charset="0"/>
-              </a:rPr>
-              <a:t> install </a:t>
-            </a:r>
-            <a:r>
-              <a:rPr lang="en-US" sz="2800" dirty="0" err="1">
-                <a:solidFill>
-                  <a:srgbClr val="707070"/>
-                </a:solidFill>
-                <a:latin typeface="Consolas" panose="020B0609020204030204" pitchFamily="49" charset="0"/>
-              </a:rPr>
-              <a:t>packagename</a:t>
-            </a:r>
-            <a:r>
-              <a:rPr lang="en-US" sz="2800" dirty="0">
-                <a:solidFill>
-                  <a:srgbClr val="707070"/>
-                </a:solidFill>
-                <a:latin typeface="Consolas" panose="020B0609020204030204" pitchFamily="49" charset="0"/>
-              </a:rPr>
-              <a:t> </a:t>
-            </a:r>
-          </a:p>
-          <a:p>
-            <a:pPr marL="971550" lvl="1" indent="-514350">
-              <a:buFont typeface="Arial" panose="020B0604020202020204" pitchFamily="34" charset="0"/>
-              <a:buChar char="•"/>
-            </a:pPr>
-            <a:r>
-              <a:rPr lang="en-US" sz="2800" dirty="0">
-                <a:solidFill>
-                  <a:srgbClr val="707070"/>
-                </a:solidFill>
-                <a:latin typeface="Consolas" panose="020B0609020204030204" pitchFamily="49" charset="0"/>
-              </a:rPr>
-              <a:t>pip install </a:t>
-            </a:r>
-            <a:r>
-              <a:rPr lang="en-US" sz="2800" dirty="0" err="1">
-                <a:solidFill>
-                  <a:srgbClr val="707070"/>
-                </a:solidFill>
-                <a:latin typeface="Consolas" panose="020B0609020204030204" pitchFamily="49" charset="0"/>
-              </a:rPr>
-              <a:t>packagename</a:t>
-            </a:r>
-            <a:endParaRPr lang="en-US" sz="2800" dirty="0">
-              <a:solidFill>
-                <a:srgbClr val="707070"/>
-              </a:solidFill>
-              <a:latin typeface="Consolas" panose="020B0609020204030204" pitchFamily="49" charset="0"/>
-            </a:endParaRPr>
-          </a:p>
-          <a:p>
-            <a:pPr marL="514350" indent="-514350">
-              <a:buFont typeface="+mj-lt"/>
-              <a:buAutoNum type="arabicPeriod"/>
-            </a:pPr>
-            <a:r>
-              <a:rPr lang="en-US" sz="2800" dirty="0">
-                <a:solidFill>
-                  <a:srgbClr val="707070"/>
-                </a:solidFill>
-                <a:latin typeface="Pragmatica" panose="020B0403040502020204" pitchFamily="34" charset="0"/>
-              </a:rPr>
-              <a:t>Open the package</a:t>
-            </a:r>
-          </a:p>
-          <a:p>
-            <a:pPr marL="971550" lvl="1" indent="-514350">
-              <a:buFont typeface="Arial" panose="020B0604020202020204" pitchFamily="34" charset="0"/>
-              <a:buChar char="•"/>
-            </a:pPr>
-            <a:r>
-              <a:rPr lang="en-US" sz="2800" dirty="0">
-                <a:solidFill>
-                  <a:srgbClr val="707070"/>
-                </a:solidFill>
-                <a:latin typeface="Consolas" panose="020B0609020204030204" pitchFamily="49" charset="0"/>
-              </a:rPr>
-              <a:t>import </a:t>
-            </a:r>
-            <a:r>
-              <a:rPr lang="en-US" sz="2800" dirty="0" err="1">
-                <a:solidFill>
-                  <a:srgbClr val="707070"/>
-                </a:solidFill>
-                <a:latin typeface="Consolas" panose="020B0609020204030204" pitchFamily="49" charset="0"/>
-              </a:rPr>
-              <a:t>packagename</a:t>
-            </a:r>
-            <a:endParaRPr lang="en-US" sz="2800" dirty="0">
-              <a:solidFill>
-                <a:srgbClr val="707070"/>
-              </a:solidFill>
-              <a:latin typeface="Consolas" panose="020B0609020204030204" pitchFamily="49" charset="0"/>
-            </a:endParaRPr>
-          </a:p>
-        </p:txBody>
-      </p:sp>
-      <p:sp>
-        <p:nvSpPr>
-          <p:cNvPr id="8" name="TextBox 7">
-            <a:extLst>
-              <a:ext uri="{FF2B5EF4-FFF2-40B4-BE49-F238E27FC236}">
-                <a16:creationId xmlns:a16="http://schemas.microsoft.com/office/drawing/2014/main" id="{1FC30B21-711F-42B6-A594-4AB6BE1C1C42}"/>
-              </a:ext>
-            </a:extLst>
-          </p:cNvPr>
-          <p:cNvSpPr txBox="1"/>
-          <p:nvPr/>
-        </p:nvSpPr>
-        <p:spPr>
-          <a:xfrm>
-            <a:off x="347240" y="4943758"/>
-            <a:ext cx="6086650" cy="1384995"/>
-          </a:xfrm>
-          <a:prstGeom prst="rect">
-            <a:avLst/>
-          </a:prstGeom>
-          <a:noFill/>
-        </p:spPr>
-        <p:txBody>
-          <a:bodyPr wrap="square" rtlCol="0">
-            <a:spAutoFit/>
-          </a:bodyPr>
-          <a:lstStyle/>
-          <a:p>
-            <a:r>
-              <a:rPr lang="en-US" sz="2800" dirty="0">
-                <a:solidFill>
-                  <a:srgbClr val="707070"/>
-                </a:solidFill>
-                <a:latin typeface="Pragmatica" panose="020B7200000000000000" pitchFamily="34" charset="0"/>
-              </a:rPr>
-              <a:t>More:  </a:t>
-            </a:r>
-            <a:r>
-              <a:rPr lang="en-US" sz="2800" dirty="0">
-                <a:solidFill>
-                  <a:srgbClr val="707070"/>
-                </a:solidFill>
-                <a:latin typeface="Pragmatica" panose="020B7200000000000000" pitchFamily="34" charset="0"/>
-                <a:hlinkClick r:id="rId5"/>
-              </a:rPr>
-              <a:t>https://stringfestanalytics.com/sourcing-python-packages/</a:t>
-            </a:r>
-            <a:r>
-              <a:rPr lang="en-US" sz="2800" dirty="0">
-                <a:solidFill>
-                  <a:srgbClr val="707070"/>
-                </a:solidFill>
-                <a:latin typeface="Pragmatica" panose="020B7200000000000000" pitchFamily="34" charset="0"/>
-              </a:rPr>
-              <a:t>  </a:t>
-            </a:r>
-          </a:p>
-        </p:txBody>
-      </p:sp>
-    </p:spTree>
-    <p:extLst>
-      <p:ext uri="{BB962C8B-B14F-4D97-AF65-F5344CB8AC3E}">
-        <p14:creationId xmlns:p14="http://schemas.microsoft.com/office/powerpoint/2010/main" val="3221926916"/>
-      </p:ext>
-    </p:extLst>
-  </p:cSld>
-  <p:clrMapOvr>
-    <a:masterClrMapping/>
-  </p:clrMapOvr>
-</p:sld>
-</file>
-
-<file path=ppt/slides/slide12.xml><?xml version="1.0" encoding="utf-8"?>
+<file path=ppt/slides/slide13.xml><?xml version="1.0" encoding="utf-8"?>
 <p:sld xmlns:a="http://schemas.openxmlformats.org/drawingml/2006/main" xmlns:r="http://schemas.openxmlformats.org/officeDocument/2006/relationships" xmlns:p="http://schemas.openxmlformats.org/presentationml/2006/main">
   <p:cSld>
     <p:spTree>
@@ -8282,7 +8531,7 @@
         <p:spPr>
           <a:xfrm>
             <a:off x="173620" y="219919"/>
-            <a:ext cx="6285903" cy="4401205"/>
+            <a:ext cx="6285903" cy="3108543"/>
           </a:xfrm>
           <a:prstGeom prst="rect">
             <a:avLst/>
@@ -8385,26 +8634,12 @@
             </a:endParaRPr>
           </a:p>
           <a:p>
-            <a:pPr marL="514350" indent="-514350">
-              <a:buAutoNum type="arabicPeriod"/>
-            </a:pPr>
             <a:endParaRPr lang="en-US" sz="2800" b="1" dirty="0">
               <a:solidFill>
                 <a:srgbClr val="CF3338"/>
               </a:solidFill>
               <a:latin typeface="Pragmatica" pitchFamily="2" charset="0"/>
             </a:endParaRPr>
-          </a:p>
-          <a:p>
-            <a:r>
-              <a:rPr lang="en-US" sz="2800" b="1" dirty="0">
-                <a:solidFill>
-                  <a:srgbClr val="CF3338"/>
-                </a:solidFill>
-                <a:latin typeface="Pragmatica" pitchFamily="2" charset="0"/>
-              </a:rPr>
-              <a:t>pip list</a:t>
-            </a:r>
           </a:p>
         </p:txBody>
       </p:sp>
@@ -8421,7 +8656,7 @@
 </p:sld>
 </file>
 
-<file path=ppt/slides/slide13.xml><?xml version="1.0" encoding="utf-8"?>
+<file path=ppt/slides/slide14.xml><?xml version="1.0" encoding="utf-8"?>
 <p:sld xmlns:a="http://schemas.openxmlformats.org/drawingml/2006/main" xmlns:r="http://schemas.openxmlformats.org/officeDocument/2006/relationships" xmlns:p="http://schemas.openxmlformats.org/presentationml/2006/main">
   <p:cSld>
     <p:spTree>
@@ -8544,7 +8779,7 @@
 </p:sld>
 </file>
 
-<file path=ppt/slides/slide14.xml><?xml version="1.0" encoding="utf-8"?>
+<file path=ppt/slides/slide15.xml><?xml version="1.0" encoding="utf-8"?>
 <p:sld xmlns:a="http://schemas.openxmlformats.org/drawingml/2006/main" xmlns:r="http://schemas.openxmlformats.org/officeDocument/2006/relationships" xmlns:p="http://schemas.openxmlformats.org/presentationml/2006/main">
   <p:cSld>
     <p:spTree>
@@ -8651,7 +8886,7 @@
 </p:sld>
 </file>
 
-<file path=ppt/slides/slide15.xml><?xml version="1.0" encoding="utf-8"?>
+<file path=ppt/slides/slide16.xml><?xml version="1.0" encoding="utf-8"?>
 <p:sld xmlns:a="http://schemas.openxmlformats.org/drawingml/2006/main" xmlns:r="http://schemas.openxmlformats.org/officeDocument/2006/relationships" xmlns:p="http://schemas.openxmlformats.org/presentationml/2006/main">
   <p:cSld>
     <p:spTree>
@@ -8743,7 +8978,7 @@
           <p:nvPr>
             <p:extLst>
               <p:ext uri="{D42A27DB-BD31-4B8C-83A1-F6EECF244321}">
-                <p14:modId xmlns:p14="http://schemas.microsoft.com/office/powerpoint/2010/main" val="3032779713"/>
+                <p14:modId xmlns:p14="http://schemas.microsoft.com/office/powerpoint/2010/main" val="3896872137"/>
               </p:ext>
             </p:extLst>
           </p:nvPr>
@@ -8952,7 +9187,7 @@
                         </a:rPr>
                         <a:t>Write almost anything from Excel from Python (data, formats, workbook settings, etc.) </a:t>
                       </a:r>
-                      <a:endParaRPr lang="en-US" sz="2800">
+                      <a:endParaRPr lang="en-US" sz="2400">
                         <a:effectLst/>
                         <a:latin typeface="Georgia" panose="02040502050405020303" pitchFamily="18" charset="0"/>
                         <a:ea typeface="Calibri" panose="020F0502020204030204" pitchFamily="34" charset="0"/>
@@ -8979,7 +9214,7 @@
                         </a:spcAft>
                       </a:pPr>
                       <a:r>
-                        <a:rPr lang="en-US" sz="2000" dirty="0">
+                        <a:rPr lang="en-US" sz="2400" dirty="0">
                           <a:effectLst/>
                         </a:rPr>
                         <a:t>Writes to Excel only/no reading</a:t>
@@ -9056,7 +9291,7 @@
                         </a:rPr>
                         <a:t>Feature-rich: write data/UDFs, call VBA procedures, robust debugging tools</a:t>
                       </a:r>
-                      <a:endParaRPr lang="en-US" sz="2800" dirty="0">
+                      <a:endParaRPr lang="en-US" sz="2400" dirty="0">
                         <a:effectLst/>
                         <a:latin typeface="Georgia" panose="02040502050405020303" pitchFamily="18" charset="0"/>
                         <a:ea typeface="Calibri" panose="020F0502020204030204" pitchFamily="34" charset="0"/>
@@ -9083,7 +9318,7 @@
                         </a:spcAft>
                       </a:pPr>
                       <a:r>
-                        <a:rPr lang="en-US" sz="2000" dirty="0">
+                        <a:rPr lang="en-US" sz="2400" dirty="0">
                           <a:effectLst/>
                         </a:rPr>
                         <a:t>Local Python/Excel downloads needed</a:t>
@@ -9196,7 +9431,7 @@
                         </a:rPr>
                         <a:t>Excel files</a:t>
                       </a:r>
-                      <a:endParaRPr lang="en-US" sz="2800" dirty="0">
+                      <a:endParaRPr lang="en-US" sz="2400" dirty="0">
                         <a:effectLst/>
                         <a:latin typeface="Georgia" panose="02040502050405020303" pitchFamily="18" charset="0"/>
                         <a:ea typeface="Calibri" panose="020F0502020204030204" pitchFamily="34" charset="0"/>
@@ -9223,7 +9458,7 @@
                         </a:spcAft>
                       </a:pPr>
                       <a:r>
-                        <a:rPr lang="en-US" sz="2000" dirty="0">
+                        <a:rPr lang="en-US" sz="2400" dirty="0">
                           <a:effectLst/>
                         </a:rPr>
                         <a:t>Limited ability to edit files</a:t>
@@ -9318,7 +9553,7 @@
                         </a:rPr>
                         <a:t> files</a:t>
                       </a:r>
-                      <a:endParaRPr lang="en-US" sz="2800" dirty="0">
+                      <a:endParaRPr lang="en-US" sz="2400" dirty="0">
                         <a:effectLst/>
                         <a:latin typeface="Georgia" panose="02040502050405020303" pitchFamily="18" charset="0"/>
                         <a:ea typeface="Calibri" panose="020F0502020204030204" pitchFamily="34" charset="0"/>
@@ -9345,7 +9580,7 @@
                         </a:spcAft>
                       </a:pPr>
                       <a:r>
-                        <a:rPr lang="en-US" sz="2000">
+                        <a:rPr lang="en-US" sz="2400">
                           <a:effectLst/>
                         </a:rPr>
                         <a:t>Limited features</a:t>
@@ -9468,7 +9703,7 @@
                         </a:rPr>
                         <a:t> files</a:t>
                       </a:r>
-                      <a:endParaRPr lang="en-US" sz="2800" dirty="0">
+                      <a:endParaRPr lang="en-US" sz="2400" dirty="0">
                         <a:effectLst/>
                         <a:latin typeface="Georgia" panose="02040502050405020303" pitchFamily="18" charset="0"/>
                         <a:ea typeface="Calibri" panose="020F0502020204030204" pitchFamily="34" charset="0"/>
@@ -9495,7 +9730,7 @@
                         </a:spcAft>
                       </a:pPr>
                       <a:r>
-                        <a:rPr lang="en-US" sz="2000" dirty="0">
+                        <a:rPr lang="en-US" sz="2400" dirty="0">
                           <a:effectLst/>
                         </a:rPr>
                         <a:t>Limited features</a:t>
@@ -9533,7 +9768,7 @@
 </p:sld>
 </file>
 
-<file path=ppt/slides/slide16.xml><?xml version="1.0" encoding="utf-8"?>
+<file path=ppt/slides/slide17.xml><?xml version="1.0" encoding="utf-8"?>
 <p:sld xmlns:a="http://schemas.openxmlformats.org/drawingml/2006/main" xmlns:r="http://schemas.openxmlformats.org/officeDocument/2006/relationships" xmlns:p="http://schemas.openxmlformats.org/presentationml/2006/main">
   <p:cSld>
     <p:spTree>
@@ -9638,7 +9873,7 @@
           </p:cNvPicPr>
           <p:nvPr/>
         </p:nvPicPr>
-        <p:blipFill>
+        <p:blipFill rotWithShape="1">
           <a:blip r:embed="rId4">
             <a:extLst>
               <a:ext uri="{28A0092B-C50C-407E-A947-70E740481C1C}">
@@ -9646,14 +9881,13 @@
               </a:ext>
             </a:extLst>
           </a:blip>
-          <a:stretch>
-            <a:fillRect/>
-          </a:stretch>
+          <a:srcRect t="21762" b="20230"/>
+          <a:stretch/>
         </p:blipFill>
         <p:spPr>
           <a:xfrm>
-            <a:off x="870857" y="0"/>
-            <a:ext cx="10450286" cy="6858000"/>
+            <a:off x="353175" y="998350"/>
+            <a:ext cx="11612853" cy="4420725"/>
           </a:xfrm>
           <a:prstGeom prst="rect">
             <a:avLst/>
@@ -9673,7 +9907,7 @@
 </p:sld>
 </file>
 
-<file path=ppt/slides/slide17.xml><?xml version="1.0" encoding="utf-8"?>
+<file path=ppt/slides/slide18.xml><?xml version="1.0" encoding="utf-8"?>
 <p:sld xmlns:a="http://schemas.openxmlformats.org/drawingml/2006/main" xmlns:r="http://schemas.openxmlformats.org/officeDocument/2006/relationships" xmlns:p="http://schemas.openxmlformats.org/presentationml/2006/main">
   <p:cSld>
     <p:spTree>
@@ -9829,15 +10063,15 @@
       </p:pic>
       <p:pic>
         <p:nvPicPr>
-          <p:cNvPr id="3076" name="Picture 4" descr="Advanced Analytics in Power BI with R and Python af Ryan ...">
+          <p:cNvPr id="4" name="Picture 3" descr="A bird with text above it&#10;&#10;Description automatically generated with low confidence">
             <a:extLst>
               <a:ext uri="{FF2B5EF4-FFF2-40B4-BE49-F238E27FC236}">
-                <a16:creationId xmlns:a16="http://schemas.microsoft.com/office/drawing/2014/main" id="{6438930D-ED51-4930-8840-C29BDF70C0C9}"/>
+                <a16:creationId xmlns:a16="http://schemas.microsoft.com/office/drawing/2014/main" id="{B5652947-6F3C-476E-89D8-CF13E76400A9}"/>
               </a:ext>
             </a:extLst>
           </p:cNvPr>
           <p:cNvPicPr>
-            <a:picLocks noChangeAspect="1" noChangeArrowheads="1"/>
+            <a:picLocks noChangeAspect="1"/>
           </p:cNvPicPr>
           <p:nvPr/>
         </p:nvPicPr>
@@ -9849,29 +10083,18 @@
               </a:ext>
             </a:extLst>
           </a:blip>
-          <a:srcRect/>
           <a:stretch>
             <a:fillRect/>
           </a:stretch>
         </p:blipFill>
-        <p:spPr bwMode="auto">
+        <p:spPr>
           <a:xfrm>
-            <a:off x="3989080" y="3345463"/>
-            <a:ext cx="2267225" cy="3238893"/>
+            <a:off x="2957183" y="3298697"/>
+            <a:ext cx="2631049" cy="3445915"/>
           </a:xfrm>
           <a:prstGeom prst="rect">
             <a:avLst/>
           </a:prstGeom>
-          <a:noFill/>
-          <a:extLst>
-            <a:ext uri="{909E8E84-426E-40DD-AFC4-6F175D3DCCD1}">
-              <a14:hiddenFill xmlns:a14="http://schemas.microsoft.com/office/drawing/2010/main">
-                <a:solidFill>
-                  <a:srgbClr val="FFFFFF"/>
-                </a:solidFill>
-              </a14:hiddenFill>
-            </a:ext>
-          </a:extLst>
         </p:spPr>
       </p:pic>
     </p:spTree>
@@ -9887,7 +10110,7 @@
 </p:sld>
 </file>
 
-<file path=ppt/slides/slide18.xml><?xml version="1.0" encoding="utf-8"?>
+<file path=ppt/slides/slide19.xml><?xml version="1.0" encoding="utf-8"?>
 <p:sld xmlns:a="http://schemas.openxmlformats.org/drawingml/2006/main" xmlns:r="http://schemas.openxmlformats.org/officeDocument/2006/relationships" xmlns:p="http://schemas.openxmlformats.org/presentationml/2006/main">
   <p:cSld>
     <p:spTree>
@@ -9985,228 +10208,6 @@
     <p:extLst>
       <p:ext uri="{BB962C8B-B14F-4D97-AF65-F5344CB8AC3E}">
         <p14:creationId xmlns:p14="http://schemas.microsoft.com/office/powerpoint/2010/main" val="2173197422"/>
-      </p:ext>
-    </p:extLst>
-  </p:cSld>
-  <p:clrMapOvr>
-    <a:masterClrMapping/>
-  </p:clrMapOvr>
-</p:sld>
-</file>
-
-<file path=ppt/slides/slide19.xml><?xml version="1.0" encoding="utf-8"?>
-<p:sld xmlns:a="http://schemas.openxmlformats.org/drawingml/2006/main" xmlns:r="http://schemas.openxmlformats.org/officeDocument/2006/relationships" xmlns:p="http://schemas.openxmlformats.org/presentationml/2006/main">
-  <p:cSld>
-    <p:spTree>
-      <p:nvGrpSpPr>
-        <p:cNvPr id="1" name=""/>
-        <p:cNvGrpSpPr/>
-        <p:nvPr/>
-      </p:nvGrpSpPr>
-      <p:grpSpPr>
-        <a:xfrm>
-          <a:off x="0" y="0"/>
-          <a:ext cx="0" cy="0"/>
-          <a:chOff x="0" y="0"/>
-          <a:chExt cx="0" cy="0"/>
-        </a:xfrm>
-      </p:grpSpPr>
-      <p:sp>
-        <p:nvSpPr>
-          <p:cNvPr id="4" name="Rectangle 3"/>
-          <p:cNvSpPr/>
-          <p:nvPr/>
-        </p:nvSpPr>
-        <p:spPr>
-          <a:xfrm>
-            <a:off x="6574420" y="0"/>
-            <a:ext cx="5617580" cy="6858000"/>
-          </a:xfrm>
-          <a:prstGeom prst="rect">
-            <a:avLst/>
-          </a:prstGeom>
-          <a:solidFill>
-            <a:srgbClr val="CF3338"/>
-          </a:solidFill>
-        </p:spPr>
-        <p:style>
-          <a:lnRef idx="2">
-            <a:schemeClr val="accent1">
-              <a:shade val="50000"/>
-            </a:schemeClr>
-          </a:lnRef>
-          <a:fillRef idx="1">
-            <a:schemeClr val="accent1"/>
-          </a:fillRef>
-          <a:effectRef idx="0">
-            <a:schemeClr val="accent1"/>
-          </a:effectRef>
-          <a:fontRef idx="minor">
-            <a:schemeClr val="lt1"/>
-          </a:fontRef>
-        </p:style>
-        <p:txBody>
-          <a:bodyPr rtlCol="0" anchor="ctr"/>
-          <a:lstStyle/>
-          <a:p>
-            <a:pPr algn="ctr"/>
-            <a:endParaRPr lang="en-US"/>
-          </a:p>
-        </p:txBody>
-      </p:sp>
-      <p:sp>
-        <p:nvSpPr>
-          <p:cNvPr id="5" name="TextBox 4"/>
-          <p:cNvSpPr txBox="1"/>
-          <p:nvPr/>
-        </p:nvSpPr>
-        <p:spPr>
-          <a:xfrm>
-            <a:off x="6817489" y="0"/>
-            <a:ext cx="4120587" cy="1446550"/>
-          </a:xfrm>
-          <a:prstGeom prst="rect">
-            <a:avLst/>
-          </a:prstGeom>
-          <a:noFill/>
-        </p:spPr>
-        <p:txBody>
-          <a:bodyPr wrap="square" rtlCol="0">
-            <a:spAutoFit/>
-          </a:bodyPr>
-          <a:lstStyle/>
-          <a:p>
-            <a:r>
-              <a:rPr lang="en-US" sz="8800" dirty="0">
-                <a:solidFill>
-                  <a:schemeClr val="bg1"/>
-                </a:solidFill>
-                <a:latin typeface="Aliens &amp; cows" panose="00000500000000000000" pitchFamily="2" charset="0"/>
-              </a:rPr>
-              <a:t>Demo</a:t>
-            </a:r>
-          </a:p>
-        </p:txBody>
-      </p:sp>
-      <p:pic>
-        <p:nvPicPr>
-          <p:cNvPr id="2" name="Picture 1"/>
-          <p:cNvPicPr>
-            <a:picLocks noChangeAspect="1"/>
-          </p:cNvPicPr>
-          <p:nvPr/>
-        </p:nvPicPr>
-        <p:blipFill rotWithShape="1">
-          <a:blip r:embed="rId3">
-            <a:extLst>
-              <a:ext uri="{28A0092B-C50C-407E-A947-70E740481C1C}">
-                <a14:useLocalDpi xmlns:a14="http://schemas.microsoft.com/office/drawing/2010/main" val="0"/>
-              </a:ext>
-            </a:extLst>
-          </a:blip>
-          <a:srcRect l="69227" t="33418" r="20112" b="50548"/>
-          <a:stretch/>
-        </p:blipFill>
-        <p:spPr>
-          <a:xfrm>
-            <a:off x="10386349" y="5029795"/>
-            <a:ext cx="1805651" cy="1991719"/>
-          </a:xfrm>
-          <a:prstGeom prst="rect">
-            <a:avLst/>
-          </a:prstGeom>
-        </p:spPr>
-      </p:pic>
-      <p:sp>
-        <p:nvSpPr>
-          <p:cNvPr id="3" name="TextBox 2"/>
-          <p:cNvSpPr txBox="1"/>
-          <p:nvPr/>
-        </p:nvSpPr>
-        <p:spPr>
-          <a:xfrm>
-            <a:off x="173620" y="219919"/>
-            <a:ext cx="6285903" cy="1815882"/>
-          </a:xfrm>
-          <a:prstGeom prst="rect">
-            <a:avLst/>
-          </a:prstGeom>
-          <a:noFill/>
-        </p:spPr>
-        <p:txBody>
-          <a:bodyPr wrap="square" rtlCol="0">
-            <a:spAutoFit/>
-          </a:bodyPr>
-          <a:lstStyle/>
-          <a:p>
-            <a:r>
-              <a:rPr lang="en-US" sz="2800" b="1" dirty="0">
-                <a:solidFill>
-                  <a:srgbClr val="CF3338"/>
-                </a:solidFill>
-                <a:latin typeface="Pragmatica" pitchFamily="2" charset="0"/>
-              </a:rPr>
-              <a:t>File: </a:t>
-            </a:r>
-            <a:r>
-              <a:rPr lang="en-US" sz="2800" b="1" dirty="0">
-                <a:solidFill>
-                  <a:srgbClr val="CF3338"/>
-                </a:solidFill>
-                <a:latin typeface="Consolas" panose="020B0609020204030204" pitchFamily="49" charset="0"/>
-              </a:rPr>
-              <a:t>thing-5.ipynb</a:t>
-            </a:r>
-            <a:br>
-              <a:rPr lang="en-US" sz="2800" b="1" dirty="0">
-                <a:solidFill>
-                  <a:srgbClr val="CF3338"/>
-                </a:solidFill>
-                <a:latin typeface="Pragmatica" pitchFamily="2" charset="0"/>
-              </a:rPr>
-            </a:br>
-            <a:endParaRPr lang="en-US" sz="2800" b="1" dirty="0">
-              <a:solidFill>
-                <a:srgbClr val="CF3338"/>
-              </a:solidFill>
-              <a:latin typeface="Pragmatica" pitchFamily="2" charset="0"/>
-            </a:endParaRPr>
-          </a:p>
-          <a:p>
-            <a:r>
-              <a:rPr lang="en-US" sz="2800" b="1" dirty="0">
-                <a:solidFill>
-                  <a:srgbClr val="CF3338"/>
-                </a:solidFill>
-                <a:latin typeface="Pragmatica" panose="020B0403040502020204"/>
-              </a:rPr>
-              <a:t>Some ways to get help from right inside </a:t>
-            </a:r>
-            <a:r>
-              <a:rPr lang="en-US" sz="2800" b="1" dirty="0" err="1">
-                <a:solidFill>
-                  <a:srgbClr val="CF3338"/>
-                </a:solidFill>
-                <a:latin typeface="Pragmatica" panose="020B0403040502020204"/>
-              </a:rPr>
-              <a:t>Jupyter</a:t>
-            </a:r>
-            <a:r>
-              <a:rPr lang="en-US" sz="2800" b="1" dirty="0">
-                <a:solidFill>
-                  <a:srgbClr val="CF3338"/>
-                </a:solidFill>
-                <a:latin typeface="Pragmatica" panose="020B0403040502020204"/>
-              </a:rPr>
-              <a:t>…</a:t>
-            </a:r>
-          </a:p>
-        </p:txBody>
-      </p:sp>
-    </p:spTree>
-    <p:extLst>
-      <p:ext uri="{BB962C8B-B14F-4D97-AF65-F5344CB8AC3E}">
-        <p14:creationId xmlns:p14="http://schemas.microsoft.com/office/powerpoint/2010/main" val="1574627544"/>
       </p:ext>
     </p:extLst>
   </p:cSld>
@@ -10394,6 +10395,228 @@
 </file>
 
 <file path=ppt/slides/slide20.xml><?xml version="1.0" encoding="utf-8"?>
+<p:sld xmlns:a="http://schemas.openxmlformats.org/drawingml/2006/main" xmlns:r="http://schemas.openxmlformats.org/officeDocument/2006/relationships" xmlns:p="http://schemas.openxmlformats.org/presentationml/2006/main">
+  <p:cSld>
+    <p:spTree>
+      <p:nvGrpSpPr>
+        <p:cNvPr id="1" name=""/>
+        <p:cNvGrpSpPr/>
+        <p:nvPr/>
+      </p:nvGrpSpPr>
+      <p:grpSpPr>
+        <a:xfrm>
+          <a:off x="0" y="0"/>
+          <a:ext cx="0" cy="0"/>
+          <a:chOff x="0" y="0"/>
+          <a:chExt cx="0" cy="0"/>
+        </a:xfrm>
+      </p:grpSpPr>
+      <p:sp>
+        <p:nvSpPr>
+          <p:cNvPr id="4" name="Rectangle 3"/>
+          <p:cNvSpPr/>
+          <p:nvPr/>
+        </p:nvSpPr>
+        <p:spPr>
+          <a:xfrm>
+            <a:off x="6574420" y="0"/>
+            <a:ext cx="5617580" cy="6858000"/>
+          </a:xfrm>
+          <a:prstGeom prst="rect">
+            <a:avLst/>
+          </a:prstGeom>
+          <a:solidFill>
+            <a:srgbClr val="CF3338"/>
+          </a:solidFill>
+        </p:spPr>
+        <p:style>
+          <a:lnRef idx="2">
+            <a:schemeClr val="accent1">
+              <a:shade val="50000"/>
+            </a:schemeClr>
+          </a:lnRef>
+          <a:fillRef idx="1">
+            <a:schemeClr val="accent1"/>
+          </a:fillRef>
+          <a:effectRef idx="0">
+            <a:schemeClr val="accent1"/>
+          </a:effectRef>
+          <a:fontRef idx="minor">
+            <a:schemeClr val="lt1"/>
+          </a:fontRef>
+        </p:style>
+        <p:txBody>
+          <a:bodyPr rtlCol="0" anchor="ctr"/>
+          <a:lstStyle/>
+          <a:p>
+            <a:pPr algn="ctr"/>
+            <a:endParaRPr lang="en-US"/>
+          </a:p>
+        </p:txBody>
+      </p:sp>
+      <p:sp>
+        <p:nvSpPr>
+          <p:cNvPr id="5" name="TextBox 4"/>
+          <p:cNvSpPr txBox="1"/>
+          <p:nvPr/>
+        </p:nvSpPr>
+        <p:spPr>
+          <a:xfrm>
+            <a:off x="6817489" y="0"/>
+            <a:ext cx="4120587" cy="1446550"/>
+          </a:xfrm>
+          <a:prstGeom prst="rect">
+            <a:avLst/>
+          </a:prstGeom>
+          <a:noFill/>
+        </p:spPr>
+        <p:txBody>
+          <a:bodyPr wrap="square" rtlCol="0">
+            <a:spAutoFit/>
+          </a:bodyPr>
+          <a:lstStyle/>
+          <a:p>
+            <a:r>
+              <a:rPr lang="en-US" sz="8800" dirty="0">
+                <a:solidFill>
+                  <a:schemeClr val="bg1"/>
+                </a:solidFill>
+                <a:latin typeface="Aliens &amp; cows" panose="00000500000000000000" pitchFamily="2" charset="0"/>
+              </a:rPr>
+              <a:t>Demo</a:t>
+            </a:r>
+          </a:p>
+        </p:txBody>
+      </p:sp>
+      <p:pic>
+        <p:nvPicPr>
+          <p:cNvPr id="2" name="Picture 1"/>
+          <p:cNvPicPr>
+            <a:picLocks noChangeAspect="1"/>
+          </p:cNvPicPr>
+          <p:nvPr/>
+        </p:nvPicPr>
+        <p:blipFill rotWithShape="1">
+          <a:blip r:embed="rId3">
+            <a:extLst>
+              <a:ext uri="{28A0092B-C50C-407E-A947-70E740481C1C}">
+                <a14:useLocalDpi xmlns:a14="http://schemas.microsoft.com/office/drawing/2010/main" val="0"/>
+              </a:ext>
+            </a:extLst>
+          </a:blip>
+          <a:srcRect l="69227" t="33418" r="20112" b="50548"/>
+          <a:stretch/>
+        </p:blipFill>
+        <p:spPr>
+          <a:xfrm>
+            <a:off x="10386349" y="5029795"/>
+            <a:ext cx="1805651" cy="1991719"/>
+          </a:xfrm>
+          <a:prstGeom prst="rect">
+            <a:avLst/>
+          </a:prstGeom>
+        </p:spPr>
+      </p:pic>
+      <p:sp>
+        <p:nvSpPr>
+          <p:cNvPr id="3" name="TextBox 2"/>
+          <p:cNvSpPr txBox="1"/>
+          <p:nvPr/>
+        </p:nvSpPr>
+        <p:spPr>
+          <a:xfrm>
+            <a:off x="173620" y="219919"/>
+            <a:ext cx="6285903" cy="1815882"/>
+          </a:xfrm>
+          <a:prstGeom prst="rect">
+            <a:avLst/>
+          </a:prstGeom>
+          <a:noFill/>
+        </p:spPr>
+        <p:txBody>
+          <a:bodyPr wrap="square" rtlCol="0">
+            <a:spAutoFit/>
+          </a:bodyPr>
+          <a:lstStyle/>
+          <a:p>
+            <a:r>
+              <a:rPr lang="en-US" sz="2800" b="1" dirty="0">
+                <a:solidFill>
+                  <a:srgbClr val="CF3338"/>
+                </a:solidFill>
+                <a:latin typeface="Pragmatica" pitchFamily="2" charset="0"/>
+              </a:rPr>
+              <a:t>File: </a:t>
+            </a:r>
+            <a:r>
+              <a:rPr lang="en-US" sz="2800" b="1" dirty="0">
+                <a:solidFill>
+                  <a:srgbClr val="CF3338"/>
+                </a:solidFill>
+                <a:latin typeface="Consolas" panose="020B0609020204030204" pitchFamily="49" charset="0"/>
+              </a:rPr>
+              <a:t>thing-5.ipynb</a:t>
+            </a:r>
+            <a:br>
+              <a:rPr lang="en-US" sz="2800" b="1" dirty="0">
+                <a:solidFill>
+                  <a:srgbClr val="CF3338"/>
+                </a:solidFill>
+                <a:latin typeface="Pragmatica" pitchFamily="2" charset="0"/>
+              </a:rPr>
+            </a:br>
+            <a:endParaRPr lang="en-US" sz="2800" b="1" dirty="0">
+              <a:solidFill>
+                <a:srgbClr val="CF3338"/>
+              </a:solidFill>
+              <a:latin typeface="Pragmatica" pitchFamily="2" charset="0"/>
+            </a:endParaRPr>
+          </a:p>
+          <a:p>
+            <a:r>
+              <a:rPr lang="en-US" sz="2800" b="1" dirty="0">
+                <a:solidFill>
+                  <a:srgbClr val="CF3338"/>
+                </a:solidFill>
+                <a:latin typeface="Pragmatica" panose="020B0403040502020204"/>
+              </a:rPr>
+              <a:t>Some ways to get help from right inside </a:t>
+            </a:r>
+            <a:r>
+              <a:rPr lang="en-US" sz="2800" b="1" dirty="0" err="1">
+                <a:solidFill>
+                  <a:srgbClr val="CF3338"/>
+                </a:solidFill>
+                <a:latin typeface="Pragmatica" panose="020B0403040502020204"/>
+              </a:rPr>
+              <a:t>Jupyter</a:t>
+            </a:r>
+            <a:r>
+              <a:rPr lang="en-US" sz="2800" b="1" dirty="0">
+                <a:solidFill>
+                  <a:srgbClr val="CF3338"/>
+                </a:solidFill>
+                <a:latin typeface="Pragmatica" panose="020B0403040502020204"/>
+              </a:rPr>
+              <a:t>…</a:t>
+            </a:r>
+          </a:p>
+        </p:txBody>
+      </p:sp>
+    </p:spTree>
+    <p:extLst>
+      <p:ext uri="{BB962C8B-B14F-4D97-AF65-F5344CB8AC3E}">
+        <p14:creationId xmlns:p14="http://schemas.microsoft.com/office/powerpoint/2010/main" val="1574627544"/>
+      </p:ext>
+    </p:extLst>
+  </p:cSld>
+  <p:clrMapOvr>
+    <a:masterClrMapping/>
+  </p:clrMapOvr>
+</p:sld>
+</file>
+
+<file path=ppt/slides/slide21.xml><?xml version="1.0" encoding="utf-8"?>
 <p:sld xmlns:a="http://schemas.openxmlformats.org/drawingml/2006/main" xmlns:r="http://schemas.openxmlformats.org/officeDocument/2006/relationships" xmlns:p="http://schemas.openxmlformats.org/presentationml/2006/main">
   <p:cSld>
     <p:spTree>
@@ -10516,7 +10739,7 @@
 </p:sld>
 </file>
 
-<file path=ppt/slides/slide21.xml><?xml version="1.0" encoding="utf-8"?>
+<file path=ppt/slides/slide22.xml><?xml version="1.0" encoding="utf-8"?>
 <p:sld xmlns:a="http://schemas.openxmlformats.org/drawingml/2006/main" xmlns:r="http://schemas.openxmlformats.org/officeDocument/2006/relationships" xmlns:p="http://schemas.openxmlformats.org/presentationml/2006/main">
   <p:cSld>
     <p:spTree>
@@ -10614,194 +10837,6 @@
     <p:extLst>
       <p:ext uri="{BB962C8B-B14F-4D97-AF65-F5344CB8AC3E}">
         <p14:creationId xmlns:p14="http://schemas.microsoft.com/office/powerpoint/2010/main" val="2952985971"/>
-      </p:ext>
-    </p:extLst>
-  </p:cSld>
-  <p:clrMapOvr>
-    <a:masterClrMapping/>
-  </p:clrMapOvr>
-</p:sld>
-</file>
-
-<file path=ppt/slides/slide22.xml><?xml version="1.0" encoding="utf-8"?>
-<p:sld xmlns:a="http://schemas.openxmlformats.org/drawingml/2006/main" xmlns:r="http://schemas.openxmlformats.org/officeDocument/2006/relationships" xmlns:p="http://schemas.openxmlformats.org/presentationml/2006/main">
-  <p:cSld>
-    <p:spTree>
-      <p:nvGrpSpPr>
-        <p:cNvPr id="1" name=""/>
-        <p:cNvGrpSpPr/>
-        <p:nvPr/>
-      </p:nvGrpSpPr>
-      <p:grpSpPr>
-        <a:xfrm>
-          <a:off x="0" y="0"/>
-          <a:ext cx="0" cy="0"/>
-          <a:chOff x="0" y="0"/>
-          <a:chExt cx="0" cy="0"/>
-        </a:xfrm>
-      </p:grpSpPr>
-      <p:pic>
-        <p:nvPicPr>
-          <p:cNvPr id="10" name="Picture 9"/>
-          <p:cNvPicPr>
-            <a:picLocks noChangeAspect="1"/>
-          </p:cNvPicPr>
-          <p:nvPr/>
-        </p:nvPicPr>
-        <p:blipFill rotWithShape="1">
-          <a:blip r:embed="rId3">
-            <a:extLst>
-              <a:ext uri="{28A0092B-C50C-407E-A947-70E740481C1C}">
-                <a14:useLocalDpi xmlns:a14="http://schemas.microsoft.com/office/drawing/2010/main" val="0"/>
-              </a:ext>
-            </a:extLst>
-          </a:blip>
-          <a:srcRect l="50728" t="56371"/>
-          <a:stretch/>
-        </p:blipFill>
-        <p:spPr>
-          <a:xfrm>
-            <a:off x="10894024" y="5370653"/>
-            <a:ext cx="1297975" cy="1487348"/>
-          </a:xfrm>
-          <a:prstGeom prst="rect">
-            <a:avLst/>
-          </a:prstGeom>
-        </p:spPr>
-      </p:pic>
-      <p:sp>
-        <p:nvSpPr>
-          <p:cNvPr id="11" name="TextBox 10"/>
-          <p:cNvSpPr txBox="1"/>
-          <p:nvPr/>
-        </p:nvSpPr>
-        <p:spPr>
-          <a:xfrm>
-            <a:off x="347240" y="113388"/>
-            <a:ext cx="10861534" cy="1015663"/>
-          </a:xfrm>
-          <a:prstGeom prst="rect">
-            <a:avLst/>
-          </a:prstGeom>
-          <a:noFill/>
-        </p:spPr>
-        <p:txBody>
-          <a:bodyPr wrap="square" rtlCol="0">
-            <a:spAutoFit/>
-          </a:bodyPr>
-          <a:lstStyle/>
-          <a:p>
-            <a:r>
-              <a:rPr lang="en-US" sz="6000" dirty="0">
-                <a:latin typeface="Aliens &amp; cows" panose="00000500000000000000" pitchFamily="2" charset="0"/>
-              </a:rPr>
-              <a:t>Take-home activity</a:t>
-            </a:r>
-          </a:p>
-        </p:txBody>
-      </p:sp>
-      <p:sp>
-        <p:nvSpPr>
-          <p:cNvPr id="4" name="TextBox 3">
-            <a:extLst>
-              <a:ext uri="{FF2B5EF4-FFF2-40B4-BE49-F238E27FC236}">
-                <a16:creationId xmlns:a16="http://schemas.microsoft.com/office/drawing/2014/main" id="{5A4F6C64-3E8D-4255-95B8-CF64265213DA}"/>
-              </a:ext>
-            </a:extLst>
-          </p:cNvPr>
-          <p:cNvSpPr txBox="1"/>
-          <p:nvPr/>
-        </p:nvSpPr>
-        <p:spPr>
-          <a:xfrm>
-            <a:off x="347240" y="1479233"/>
-            <a:ext cx="11318287" cy="1384995"/>
-          </a:xfrm>
-          <a:prstGeom prst="rect">
-            <a:avLst/>
-          </a:prstGeom>
-          <a:noFill/>
-        </p:spPr>
-        <p:txBody>
-          <a:bodyPr wrap="square" rtlCol="0">
-            <a:spAutoFit/>
-          </a:bodyPr>
-          <a:lstStyle/>
-          <a:p>
-            <a:pPr marL="457200" indent="-457200">
-              <a:buClr>
-                <a:srgbClr val="CF3338"/>
-              </a:buClr>
-              <a:buFont typeface="Arial" panose="020B0604020202020204" pitchFamily="34" charset="0"/>
-              <a:buChar char="•"/>
-            </a:pPr>
-            <a:r>
-              <a:rPr lang="en-US" sz="2800" dirty="0">
-                <a:solidFill>
-                  <a:srgbClr val="707070"/>
-                </a:solidFill>
-                <a:latin typeface="Pragmatica" panose="020B0403040502020204" pitchFamily="34" charset="0"/>
-              </a:rPr>
-              <a:t>Folder: </a:t>
-            </a:r>
-            <a:r>
-              <a:rPr lang="en-US" sz="2800" dirty="0">
-                <a:solidFill>
-                  <a:srgbClr val="707070"/>
-                </a:solidFill>
-                <a:latin typeface="Consolas" panose="020B0609020204030204" pitchFamily="49" charset="0"/>
-              </a:rPr>
-              <a:t>take-home</a:t>
-            </a:r>
-          </a:p>
-          <a:p>
-            <a:pPr marL="457200" indent="-457200">
-              <a:buClr>
-                <a:srgbClr val="CF3338"/>
-              </a:buClr>
-              <a:buFont typeface="Arial" panose="020B0604020202020204" pitchFamily="34" charset="0"/>
-              <a:buChar char="•"/>
-            </a:pPr>
-            <a:r>
-              <a:rPr lang="en-US" sz="2800" dirty="0">
-                <a:solidFill>
-                  <a:srgbClr val="707070"/>
-                </a:solidFill>
-                <a:latin typeface="Pragmatica" panose="020B0403040502020204"/>
-              </a:rPr>
-              <a:t>Summarize and visualize a dataset in Python</a:t>
-            </a:r>
-            <a:endParaRPr lang="en-US" sz="2800" dirty="0">
-              <a:solidFill>
-                <a:srgbClr val="707070"/>
-              </a:solidFill>
-              <a:latin typeface="Consolas" panose="020B0609020204030204" pitchFamily="49" charset="0"/>
-            </a:endParaRPr>
-          </a:p>
-          <a:p>
-            <a:pPr marL="457200" indent="-457200">
-              <a:buClr>
-                <a:srgbClr val="CF3338"/>
-              </a:buClr>
-              <a:buFont typeface="Arial" panose="020B0604020202020204" pitchFamily="34" charset="0"/>
-              <a:buChar char="•"/>
-            </a:pPr>
-            <a:r>
-              <a:rPr lang="en-US" sz="2800" dirty="0">
-                <a:solidFill>
-                  <a:srgbClr val="707070"/>
-                </a:solidFill>
-                <a:latin typeface="Pragmatica" panose="020B0403040502020204"/>
-              </a:rPr>
-              <a:t>Solution notebook available</a:t>
-            </a:r>
-          </a:p>
-        </p:txBody>
-      </p:sp>
-    </p:spTree>
-    <p:extLst>
-      <p:ext uri="{BB962C8B-B14F-4D97-AF65-F5344CB8AC3E}">
-        <p14:creationId xmlns:p14="http://schemas.microsoft.com/office/powerpoint/2010/main" val="1850583779"/>
       </p:ext>
     </p:extLst>
   </p:cSld>
@@ -10883,6 +10918,236 @@
               <a:rPr lang="en-US" sz="6000" dirty="0">
                 <a:latin typeface="Aliens &amp; cows" panose="00000500000000000000" pitchFamily="2" charset="0"/>
               </a:rPr>
+              <a:t>Take-home activity</a:t>
+            </a:r>
+          </a:p>
+        </p:txBody>
+      </p:sp>
+      <p:sp>
+        <p:nvSpPr>
+          <p:cNvPr id="4" name="TextBox 3">
+            <a:extLst>
+              <a:ext uri="{FF2B5EF4-FFF2-40B4-BE49-F238E27FC236}">
+                <a16:creationId xmlns:a16="http://schemas.microsoft.com/office/drawing/2014/main" id="{5A4F6C64-3E8D-4255-95B8-CF64265213DA}"/>
+              </a:ext>
+            </a:extLst>
+          </p:cNvPr>
+          <p:cNvSpPr txBox="1"/>
+          <p:nvPr/>
+        </p:nvSpPr>
+        <p:spPr>
+          <a:xfrm>
+            <a:off x="347240" y="1479233"/>
+            <a:ext cx="11318287" cy="2246769"/>
+          </a:xfrm>
+          <a:prstGeom prst="rect">
+            <a:avLst/>
+          </a:prstGeom>
+          <a:noFill/>
+        </p:spPr>
+        <p:txBody>
+          <a:bodyPr wrap="square" rtlCol="0">
+            <a:spAutoFit/>
+          </a:bodyPr>
+          <a:lstStyle/>
+          <a:p>
+            <a:pPr marL="457200" indent="-457200">
+              <a:buClr>
+                <a:srgbClr val="CF3338"/>
+              </a:buClr>
+              <a:buFont typeface="Arial" panose="020B0604020202020204" pitchFamily="34" charset="0"/>
+              <a:buChar char="•"/>
+            </a:pPr>
+            <a:r>
+              <a:rPr lang="en-US" sz="2800" dirty="0">
+                <a:solidFill>
+                  <a:srgbClr val="707070"/>
+                </a:solidFill>
+                <a:latin typeface="Pragmatica" panose="020B0403040502020204" pitchFamily="34" charset="0"/>
+              </a:rPr>
+              <a:t>Folder: </a:t>
+            </a:r>
+            <a:r>
+              <a:rPr lang="en-US" sz="2800" dirty="0">
+                <a:solidFill>
+                  <a:srgbClr val="707070"/>
+                </a:solidFill>
+                <a:latin typeface="Consolas" panose="020B0609020204030204" pitchFamily="49" charset="0"/>
+              </a:rPr>
+              <a:t>take-home</a:t>
+            </a:r>
+          </a:p>
+          <a:p>
+            <a:pPr marL="457200" indent="-457200">
+              <a:buClr>
+                <a:srgbClr val="CF3338"/>
+              </a:buClr>
+              <a:buFont typeface="Arial" panose="020B0604020202020204" pitchFamily="34" charset="0"/>
+              <a:buChar char="•"/>
+            </a:pPr>
+            <a:r>
+              <a:rPr lang="en-US" sz="2800" dirty="0">
+                <a:solidFill>
+                  <a:srgbClr val="707070"/>
+                </a:solidFill>
+                <a:latin typeface="Pragmatica" panose="020B0403040502020204"/>
+              </a:rPr>
+              <a:t>Summarize and visualize a dataset in Python “fill in the blank:” </a:t>
+            </a:r>
+            <a:r>
+              <a:rPr lang="en-US" sz="2800" dirty="0">
+                <a:solidFill>
+                  <a:srgbClr val="707070"/>
+                </a:solidFill>
+                <a:latin typeface="Consolas" panose="020B0609020204030204" pitchFamily="49" charset="0"/>
+              </a:rPr>
+              <a:t>five-things-take-</a:t>
+            </a:r>
+            <a:r>
+              <a:rPr lang="en-US" sz="2800" dirty="0" err="1">
+                <a:solidFill>
+                  <a:srgbClr val="707070"/>
+                </a:solidFill>
+                <a:latin typeface="Consolas" panose="020B0609020204030204" pitchFamily="49" charset="0"/>
+              </a:rPr>
+              <a:t>home.ipynb</a:t>
+            </a:r>
+            <a:endParaRPr lang="en-US" sz="2800" dirty="0">
+              <a:solidFill>
+                <a:srgbClr val="707070"/>
+              </a:solidFill>
+              <a:latin typeface="Consolas" panose="020B0609020204030204" pitchFamily="49" charset="0"/>
+            </a:endParaRPr>
+          </a:p>
+          <a:p>
+            <a:pPr marL="457200" indent="-457200">
+              <a:buClr>
+                <a:srgbClr val="CF3338"/>
+              </a:buClr>
+              <a:buFont typeface="Arial" panose="020B0604020202020204" pitchFamily="34" charset="0"/>
+              <a:buChar char="•"/>
+            </a:pPr>
+            <a:r>
+              <a:rPr lang="en-US" sz="2800" dirty="0">
+                <a:solidFill>
+                  <a:srgbClr val="707070"/>
+                </a:solidFill>
+                <a:latin typeface="Pragmatica" panose="020B0403040502020204"/>
+              </a:rPr>
+              <a:t>Solution notebook available: </a:t>
+            </a:r>
+            <a:r>
+              <a:rPr lang="en-US" sz="2800" dirty="0">
+                <a:solidFill>
+                  <a:srgbClr val="707070"/>
+                </a:solidFill>
+                <a:latin typeface="Consolas" panose="020B0609020204030204" pitchFamily="49" charset="0"/>
+              </a:rPr>
+              <a:t>five-things-take-home-</a:t>
+            </a:r>
+            <a:r>
+              <a:rPr lang="en-US" sz="2800" dirty="0" err="1">
+                <a:solidFill>
+                  <a:srgbClr val="707070"/>
+                </a:solidFill>
+                <a:latin typeface="Consolas" panose="020B0609020204030204" pitchFamily="49" charset="0"/>
+              </a:rPr>
+              <a:t>solution.ipynb</a:t>
+            </a:r>
+            <a:endParaRPr lang="en-US" sz="2800" dirty="0">
+              <a:solidFill>
+                <a:srgbClr val="707070"/>
+              </a:solidFill>
+              <a:latin typeface="Consolas" panose="020B0609020204030204" pitchFamily="49" charset="0"/>
+            </a:endParaRPr>
+          </a:p>
+        </p:txBody>
+      </p:sp>
+    </p:spTree>
+    <p:extLst>
+      <p:ext uri="{BB962C8B-B14F-4D97-AF65-F5344CB8AC3E}">
+        <p14:creationId xmlns:p14="http://schemas.microsoft.com/office/powerpoint/2010/main" val="1850583779"/>
+      </p:ext>
+    </p:extLst>
+  </p:cSld>
+  <p:clrMapOvr>
+    <a:masterClrMapping/>
+  </p:clrMapOvr>
+</p:sld>
+</file>
+
+<file path=ppt/slides/slide24.xml><?xml version="1.0" encoding="utf-8"?>
+<p:sld xmlns:a="http://schemas.openxmlformats.org/drawingml/2006/main" xmlns:r="http://schemas.openxmlformats.org/officeDocument/2006/relationships" xmlns:p="http://schemas.openxmlformats.org/presentationml/2006/main" show="0">
+  <p:cSld>
+    <p:spTree>
+      <p:nvGrpSpPr>
+        <p:cNvPr id="1" name=""/>
+        <p:cNvGrpSpPr/>
+        <p:nvPr/>
+      </p:nvGrpSpPr>
+      <p:grpSpPr>
+        <a:xfrm>
+          <a:off x="0" y="0"/>
+          <a:ext cx="0" cy="0"/>
+          <a:chOff x="0" y="0"/>
+          <a:chExt cx="0" cy="0"/>
+        </a:xfrm>
+      </p:grpSpPr>
+      <p:pic>
+        <p:nvPicPr>
+          <p:cNvPr id="10" name="Picture 9"/>
+          <p:cNvPicPr>
+            <a:picLocks noChangeAspect="1"/>
+          </p:cNvPicPr>
+          <p:nvPr/>
+        </p:nvPicPr>
+        <p:blipFill rotWithShape="1">
+          <a:blip r:embed="rId3">
+            <a:extLst>
+              <a:ext uri="{28A0092B-C50C-407E-A947-70E740481C1C}">
+                <a14:useLocalDpi xmlns:a14="http://schemas.microsoft.com/office/drawing/2010/main" val="0"/>
+              </a:ext>
+            </a:extLst>
+          </a:blip>
+          <a:srcRect l="50728" t="56371"/>
+          <a:stretch/>
+        </p:blipFill>
+        <p:spPr>
+          <a:xfrm>
+            <a:off x="10894024" y="5370653"/>
+            <a:ext cx="1297975" cy="1487348"/>
+          </a:xfrm>
+          <a:prstGeom prst="rect">
+            <a:avLst/>
+          </a:prstGeom>
+        </p:spPr>
+      </p:pic>
+      <p:sp>
+        <p:nvSpPr>
+          <p:cNvPr id="11" name="TextBox 10"/>
+          <p:cNvSpPr txBox="1"/>
+          <p:nvPr/>
+        </p:nvSpPr>
+        <p:spPr>
+          <a:xfrm>
+            <a:off x="347240" y="113388"/>
+            <a:ext cx="10861534" cy="1015663"/>
+          </a:xfrm>
+          <a:prstGeom prst="rect">
+            <a:avLst/>
+          </a:prstGeom>
+          <a:noFill/>
+        </p:spPr>
+        <p:txBody>
+          <a:bodyPr wrap="square" rtlCol="0">
+            <a:spAutoFit/>
+          </a:bodyPr>
+          <a:lstStyle/>
+          <a:p>
+            <a:r>
+              <a:rPr lang="en-US" sz="6000" dirty="0">
+                <a:latin typeface="Aliens &amp; cows" panose="00000500000000000000" pitchFamily="2" charset="0"/>
+              </a:rPr>
               <a:t>Want more? </a:t>
             </a:r>
           </a:p>
@@ -11005,153 +11270,6 @@
     <p:extLst>
       <p:ext uri="{BB962C8B-B14F-4D97-AF65-F5344CB8AC3E}">
         <p14:creationId xmlns:p14="http://schemas.microsoft.com/office/powerpoint/2010/main" val="1574051232"/>
-      </p:ext>
-    </p:extLst>
-  </p:cSld>
-  <p:clrMapOvr>
-    <a:masterClrMapping/>
-  </p:clrMapOvr>
-</p:sld>
-</file>
-
-<file path=ppt/slides/slide24.xml><?xml version="1.0" encoding="utf-8"?>
-<p:sld xmlns:a="http://schemas.openxmlformats.org/drawingml/2006/main" xmlns:r="http://schemas.openxmlformats.org/officeDocument/2006/relationships" xmlns:p="http://schemas.openxmlformats.org/presentationml/2006/main">
-  <p:cSld>
-    <p:spTree>
-      <p:nvGrpSpPr>
-        <p:cNvPr id="1" name=""/>
-        <p:cNvGrpSpPr/>
-        <p:nvPr/>
-      </p:nvGrpSpPr>
-      <p:grpSpPr>
-        <a:xfrm>
-          <a:off x="0" y="0"/>
-          <a:ext cx="0" cy="0"/>
-          <a:chOff x="0" y="0"/>
-          <a:chExt cx="0" cy="0"/>
-        </a:xfrm>
-      </p:grpSpPr>
-      <p:pic>
-        <p:nvPicPr>
-          <p:cNvPr id="10" name="Picture 9"/>
-          <p:cNvPicPr>
-            <a:picLocks noChangeAspect="1"/>
-          </p:cNvPicPr>
-          <p:nvPr/>
-        </p:nvPicPr>
-        <p:blipFill rotWithShape="1">
-          <a:blip r:embed="rId2">
-            <a:extLst>
-              <a:ext uri="{28A0092B-C50C-407E-A947-70E740481C1C}">
-                <a14:useLocalDpi xmlns:a14="http://schemas.microsoft.com/office/drawing/2010/main" val="0"/>
-              </a:ext>
-            </a:extLst>
-          </a:blip>
-          <a:srcRect l="50728" t="56371"/>
-          <a:stretch/>
-        </p:blipFill>
-        <p:spPr>
-          <a:xfrm>
-            <a:off x="8136460" y="2210765"/>
-            <a:ext cx="4055539" cy="4647236"/>
-          </a:xfrm>
-          <a:prstGeom prst="rect">
-            <a:avLst/>
-          </a:prstGeom>
-        </p:spPr>
-      </p:pic>
-      <p:pic>
-        <p:nvPicPr>
-          <p:cNvPr id="4" name="Picture 3"/>
-          <p:cNvPicPr>
-            <a:picLocks noChangeAspect="1"/>
-          </p:cNvPicPr>
-          <p:nvPr/>
-        </p:nvPicPr>
-        <p:blipFill>
-          <a:blip r:embed="rId3">
-            <a:extLst>
-              <a:ext uri="{28A0092B-C50C-407E-A947-70E740481C1C}">
-                <a14:useLocalDpi xmlns:a14="http://schemas.microsoft.com/office/drawing/2010/main" val="0"/>
-              </a:ext>
-            </a:extLst>
-          </a:blip>
-          <a:stretch>
-            <a:fillRect/>
-          </a:stretch>
-        </p:blipFill>
-        <p:spPr>
-          <a:xfrm>
-            <a:off x="-538496" y="-2482770"/>
-            <a:ext cx="10171472" cy="7459883"/>
-          </a:xfrm>
-          <a:prstGeom prst="rect">
-            <a:avLst/>
-          </a:prstGeom>
-        </p:spPr>
-      </p:pic>
-      <p:sp>
-        <p:nvSpPr>
-          <p:cNvPr id="11" name="TextBox 10"/>
-          <p:cNvSpPr txBox="1"/>
-          <p:nvPr/>
-        </p:nvSpPr>
-        <p:spPr>
-          <a:xfrm>
-            <a:off x="324091" y="1687545"/>
-            <a:ext cx="7986531" cy="1384995"/>
-          </a:xfrm>
-          <a:prstGeom prst="rect">
-            <a:avLst/>
-          </a:prstGeom>
-          <a:noFill/>
-        </p:spPr>
-        <p:txBody>
-          <a:bodyPr wrap="square" rtlCol="0">
-            <a:spAutoFit/>
-          </a:bodyPr>
-          <a:lstStyle/>
-          <a:p>
-            <a:r>
-              <a:rPr lang="en-US" sz="2800" b="1" dirty="0">
-                <a:solidFill>
-                  <a:srgbClr val="707070"/>
-                </a:solidFill>
-                <a:latin typeface="Pragmatica" panose="020B0403040502020204" pitchFamily="34" charset="0"/>
-              </a:rPr>
-              <a:t>Event survey: </a:t>
-            </a:r>
-            <a:r>
-              <a:rPr lang="en-US" sz="2800" b="1" dirty="0">
-                <a:solidFill>
-                  <a:srgbClr val="707070"/>
-                </a:solidFill>
-                <a:latin typeface="Pragmatica" panose="020B0403040502020204" pitchFamily="34" charset="0"/>
-                <a:hlinkClick r:id="rId4"/>
-              </a:rPr>
-              <a:t>https://forms.office.com/r/0ZnD0LxpZy</a:t>
-            </a:r>
-            <a:endParaRPr lang="en-US" sz="2800" b="1" dirty="0">
-              <a:solidFill>
-                <a:srgbClr val="707070"/>
-              </a:solidFill>
-              <a:latin typeface="Pragmatica" panose="020B0403040502020204" pitchFamily="34" charset="0"/>
-            </a:endParaRPr>
-          </a:p>
-          <a:p>
-            <a:endParaRPr lang="en-US" sz="2800" b="1" dirty="0">
-              <a:solidFill>
-                <a:srgbClr val="707070"/>
-              </a:solidFill>
-              <a:latin typeface="Pragmatica" panose="020B0403040502020204" pitchFamily="34" charset="0"/>
-            </a:endParaRPr>
-          </a:p>
-        </p:txBody>
-      </p:sp>
-    </p:spTree>
-    <p:extLst>
-      <p:ext uri="{BB962C8B-B14F-4D97-AF65-F5344CB8AC3E}">
-        <p14:creationId xmlns:p14="http://schemas.microsoft.com/office/powerpoint/2010/main" val="3360935609"/>
       </p:ext>
     </p:extLst>
   </p:cSld>
@@ -11246,7 +11364,7 @@
         <p:spPr>
           <a:xfrm>
             <a:off x="324091" y="1687545"/>
-            <a:ext cx="7986531" cy="2369880"/>
+            <a:ext cx="7986531" cy="1384995"/>
           </a:xfrm>
           <a:prstGeom prst="rect">
             <a:avLst/>
@@ -11260,24 +11378,14 @@
           <a:lstStyle/>
           <a:p>
             <a:r>
-              <a:rPr lang="en-US" sz="3600" b="1" dirty="0">
+              <a:rPr lang="en-US" sz="2800" b="1" dirty="0">
                 <a:solidFill>
                   <a:srgbClr val="707070"/>
                 </a:solidFill>
                 <a:latin typeface="Pragmatica" panose="020B0403040502020204" pitchFamily="34" charset="0"/>
               </a:rPr>
-              <a:t>THANK YOU</a:t>
-            </a:r>
-          </a:p>
-          <a:p>
-            <a:endParaRPr lang="en-US" sz="2800" b="1" dirty="0">
-              <a:solidFill>
-                <a:srgbClr val="707070"/>
-              </a:solidFill>
-              <a:latin typeface="Pragmatica" panose="020B0403040502020204" pitchFamily="34" charset="0"/>
-            </a:endParaRPr>
-          </a:p>
-          <a:p>
+              <a:t>Event survey: </a:t>
+            </a:r>
             <a:r>
               <a:rPr lang="en-US" sz="2800" b="1" dirty="0">
                 <a:solidFill>
@@ -11286,7 +11394,7 @@
                 <a:latin typeface="Pragmatica" panose="020B0403040502020204" pitchFamily="34" charset="0"/>
                 <a:hlinkClick r:id="rId4"/>
               </a:rPr>
-              <a:t>george@stringfestanalytics.com</a:t>
+              <a:t>https://forms.office.com/r/0ZnD0LxpZy</a:t>
             </a:r>
             <a:endParaRPr lang="en-US" sz="2800" b="1" dirty="0">
               <a:solidFill>
@@ -11296,16 +11404,6 @@
             </a:endParaRPr>
           </a:p>
           <a:p>
-            <a:r>
-              <a:rPr lang="en-US" sz="2800" b="1" dirty="0">
-                <a:solidFill>
-                  <a:srgbClr val="707070"/>
-                </a:solidFill>
-                <a:latin typeface="Pragmatica" panose="020B0403040502020204" pitchFamily="34" charset="0"/>
-                <a:hlinkClick r:id="rId5"/>
-              </a:rPr>
-              <a:t>linkedin.com/in/gjmount</a:t>
-            </a:r>
             <a:endParaRPr lang="en-US" sz="2800" b="1" dirty="0">
               <a:solidFill>
                 <a:srgbClr val="707070"/>
@@ -11313,30 +11411,12 @@
               <a:latin typeface="Pragmatica" panose="020B0403040502020204" pitchFamily="34" charset="0"/>
             </a:endParaRPr>
           </a:p>
-          <a:p>
-            <a:r>
-              <a:rPr lang="en-US" sz="2800" b="1" dirty="0">
-                <a:solidFill>
-                  <a:srgbClr val="707070"/>
-                </a:solidFill>
-                <a:latin typeface="Pragmatica" panose="020B0403040502020204" pitchFamily="34" charset="0"/>
-                <a:hlinkClick r:id="rId6"/>
-              </a:rPr>
-              <a:t>stringfestanalytics.com/contact  </a:t>
-            </a:r>
-            <a:endParaRPr lang="en-US" sz="2800" b="1" dirty="0">
-              <a:solidFill>
-                <a:srgbClr val="707070"/>
-              </a:solidFill>
-              <a:latin typeface="Pragmatica" panose="020B0403040502020204" pitchFamily="34" charset="0"/>
-            </a:endParaRPr>
-          </a:p>
         </p:txBody>
       </p:sp>
     </p:spTree>
     <p:extLst>
       <p:ext uri="{BB962C8B-B14F-4D97-AF65-F5344CB8AC3E}">
-        <p14:creationId xmlns:p14="http://schemas.microsoft.com/office/powerpoint/2010/main" val="3712320391"/>
+        <p14:creationId xmlns:p14="http://schemas.microsoft.com/office/powerpoint/2010/main" val="3360935609"/>
       </p:ext>
     </p:extLst>
   </p:cSld>
@@ -11346,7 +11426,7 @@
 </p:sld>
 </file>
 
-<file path=ppt/slides/slide3.xml><?xml version="1.0" encoding="utf-8"?>
+<file path=ppt/slides/slide26.xml><?xml version="1.0" encoding="utf-8"?>
 <p:sld xmlns:a="http://schemas.openxmlformats.org/drawingml/2006/main" xmlns:r="http://schemas.openxmlformats.org/officeDocument/2006/relationships" xmlns:p="http://schemas.openxmlformats.org/presentationml/2006/main">
   <p:cSld>
     <p:spTree>
@@ -11363,59 +11443,75 @@
           <a:chExt cx="0" cy="0"/>
         </a:xfrm>
       </p:grpSpPr>
-      <p:sp>
-        <p:nvSpPr>
-          <p:cNvPr id="4" name="Rectangle 3"/>
-          <p:cNvSpPr/>
+      <p:pic>
+        <p:nvPicPr>
+          <p:cNvPr id="10" name="Picture 9"/>
+          <p:cNvPicPr>
+            <a:picLocks noChangeAspect="1"/>
+          </p:cNvPicPr>
           <p:nvPr/>
-        </p:nvSpPr>
+        </p:nvPicPr>
+        <p:blipFill rotWithShape="1">
+          <a:blip r:embed="rId2">
+            <a:extLst>
+              <a:ext uri="{28A0092B-C50C-407E-A947-70E740481C1C}">
+                <a14:useLocalDpi xmlns:a14="http://schemas.microsoft.com/office/drawing/2010/main" val="0"/>
+              </a:ext>
+            </a:extLst>
+          </a:blip>
+          <a:srcRect l="50728" t="56371"/>
+          <a:stretch/>
+        </p:blipFill>
         <p:spPr>
           <a:xfrm>
-            <a:off x="0" y="0"/>
-            <a:ext cx="12192000" cy="6858000"/>
+            <a:off x="8136460" y="2210765"/>
+            <a:ext cx="4055539" cy="4647236"/>
           </a:xfrm>
           <a:prstGeom prst="rect">
             <a:avLst/>
           </a:prstGeom>
-          <a:solidFill>
-            <a:srgbClr val="CF3338"/>
-          </a:solidFill>
         </p:spPr>
-        <p:style>
-          <a:lnRef idx="2">
-            <a:schemeClr val="accent1">
-              <a:shade val="50000"/>
-            </a:schemeClr>
-          </a:lnRef>
-          <a:fillRef idx="1">
-            <a:schemeClr val="accent1"/>
-          </a:fillRef>
-          <a:effectRef idx="0">
-            <a:schemeClr val="accent1"/>
-          </a:effectRef>
-          <a:fontRef idx="minor">
-            <a:schemeClr val="lt1"/>
-          </a:fontRef>
-        </p:style>
-        <p:txBody>
-          <a:bodyPr rtlCol="0" anchor="ctr"/>
-          <a:lstStyle/>
-          <a:p>
-            <a:pPr algn="ctr"/>
-            <a:endParaRPr lang="en-US"/>
-          </a:p>
-        </p:txBody>
-      </p:sp>
-      <p:sp>
-        <p:nvSpPr>
-          <p:cNvPr id="5" name="TextBox 4"/>
+      </p:pic>
+      <p:pic>
+        <p:nvPicPr>
+          <p:cNvPr id="4" name="Picture 3"/>
+          <p:cNvPicPr>
+            <a:picLocks noChangeAspect="1"/>
+          </p:cNvPicPr>
+          <p:nvPr/>
+        </p:nvPicPr>
+        <p:blipFill>
+          <a:blip r:embed="rId3">
+            <a:extLst>
+              <a:ext uri="{28A0092B-C50C-407E-A947-70E740481C1C}">
+                <a14:useLocalDpi xmlns:a14="http://schemas.microsoft.com/office/drawing/2010/main" val="0"/>
+              </a:ext>
+            </a:extLst>
+          </a:blip>
+          <a:stretch>
+            <a:fillRect/>
+          </a:stretch>
+        </p:blipFill>
+        <p:spPr>
+          <a:xfrm>
+            <a:off x="-538496" y="-2482770"/>
+            <a:ext cx="10171472" cy="7459883"/>
+          </a:xfrm>
+          <a:prstGeom prst="rect">
+            <a:avLst/>
+          </a:prstGeom>
+        </p:spPr>
+      </p:pic>
+      <p:sp>
+        <p:nvSpPr>
+          <p:cNvPr id="11" name="TextBox 10"/>
           <p:cNvSpPr txBox="1"/>
           <p:nvPr/>
         </p:nvSpPr>
         <p:spPr>
           <a:xfrm>
-            <a:off x="520861" y="393539"/>
-            <a:ext cx="10324617" cy="3139321"/>
+            <a:off x="324091" y="1687545"/>
+            <a:ext cx="7986531" cy="2369880"/>
           </a:xfrm>
           <a:prstGeom prst="rect">
             <a:avLst/>
@@ -11429,21 +11525,83 @@
           <a:lstStyle/>
           <a:p>
             <a:r>
-              <a:rPr lang="en-US" sz="6600" b="1" dirty="0">
+              <a:rPr lang="en-US" sz="3600" b="1" dirty="0">
                 <a:solidFill>
-                  <a:schemeClr val="bg1"/>
+                  <a:srgbClr val="707070"/>
                 </a:solidFill>
-                <a:latin typeface="Pragmatica" panose="020B0403040502020204"/>
+                <a:latin typeface="Pragmatica" panose="020B0403040502020204" pitchFamily="34" charset="0"/>
               </a:rPr>
-              <a:t>1. Open source means a license to build and distribute</a:t>
-            </a:r>
+              <a:t>THANK YOU</a:t>
+            </a:r>
+          </a:p>
+          <a:p>
+            <a:endParaRPr lang="en-US" sz="2800" b="1" dirty="0">
+              <a:solidFill>
+                <a:srgbClr val="707070"/>
+              </a:solidFill>
+              <a:latin typeface="Pragmatica" panose="020B0403040502020204" pitchFamily="34" charset="0"/>
+            </a:endParaRPr>
+          </a:p>
+          <a:p>
+            <a:r>
+              <a:rPr lang="en-US" sz="2800" b="1" dirty="0">
+                <a:solidFill>
+                  <a:srgbClr val="707070"/>
+                </a:solidFill>
+                <a:latin typeface="Pragmatica" panose="020B0403040502020204" pitchFamily="34" charset="0"/>
+                <a:hlinkClick r:id="rId4"/>
+              </a:rPr>
+              <a:t>george@stringfestanalytics.com</a:t>
+            </a:r>
+            <a:endParaRPr lang="en-US" sz="2800" b="1" dirty="0">
+              <a:solidFill>
+                <a:srgbClr val="707070"/>
+              </a:solidFill>
+              <a:latin typeface="Pragmatica" panose="020B0403040502020204" pitchFamily="34" charset="0"/>
+            </a:endParaRPr>
+          </a:p>
+          <a:p>
+            <a:r>
+              <a:rPr lang="en-US" sz="2800" b="1" dirty="0">
+                <a:solidFill>
+                  <a:srgbClr val="707070"/>
+                </a:solidFill>
+                <a:latin typeface="Pragmatica" panose="020B0403040502020204" pitchFamily="34" charset="0"/>
+                <a:hlinkClick r:id="rId5"/>
+              </a:rPr>
+              <a:t>linkedin.com/in/gjmount</a:t>
+            </a:r>
+            <a:endParaRPr lang="en-US" sz="2800" b="1" dirty="0">
+              <a:solidFill>
+                <a:srgbClr val="707070"/>
+              </a:solidFill>
+              <a:latin typeface="Pragmatica" panose="020B0403040502020204" pitchFamily="34" charset="0"/>
+            </a:endParaRPr>
+          </a:p>
+          <a:p>
+            <a:r>
+              <a:rPr lang="en-US" sz="2800" b="1" dirty="0">
+                <a:solidFill>
+                  <a:srgbClr val="707070"/>
+                </a:solidFill>
+                <a:latin typeface="Pragmatica" panose="020B0403040502020204" pitchFamily="34" charset="0"/>
+                <a:hlinkClick r:id="rId6"/>
+              </a:rPr>
+              <a:t>stringfestanalytics.com/contact  </a:t>
+            </a:r>
+            <a:endParaRPr lang="en-US" sz="2800" b="1" dirty="0">
+              <a:solidFill>
+                <a:srgbClr val="707070"/>
+              </a:solidFill>
+              <a:latin typeface="Pragmatica" panose="020B0403040502020204" pitchFamily="34" charset="0"/>
+            </a:endParaRPr>
           </a:p>
         </p:txBody>
       </p:sp>
     </p:spTree>
     <p:extLst>
       <p:ext uri="{BB962C8B-B14F-4D97-AF65-F5344CB8AC3E}">
-        <p14:creationId xmlns:p14="http://schemas.microsoft.com/office/powerpoint/2010/main" val="2967702006"/>
+        <p14:creationId xmlns:p14="http://schemas.microsoft.com/office/powerpoint/2010/main" val="3712320391"/>
       </p:ext>
     </p:extLst>
   </p:cSld>
@@ -11453,7 +11611,7 @@
 </p:sld>
 </file>
 
-<file path=ppt/slides/slide4.xml><?xml version="1.0" encoding="utf-8"?>
+<file path=ppt/slides/slide3.xml><?xml version="1.0" encoding="utf-8"?>
 <p:sld xmlns:a="http://schemas.openxmlformats.org/drawingml/2006/main" xmlns:r="http://schemas.openxmlformats.org/officeDocument/2006/relationships" xmlns:p="http://schemas.openxmlformats.org/presentationml/2006/main">
   <p:cSld>
     <p:spTree>
@@ -11491,229 +11649,24 @@
         </p:blipFill>
         <p:spPr>
           <a:xfrm>
-            <a:off x="10894024" y="5370653"/>
-            <a:ext cx="1297975" cy="1487348"/>
+            <a:off x="8136460" y="2210765"/>
+            <a:ext cx="4055539" cy="4647236"/>
           </a:xfrm>
           <a:prstGeom prst="rect">
             <a:avLst/>
           </a:prstGeom>
         </p:spPr>
       </p:pic>
-      <p:sp>
-        <p:nvSpPr>
-          <p:cNvPr id="11" name="TextBox 10"/>
-          <p:cNvSpPr txBox="1"/>
-          <p:nvPr/>
-        </p:nvSpPr>
-        <p:spPr>
-          <a:xfrm>
-            <a:off x="347240" y="113388"/>
-            <a:ext cx="9799937" cy="1015663"/>
-          </a:xfrm>
-          <a:prstGeom prst="rect">
-            <a:avLst/>
-          </a:prstGeom>
-          <a:noFill/>
-        </p:spPr>
-        <p:txBody>
-          <a:bodyPr wrap="square" rtlCol="0">
-            <a:spAutoFit/>
-          </a:bodyPr>
-          <a:lstStyle/>
-          <a:p>
-            <a:r>
-              <a:rPr lang="en-US" sz="6000" dirty="0">
-                <a:latin typeface="Aliens &amp; cows" panose="00000500000000000000" pitchFamily="2" charset="0"/>
-              </a:rPr>
-              <a:t>What is open source? </a:t>
-            </a:r>
-          </a:p>
-        </p:txBody>
-      </p:sp>
-      <p:sp>
-        <p:nvSpPr>
-          <p:cNvPr id="14" name="TextBox 13">
-            <a:extLst>
-              <a:ext uri="{FF2B5EF4-FFF2-40B4-BE49-F238E27FC236}">
-                <a16:creationId xmlns:a16="http://schemas.microsoft.com/office/drawing/2014/main" id="{987BDCDF-757F-4E48-9C6B-C8C1CA6B94EC}"/>
-              </a:ext>
-            </a:extLst>
-          </p:cNvPr>
-          <p:cNvSpPr txBox="1"/>
-          <p:nvPr/>
-        </p:nvSpPr>
-        <p:spPr>
-          <a:xfrm>
-            <a:off x="462987" y="1365813"/>
-            <a:ext cx="6626071" cy="3108543"/>
-          </a:xfrm>
-          <a:prstGeom prst="rect">
-            <a:avLst/>
-          </a:prstGeom>
-          <a:noFill/>
-        </p:spPr>
-        <p:txBody>
-          <a:bodyPr wrap="square" rtlCol="0">
-            <a:spAutoFit/>
-          </a:bodyPr>
-          <a:lstStyle/>
-          <a:p>
-            <a:r>
-              <a:rPr lang="en-US" sz="2800" dirty="0">
-                <a:solidFill>
-                  <a:srgbClr val="707070"/>
-                </a:solidFill>
-                <a:latin typeface="Pragmatica" panose="020B0403040502020204" pitchFamily="34" charset="0"/>
-              </a:rPr>
-              <a:t>“… code that is designed to be publicly accessible—anyone can see, modify, and distribute the code as they see fit.”</a:t>
-            </a:r>
-          </a:p>
-          <a:p>
-            <a:r>
-              <a:rPr lang="en-US" sz="2800" dirty="0">
-                <a:solidFill>
-                  <a:srgbClr val="707070"/>
-                </a:solidFill>
-                <a:latin typeface="Pragmatica" panose="020B0403040502020204" pitchFamily="34" charset="0"/>
-              </a:rPr>
-              <a:t>	</a:t>
-            </a:r>
-          </a:p>
-          <a:p>
-            <a:r>
-              <a:rPr lang="en-US" sz="2800" dirty="0">
-                <a:solidFill>
-                  <a:srgbClr val="707070"/>
-                </a:solidFill>
-                <a:latin typeface="Pragmatica" panose="020B0403040502020204" pitchFamily="34" charset="0"/>
-              </a:rPr>
-              <a:t>	- </a:t>
-            </a:r>
-            <a:r>
-              <a:rPr lang="en-US" sz="2800" dirty="0">
-                <a:solidFill>
-                  <a:srgbClr val="707070"/>
-                </a:solidFill>
-                <a:latin typeface="Pragmatica" panose="020B0403040502020204" pitchFamily="34" charset="0"/>
-                <a:hlinkClick r:id="rId4"/>
-              </a:rPr>
-              <a:t>Red Hat, “What is open source?”</a:t>
-            </a:r>
-            <a:endParaRPr lang="en-US" sz="2800" dirty="0">
-              <a:solidFill>
-                <a:srgbClr val="707070"/>
-              </a:solidFill>
-              <a:latin typeface="Pragmatica" panose="020B0403040502020204" pitchFamily="34" charset="0"/>
-            </a:endParaRPr>
-          </a:p>
-        </p:txBody>
-      </p:sp>
-      <p:sp>
-        <p:nvSpPr>
-          <p:cNvPr id="2" name="AutoShape 2" descr=" ">
-            <a:extLst>
-              <a:ext uri="{FF2B5EF4-FFF2-40B4-BE49-F238E27FC236}">
-                <a16:creationId xmlns:a16="http://schemas.microsoft.com/office/drawing/2014/main" id="{286C5CAD-5FED-4FFC-8152-A938406CA40D}"/>
-              </a:ext>
-            </a:extLst>
-          </p:cNvPr>
-          <p:cNvSpPr>
-            <a:spLocks noChangeAspect="1" noChangeArrowheads="1"/>
-          </p:cNvSpPr>
-          <p:nvPr/>
-        </p:nvSpPr>
-        <p:spPr bwMode="auto">
-          <a:xfrm>
-            <a:off x="5943600" y="3276600"/>
-            <a:ext cx="304800" cy="304800"/>
-          </a:xfrm>
-          <a:prstGeom prst="rect">
-            <a:avLst/>
-          </a:prstGeom>
-          <a:noFill/>
-          <a:extLst>
-            <a:ext uri="{909E8E84-426E-40DD-AFC4-6F175D3DCCD1}">
-              <a14:hiddenFill xmlns:a14="http://schemas.microsoft.com/office/drawing/2010/main">
-                <a:solidFill>
-                  <a:srgbClr val="FFFFFF"/>
-                </a:solidFill>
-              </a14:hiddenFill>
-            </a:ext>
-          </a:extLst>
-        </p:spPr>
-        <p:txBody>
-          <a:bodyPr vert="horz" wrap="square" lIns="91440" tIns="45720" rIns="91440" bIns="45720" numCol="1" anchor="t" anchorCtr="0" compatLnSpc="1">
-            <a:prstTxWarp prst="textNoShape">
-              <a:avLst/>
-            </a:prstTxWarp>
-          </a:bodyPr>
-          <a:lstStyle/>
-          <a:p>
-            <a:endParaRPr lang="en-US"/>
-          </a:p>
-        </p:txBody>
-      </p:sp>
-      <p:sp>
-        <p:nvSpPr>
-          <p:cNvPr id="3" name="AutoShape 4" descr=" ">
-            <a:extLst>
-              <a:ext uri="{FF2B5EF4-FFF2-40B4-BE49-F238E27FC236}">
-                <a16:creationId xmlns:a16="http://schemas.microsoft.com/office/drawing/2014/main" id="{D933B68E-56B1-4D9A-95B9-E25C2038DB03}"/>
-              </a:ext>
-            </a:extLst>
-          </p:cNvPr>
-          <p:cNvSpPr>
-            <a:spLocks noChangeAspect="1" noChangeArrowheads="1"/>
-          </p:cNvSpPr>
-          <p:nvPr/>
-        </p:nvSpPr>
-        <p:spPr bwMode="auto">
-          <a:xfrm>
-            <a:off x="6096000" y="3429000"/>
-            <a:ext cx="304800" cy="304800"/>
-          </a:xfrm>
-          <a:prstGeom prst="rect">
-            <a:avLst/>
-          </a:prstGeom>
-          <a:noFill/>
-          <a:extLst>
-            <a:ext uri="{909E8E84-426E-40DD-AFC4-6F175D3DCCD1}">
-              <a14:hiddenFill xmlns:a14="http://schemas.microsoft.com/office/drawing/2010/main">
-                <a:solidFill>
-                  <a:srgbClr val="FFFFFF"/>
-                </a:solidFill>
-              </a14:hiddenFill>
-            </a:ext>
-          </a:extLst>
-        </p:spPr>
-        <p:txBody>
-          <a:bodyPr vert="horz" wrap="square" lIns="91440" tIns="45720" rIns="91440" bIns="45720" numCol="1" anchor="t" anchorCtr="0" compatLnSpc="1">
-            <a:prstTxWarp prst="textNoShape">
-              <a:avLst/>
-            </a:prstTxWarp>
-          </a:bodyPr>
-          <a:lstStyle/>
-          <a:p>
-            <a:endParaRPr lang="en-US"/>
-          </a:p>
-        </p:txBody>
-      </p:sp>
       <p:pic>
         <p:nvPicPr>
-          <p:cNvPr id="5" name="Picture 4">
-            <a:extLst>
-              <a:ext uri="{FF2B5EF4-FFF2-40B4-BE49-F238E27FC236}">
-                <a16:creationId xmlns:a16="http://schemas.microsoft.com/office/drawing/2014/main" id="{03838922-6574-4562-9823-A20DD003561F}"/>
-              </a:ext>
-            </a:extLst>
-          </p:cNvPr>
+          <p:cNvPr id="4" name="Picture 3"/>
           <p:cNvPicPr>
             <a:picLocks noChangeAspect="1"/>
           </p:cNvPicPr>
           <p:nvPr/>
         </p:nvPicPr>
         <p:blipFill>
-          <a:blip r:embed="rId5">
+          <a:blip r:embed="rId4">
             <a:extLst>
               <a:ext uri="{28A0092B-C50C-407E-A947-70E740481C1C}">
                 <a14:useLocalDpi xmlns:a14="http://schemas.microsoft.com/office/drawing/2010/main" val="0"/>
@@ -11726,8 +11679,8 @@
         </p:blipFill>
         <p:spPr>
           <a:xfrm>
-            <a:off x="6906122" y="3805133"/>
-            <a:ext cx="3987902" cy="2241286"/>
+            <a:off x="-538496" y="-2482770"/>
+            <a:ext cx="10171472" cy="7459883"/>
           </a:xfrm>
           <a:prstGeom prst="rect">
             <a:avLst/>
@@ -11736,65 +11689,14 @@
       </p:pic>
       <p:sp>
         <p:nvSpPr>
-          <p:cNvPr id="6" name="AutoShape 6" descr=" ">
-            <a:extLst>
-              <a:ext uri="{FF2B5EF4-FFF2-40B4-BE49-F238E27FC236}">
-                <a16:creationId xmlns:a16="http://schemas.microsoft.com/office/drawing/2014/main" id="{DC4C3A35-8A65-4BA5-BACA-77889C5605DE}"/>
-              </a:ext>
-            </a:extLst>
-          </p:cNvPr>
-          <p:cNvSpPr>
-            <a:spLocks noChangeAspect="1" noChangeArrowheads="1"/>
-          </p:cNvSpPr>
-          <p:nvPr/>
-        </p:nvSpPr>
-        <p:spPr bwMode="auto">
-          <a:xfrm>
-            <a:off x="6248400" y="3581400"/>
-            <a:ext cx="304800" cy="304800"/>
-          </a:xfrm>
-          <a:prstGeom prst="rect">
-            <a:avLst/>
-          </a:prstGeom>
-          <a:noFill/>
-          <a:extLst>
-            <a:ext uri="{909E8E84-426E-40DD-AFC4-6F175D3DCCD1}">
-              <a14:hiddenFill xmlns:a14="http://schemas.microsoft.com/office/drawing/2010/main">
-                <a:solidFill>
-                  <a:srgbClr val="FFFFFF"/>
-                </a:solidFill>
-              </a14:hiddenFill>
-            </a:ext>
-          </a:extLst>
-        </p:spPr>
-        <p:txBody>
-          <a:bodyPr vert="horz" wrap="square" lIns="91440" tIns="45720" rIns="91440" bIns="45720" numCol="1" anchor="t" anchorCtr="0" compatLnSpc="1">
-            <a:prstTxWarp prst="textNoShape">
-              <a:avLst/>
-            </a:prstTxWarp>
-          </a:bodyPr>
-          <a:lstStyle/>
-          <a:p>
-            <a:endParaRPr lang="en-US"/>
-          </a:p>
-        </p:txBody>
-      </p:sp>
-      <p:sp>
-        <p:nvSpPr>
-          <p:cNvPr id="17" name="TextBox 16">
-            <a:extLst>
-              <a:ext uri="{FF2B5EF4-FFF2-40B4-BE49-F238E27FC236}">
-                <a16:creationId xmlns:a16="http://schemas.microsoft.com/office/drawing/2014/main" id="{B9B4F96E-8B41-483C-A2B6-35267541CD58}"/>
-              </a:ext>
-            </a:extLst>
-          </p:cNvPr>
+          <p:cNvPr id="11" name="TextBox 10"/>
           <p:cNvSpPr txBox="1"/>
           <p:nvPr/>
         </p:nvSpPr>
         <p:spPr>
           <a:xfrm>
-            <a:off x="0" y="6542749"/>
-            <a:ext cx="9799936" cy="369332"/>
+            <a:off x="324091" y="1687545"/>
+            <a:ext cx="7986531" cy="523220"/>
           </a:xfrm>
           <a:prstGeom prst="rect">
             <a:avLst/>
@@ -11802,14 +11704,19 @@
           <a:noFill/>
         </p:spPr>
         <p:txBody>
-          <a:bodyPr wrap="square">
+          <a:bodyPr wrap="square" rtlCol="0">
             <a:spAutoFit/>
           </a:bodyPr>
           <a:lstStyle/>
           <a:p>
             <a:r>
-              <a:rPr lang="en-US" dirty="0"/>
-              <a:t>https://cloudblogs.microsoft.com/windowsserver/2015/05/06/microsoft-loves-linux/</a:t>
+              <a:rPr lang="en-US" sz="2800" b="1" dirty="0">
+                <a:solidFill>
+                  <a:srgbClr val="707070"/>
+                </a:solidFill>
+                <a:latin typeface="Pragmatica" panose="020B0403040502020204" pitchFamily="34" charset="0"/>
+              </a:rPr>
+              <a:t>Questions?</a:t>
             </a:r>
           </a:p>
         </p:txBody>
@@ -11817,7 +11724,114 @@
     </p:spTree>
     <p:extLst>
       <p:ext uri="{BB962C8B-B14F-4D97-AF65-F5344CB8AC3E}">
-        <p14:creationId xmlns:p14="http://schemas.microsoft.com/office/powerpoint/2010/main" val="672356152"/>
+        <p14:creationId xmlns:p14="http://schemas.microsoft.com/office/powerpoint/2010/main" val="445738153"/>
+      </p:ext>
+    </p:extLst>
+  </p:cSld>
+  <p:clrMapOvr>
+    <a:masterClrMapping/>
+  </p:clrMapOvr>
+</p:sld>
+</file>
+
+<file path=ppt/slides/slide4.xml><?xml version="1.0" encoding="utf-8"?>
+<p:sld xmlns:a="http://schemas.openxmlformats.org/drawingml/2006/main" xmlns:r="http://schemas.openxmlformats.org/officeDocument/2006/relationships" xmlns:p="http://schemas.openxmlformats.org/presentationml/2006/main">
+  <p:cSld>
+    <p:spTree>
+      <p:nvGrpSpPr>
+        <p:cNvPr id="1" name=""/>
+        <p:cNvGrpSpPr/>
+        <p:nvPr/>
+      </p:nvGrpSpPr>
+      <p:grpSpPr>
+        <a:xfrm>
+          <a:off x="0" y="0"/>
+          <a:ext cx="0" cy="0"/>
+          <a:chOff x="0" y="0"/>
+          <a:chExt cx="0" cy="0"/>
+        </a:xfrm>
+      </p:grpSpPr>
+      <p:sp>
+        <p:nvSpPr>
+          <p:cNvPr id="4" name="Rectangle 3"/>
+          <p:cNvSpPr/>
+          <p:nvPr/>
+        </p:nvSpPr>
+        <p:spPr>
+          <a:xfrm>
+            <a:off x="0" y="0"/>
+            <a:ext cx="12192000" cy="6858000"/>
+          </a:xfrm>
+          <a:prstGeom prst="rect">
+            <a:avLst/>
+          </a:prstGeom>
+          <a:solidFill>
+            <a:srgbClr val="CF3338"/>
+          </a:solidFill>
+        </p:spPr>
+        <p:style>
+          <a:lnRef idx="2">
+            <a:schemeClr val="accent1">
+              <a:shade val="50000"/>
+            </a:schemeClr>
+          </a:lnRef>
+          <a:fillRef idx="1">
+            <a:schemeClr val="accent1"/>
+          </a:fillRef>
+          <a:effectRef idx="0">
+            <a:schemeClr val="accent1"/>
+          </a:effectRef>
+          <a:fontRef idx="minor">
+            <a:schemeClr val="lt1"/>
+          </a:fontRef>
+        </p:style>
+        <p:txBody>
+          <a:bodyPr rtlCol="0" anchor="ctr"/>
+          <a:lstStyle/>
+          <a:p>
+            <a:pPr algn="ctr"/>
+            <a:endParaRPr lang="en-US"/>
+          </a:p>
+        </p:txBody>
+      </p:sp>
+      <p:sp>
+        <p:nvSpPr>
+          <p:cNvPr id="5" name="TextBox 4"/>
+          <p:cNvSpPr txBox="1"/>
+          <p:nvPr/>
+        </p:nvSpPr>
+        <p:spPr>
+          <a:xfrm>
+            <a:off x="520861" y="393539"/>
+            <a:ext cx="10324617" cy="3139321"/>
+          </a:xfrm>
+          <a:prstGeom prst="rect">
+            <a:avLst/>
+          </a:prstGeom>
+          <a:noFill/>
+        </p:spPr>
+        <p:txBody>
+          <a:bodyPr wrap="square" rtlCol="0">
+            <a:spAutoFit/>
+          </a:bodyPr>
+          <a:lstStyle/>
+          <a:p>
+            <a:r>
+              <a:rPr lang="en-US" sz="6600" b="1" dirty="0">
+                <a:solidFill>
+                  <a:schemeClr val="bg1"/>
+                </a:solidFill>
+                <a:latin typeface="Pragmatica" panose="020B0403040502020204"/>
+              </a:rPr>
+              <a:t>1. Open source means a license to build and distribute</a:t>
+            </a:r>
+          </a:p>
+        </p:txBody>
+      </p:sp>
+    </p:spTree>
+    <p:extLst>
+      <p:ext uri="{BB962C8B-B14F-4D97-AF65-F5344CB8AC3E}">
+        <p14:creationId xmlns:p14="http://schemas.microsoft.com/office/powerpoint/2010/main" val="2967702006"/>
       </p:ext>
     </p:extLst>
   </p:cSld>
@@ -11899,6 +11913,380 @@
               <a:rPr lang="en-US" sz="6000" dirty="0">
                 <a:latin typeface="Aliens &amp; cows" panose="00000500000000000000" pitchFamily="2" charset="0"/>
               </a:rPr>
+              <a:t>What is open source? </a:t>
+            </a:r>
+          </a:p>
+        </p:txBody>
+      </p:sp>
+      <p:sp>
+        <p:nvSpPr>
+          <p:cNvPr id="14" name="TextBox 13">
+            <a:extLst>
+              <a:ext uri="{FF2B5EF4-FFF2-40B4-BE49-F238E27FC236}">
+                <a16:creationId xmlns:a16="http://schemas.microsoft.com/office/drawing/2014/main" id="{987BDCDF-757F-4E48-9C6B-C8C1CA6B94EC}"/>
+              </a:ext>
+            </a:extLst>
+          </p:cNvPr>
+          <p:cNvSpPr txBox="1"/>
+          <p:nvPr/>
+        </p:nvSpPr>
+        <p:spPr>
+          <a:xfrm>
+            <a:off x="462987" y="1365813"/>
+            <a:ext cx="6626071" cy="3108543"/>
+          </a:xfrm>
+          <a:prstGeom prst="rect">
+            <a:avLst/>
+          </a:prstGeom>
+          <a:noFill/>
+        </p:spPr>
+        <p:txBody>
+          <a:bodyPr wrap="square" rtlCol="0">
+            <a:spAutoFit/>
+          </a:bodyPr>
+          <a:lstStyle/>
+          <a:p>
+            <a:r>
+              <a:rPr lang="en-US" sz="2800" dirty="0">
+                <a:solidFill>
+                  <a:srgbClr val="707070"/>
+                </a:solidFill>
+                <a:latin typeface="Pragmatica" panose="020B0403040502020204" pitchFamily="34" charset="0"/>
+              </a:rPr>
+              <a:t>“… code that is designed to be publicly accessible—anyone can see, modify, and distribute the code as they see fit.”</a:t>
+            </a:r>
+          </a:p>
+          <a:p>
+            <a:r>
+              <a:rPr lang="en-US" sz="2800" dirty="0">
+                <a:solidFill>
+                  <a:srgbClr val="707070"/>
+                </a:solidFill>
+                <a:latin typeface="Pragmatica" panose="020B0403040502020204" pitchFamily="34" charset="0"/>
+              </a:rPr>
+              <a:t>	</a:t>
+            </a:r>
+          </a:p>
+          <a:p>
+            <a:r>
+              <a:rPr lang="en-US" sz="2800" dirty="0">
+                <a:solidFill>
+                  <a:srgbClr val="707070"/>
+                </a:solidFill>
+                <a:latin typeface="Pragmatica" panose="020B0403040502020204" pitchFamily="34" charset="0"/>
+              </a:rPr>
+              <a:t>	- </a:t>
+            </a:r>
+            <a:r>
+              <a:rPr lang="en-US" sz="2800" dirty="0">
+                <a:solidFill>
+                  <a:srgbClr val="707070"/>
+                </a:solidFill>
+                <a:latin typeface="Pragmatica" panose="020B0403040502020204" pitchFamily="34" charset="0"/>
+                <a:hlinkClick r:id="rId4"/>
+              </a:rPr>
+              <a:t>Red Hat, “What is open source?”</a:t>
+            </a:r>
+            <a:endParaRPr lang="en-US" sz="2800" dirty="0">
+              <a:solidFill>
+                <a:srgbClr val="707070"/>
+              </a:solidFill>
+              <a:latin typeface="Pragmatica" panose="020B0403040502020204" pitchFamily="34" charset="0"/>
+            </a:endParaRPr>
+          </a:p>
+        </p:txBody>
+      </p:sp>
+      <p:sp>
+        <p:nvSpPr>
+          <p:cNvPr id="2" name="AutoShape 2" descr=" ">
+            <a:extLst>
+              <a:ext uri="{FF2B5EF4-FFF2-40B4-BE49-F238E27FC236}">
+                <a16:creationId xmlns:a16="http://schemas.microsoft.com/office/drawing/2014/main" id="{286C5CAD-5FED-4FFC-8152-A938406CA40D}"/>
+              </a:ext>
+            </a:extLst>
+          </p:cNvPr>
+          <p:cNvSpPr>
+            <a:spLocks noChangeAspect="1" noChangeArrowheads="1"/>
+          </p:cNvSpPr>
+          <p:nvPr/>
+        </p:nvSpPr>
+        <p:spPr bwMode="auto">
+          <a:xfrm>
+            <a:off x="5943600" y="3276600"/>
+            <a:ext cx="304800" cy="304800"/>
+          </a:xfrm>
+          <a:prstGeom prst="rect">
+            <a:avLst/>
+          </a:prstGeom>
+          <a:noFill/>
+          <a:extLst>
+            <a:ext uri="{909E8E84-426E-40DD-AFC4-6F175D3DCCD1}">
+              <a14:hiddenFill xmlns:a14="http://schemas.microsoft.com/office/drawing/2010/main">
+                <a:solidFill>
+                  <a:srgbClr val="FFFFFF"/>
+                </a:solidFill>
+              </a14:hiddenFill>
+            </a:ext>
+          </a:extLst>
+        </p:spPr>
+        <p:txBody>
+          <a:bodyPr vert="horz" wrap="square" lIns="91440" tIns="45720" rIns="91440" bIns="45720" numCol="1" anchor="t" anchorCtr="0" compatLnSpc="1">
+            <a:prstTxWarp prst="textNoShape">
+              <a:avLst/>
+            </a:prstTxWarp>
+          </a:bodyPr>
+          <a:lstStyle/>
+          <a:p>
+            <a:endParaRPr lang="en-US"/>
+          </a:p>
+        </p:txBody>
+      </p:sp>
+      <p:sp>
+        <p:nvSpPr>
+          <p:cNvPr id="3" name="AutoShape 4" descr=" ">
+            <a:extLst>
+              <a:ext uri="{FF2B5EF4-FFF2-40B4-BE49-F238E27FC236}">
+                <a16:creationId xmlns:a16="http://schemas.microsoft.com/office/drawing/2014/main" id="{D933B68E-56B1-4D9A-95B9-E25C2038DB03}"/>
+              </a:ext>
+            </a:extLst>
+          </p:cNvPr>
+          <p:cNvSpPr>
+            <a:spLocks noChangeAspect="1" noChangeArrowheads="1"/>
+          </p:cNvSpPr>
+          <p:nvPr/>
+        </p:nvSpPr>
+        <p:spPr bwMode="auto">
+          <a:xfrm>
+            <a:off x="6096000" y="3429000"/>
+            <a:ext cx="304800" cy="304800"/>
+          </a:xfrm>
+          <a:prstGeom prst="rect">
+            <a:avLst/>
+          </a:prstGeom>
+          <a:noFill/>
+          <a:extLst>
+            <a:ext uri="{909E8E84-426E-40DD-AFC4-6F175D3DCCD1}">
+              <a14:hiddenFill xmlns:a14="http://schemas.microsoft.com/office/drawing/2010/main">
+                <a:solidFill>
+                  <a:srgbClr val="FFFFFF"/>
+                </a:solidFill>
+              </a14:hiddenFill>
+            </a:ext>
+          </a:extLst>
+        </p:spPr>
+        <p:txBody>
+          <a:bodyPr vert="horz" wrap="square" lIns="91440" tIns="45720" rIns="91440" bIns="45720" numCol="1" anchor="t" anchorCtr="0" compatLnSpc="1">
+            <a:prstTxWarp prst="textNoShape">
+              <a:avLst/>
+            </a:prstTxWarp>
+          </a:bodyPr>
+          <a:lstStyle/>
+          <a:p>
+            <a:endParaRPr lang="en-US"/>
+          </a:p>
+        </p:txBody>
+      </p:sp>
+      <p:pic>
+        <p:nvPicPr>
+          <p:cNvPr id="5" name="Picture 4">
+            <a:extLst>
+              <a:ext uri="{FF2B5EF4-FFF2-40B4-BE49-F238E27FC236}">
+                <a16:creationId xmlns:a16="http://schemas.microsoft.com/office/drawing/2014/main" id="{03838922-6574-4562-9823-A20DD003561F}"/>
+              </a:ext>
+            </a:extLst>
+          </p:cNvPr>
+          <p:cNvPicPr>
+            <a:picLocks noChangeAspect="1"/>
+          </p:cNvPicPr>
+          <p:nvPr/>
+        </p:nvPicPr>
+        <p:blipFill>
+          <a:blip r:embed="rId5">
+            <a:extLst>
+              <a:ext uri="{28A0092B-C50C-407E-A947-70E740481C1C}">
+                <a14:useLocalDpi xmlns:a14="http://schemas.microsoft.com/office/drawing/2010/main" val="0"/>
+              </a:ext>
+            </a:extLst>
+          </a:blip>
+          <a:stretch>
+            <a:fillRect/>
+          </a:stretch>
+        </p:blipFill>
+        <p:spPr>
+          <a:xfrm>
+            <a:off x="6906122" y="3805133"/>
+            <a:ext cx="3987902" cy="2241286"/>
+          </a:xfrm>
+          <a:prstGeom prst="rect">
+            <a:avLst/>
+          </a:prstGeom>
+        </p:spPr>
+      </p:pic>
+      <p:sp>
+        <p:nvSpPr>
+          <p:cNvPr id="6" name="AutoShape 6" descr=" ">
+            <a:extLst>
+              <a:ext uri="{FF2B5EF4-FFF2-40B4-BE49-F238E27FC236}">
+                <a16:creationId xmlns:a16="http://schemas.microsoft.com/office/drawing/2014/main" id="{DC4C3A35-8A65-4BA5-BACA-77889C5605DE}"/>
+              </a:ext>
+            </a:extLst>
+          </p:cNvPr>
+          <p:cNvSpPr>
+            <a:spLocks noChangeAspect="1" noChangeArrowheads="1"/>
+          </p:cNvSpPr>
+          <p:nvPr/>
+        </p:nvSpPr>
+        <p:spPr bwMode="auto">
+          <a:xfrm>
+            <a:off x="6248400" y="3581400"/>
+            <a:ext cx="304800" cy="304800"/>
+          </a:xfrm>
+          <a:prstGeom prst="rect">
+            <a:avLst/>
+          </a:prstGeom>
+          <a:noFill/>
+          <a:extLst>
+            <a:ext uri="{909E8E84-426E-40DD-AFC4-6F175D3DCCD1}">
+              <a14:hiddenFill xmlns:a14="http://schemas.microsoft.com/office/drawing/2010/main">
+                <a:solidFill>
+                  <a:srgbClr val="FFFFFF"/>
+                </a:solidFill>
+              </a14:hiddenFill>
+            </a:ext>
+          </a:extLst>
+        </p:spPr>
+        <p:txBody>
+          <a:bodyPr vert="horz" wrap="square" lIns="91440" tIns="45720" rIns="91440" bIns="45720" numCol="1" anchor="t" anchorCtr="0" compatLnSpc="1">
+            <a:prstTxWarp prst="textNoShape">
+              <a:avLst/>
+            </a:prstTxWarp>
+          </a:bodyPr>
+          <a:lstStyle/>
+          <a:p>
+            <a:endParaRPr lang="en-US"/>
+          </a:p>
+        </p:txBody>
+      </p:sp>
+      <p:sp>
+        <p:nvSpPr>
+          <p:cNvPr id="17" name="TextBox 16">
+            <a:extLst>
+              <a:ext uri="{FF2B5EF4-FFF2-40B4-BE49-F238E27FC236}">
+                <a16:creationId xmlns:a16="http://schemas.microsoft.com/office/drawing/2014/main" id="{B9B4F96E-8B41-483C-A2B6-35267541CD58}"/>
+              </a:ext>
+            </a:extLst>
+          </p:cNvPr>
+          <p:cNvSpPr txBox="1"/>
+          <p:nvPr/>
+        </p:nvSpPr>
+        <p:spPr>
+          <a:xfrm>
+            <a:off x="0" y="6542749"/>
+            <a:ext cx="9799936" cy="369332"/>
+          </a:xfrm>
+          <a:prstGeom prst="rect">
+            <a:avLst/>
+          </a:prstGeom>
+          <a:noFill/>
+        </p:spPr>
+        <p:txBody>
+          <a:bodyPr wrap="square">
+            <a:spAutoFit/>
+          </a:bodyPr>
+          <a:lstStyle/>
+          <a:p>
+            <a:r>
+              <a:rPr lang="en-US" dirty="0"/>
+              <a:t>https://cloudblogs.microsoft.com/windowsserver/2015/05/06/microsoft-loves-linux/</a:t>
+            </a:r>
+          </a:p>
+        </p:txBody>
+      </p:sp>
+    </p:spTree>
+    <p:extLst>
+      <p:ext uri="{BB962C8B-B14F-4D97-AF65-F5344CB8AC3E}">
+        <p14:creationId xmlns:p14="http://schemas.microsoft.com/office/powerpoint/2010/main" val="672356152"/>
+      </p:ext>
+    </p:extLst>
+  </p:cSld>
+  <p:clrMapOvr>
+    <a:masterClrMapping/>
+  </p:clrMapOvr>
+</p:sld>
+</file>
+
+<file path=ppt/slides/slide6.xml><?xml version="1.0" encoding="utf-8"?>
+<p:sld xmlns:a="http://schemas.openxmlformats.org/drawingml/2006/main" xmlns:r="http://schemas.openxmlformats.org/officeDocument/2006/relationships" xmlns:p="http://schemas.openxmlformats.org/presentationml/2006/main">
+  <p:cSld>
+    <p:spTree>
+      <p:nvGrpSpPr>
+        <p:cNvPr id="1" name=""/>
+        <p:cNvGrpSpPr/>
+        <p:nvPr/>
+      </p:nvGrpSpPr>
+      <p:grpSpPr>
+        <a:xfrm>
+          <a:off x="0" y="0"/>
+          <a:ext cx="0" cy="0"/>
+          <a:chOff x="0" y="0"/>
+          <a:chExt cx="0" cy="0"/>
+        </a:xfrm>
+      </p:grpSpPr>
+      <p:pic>
+        <p:nvPicPr>
+          <p:cNvPr id="10" name="Picture 9"/>
+          <p:cNvPicPr>
+            <a:picLocks noChangeAspect="1"/>
+          </p:cNvPicPr>
+          <p:nvPr/>
+        </p:nvPicPr>
+        <p:blipFill rotWithShape="1">
+          <a:blip r:embed="rId3">
+            <a:extLst>
+              <a:ext uri="{28A0092B-C50C-407E-A947-70E740481C1C}">
+                <a14:useLocalDpi xmlns:a14="http://schemas.microsoft.com/office/drawing/2010/main" val="0"/>
+              </a:ext>
+            </a:extLst>
+          </a:blip>
+          <a:srcRect l="50728" t="56371"/>
+          <a:stretch/>
+        </p:blipFill>
+        <p:spPr>
+          <a:xfrm>
+            <a:off x="10894024" y="5370653"/>
+            <a:ext cx="1297975" cy="1487348"/>
+          </a:xfrm>
+          <a:prstGeom prst="rect">
+            <a:avLst/>
+          </a:prstGeom>
+        </p:spPr>
+      </p:pic>
+      <p:sp>
+        <p:nvSpPr>
+          <p:cNvPr id="11" name="TextBox 10"/>
+          <p:cNvSpPr txBox="1"/>
+          <p:nvPr/>
+        </p:nvSpPr>
+        <p:spPr>
+          <a:xfrm>
+            <a:off x="347240" y="113388"/>
+            <a:ext cx="9799937" cy="1015663"/>
+          </a:xfrm>
+          <a:prstGeom prst="rect">
+            <a:avLst/>
+          </a:prstGeom>
+          <a:noFill/>
+        </p:spPr>
+        <p:txBody>
+          <a:bodyPr wrap="square" rtlCol="0">
+            <a:spAutoFit/>
+          </a:bodyPr>
+          <a:lstStyle/>
+          <a:p>
+            <a:r>
+              <a:rPr lang="en-US" sz="6000" dirty="0">
+                <a:latin typeface="Aliens &amp; cows" panose="00000500000000000000" pitchFamily="2" charset="0"/>
+              </a:rPr>
               <a:t>Python+ Anaconda + </a:t>
             </a:r>
             <a:r>
@@ -11946,7 +12334,7 @@
               <a:rPr lang="en-US" sz="2400" dirty="0">
                 <a:latin typeface="Pragmatica" pitchFamily="2" charset="0"/>
               </a:rPr>
-              <a:t>The distribution of code &amp; apps</a:t>
+              <a:t>The “distribution” of code &amp; apps</a:t>
             </a:r>
           </a:p>
           <a:p>
@@ -12235,7 +12623,7 @@
 </p:sld>
 </file>
 
-<file path=ppt/slides/slide6.xml><?xml version="1.0" encoding="utf-8"?>
+<file path=ppt/slides/slide7.xml><?xml version="1.0" encoding="utf-8"?>
 <p:sld xmlns:a="http://schemas.openxmlformats.org/drawingml/2006/main" xmlns:r="http://schemas.openxmlformats.org/officeDocument/2006/relationships" xmlns:p="http://schemas.openxmlformats.org/presentationml/2006/main">
   <p:cSld>
     <p:spTree>
@@ -12380,6 +12768,34 @@
           </a:bodyPr>
           <a:lstStyle/>
           <a:p>
+            <a:r>
+              <a:rPr lang="en-US" sz="2800" b="1" dirty="0">
+                <a:solidFill>
+                  <a:srgbClr val="CF3338"/>
+                </a:solidFill>
+                <a:latin typeface="Pragmatica" pitchFamily="2" charset="0"/>
+              </a:rPr>
+              <a:t>File: </a:t>
+            </a:r>
+            <a:r>
+              <a:rPr lang="en-US" sz="2800" b="1" dirty="0">
+                <a:solidFill>
+                  <a:srgbClr val="CF3338"/>
+                </a:solidFill>
+                <a:latin typeface="Consolas" panose="020B0609020204030204" pitchFamily="49" charset="0"/>
+              </a:rPr>
+              <a:t>downloading-anaconda.docx</a:t>
+            </a:r>
+          </a:p>
+          <a:p>
+            <a:endParaRPr lang="en-US" sz="2800" b="1" dirty="0">
+              <a:solidFill>
+                <a:srgbClr val="CF3338"/>
+              </a:solidFill>
+              <a:latin typeface="Pragmatica" pitchFamily="2" charset="0"/>
+            </a:endParaRPr>
+          </a:p>
+          <a:p>
             <a:pPr marL="514350" indent="-514350">
               <a:buAutoNum type="arabicPeriod"/>
             </a:pPr>
@@ -12423,37 +12839,6 @@
                 <a:latin typeface="Pragmatica" pitchFamily="2" charset="0"/>
               </a:rPr>
               <a:t> at 1+1…</a:t>
-            </a:r>
-          </a:p>
-          <a:p>
-            <a:pPr marL="514350" indent="-514350">
-              <a:buAutoNum type="arabicPeriod"/>
-            </a:pPr>
-            <a:endParaRPr lang="en-US" sz="2800" b="1" dirty="0">
-              <a:solidFill>
-                <a:srgbClr val="CF3338"/>
-              </a:solidFill>
-              <a:latin typeface="Pragmatica" pitchFamily="2" charset="0"/>
-            </a:endParaRPr>
-          </a:p>
-          <a:p>
-            <a:r>
-              <a:rPr lang="en-US" sz="2800" b="1" dirty="0">
-                <a:solidFill>
-                  <a:srgbClr val="CF3338"/>
-                </a:solidFill>
-                <a:latin typeface="Pragmatica" pitchFamily="2" charset="0"/>
-              </a:rPr>
-              <a:t>File: </a:t>
-            </a:r>
-            <a:r>
-              <a:rPr lang="en-US" sz="2800" b="1" dirty="0">
-                <a:solidFill>
-                  <a:srgbClr val="CF3338"/>
-                </a:solidFill>
-                <a:latin typeface="Consolas" panose="020B0609020204030204" pitchFamily="49" charset="0"/>
-              </a:rPr>
-              <a:t>downloading-anaconda.docx</a:t>
             </a:r>
           </a:p>
           <a:p>
@@ -12677,7 +13062,7 @@
 </p:sld>
 </file>
 
-<file path=ppt/slides/slide7.xml><?xml version="1.0" encoding="utf-8"?>
+<file path=ppt/slides/slide8.xml><?xml version="1.0" encoding="utf-8"?>
 <p:sld xmlns:a="http://schemas.openxmlformats.org/drawingml/2006/main" xmlns:r="http://schemas.openxmlformats.org/officeDocument/2006/relationships" xmlns:p="http://schemas.openxmlformats.org/presentationml/2006/main">
   <p:cSld>
     <p:spTree>
@@ -12784,7 +13169,7 @@
 </p:sld>
 </file>
 
-<file path=ppt/slides/slide8.xml><?xml version="1.0" encoding="utf-8"?>
+<file path=ppt/slides/slide9.xml><?xml version="1.0" encoding="utf-8"?>
 <p:sld xmlns:a="http://schemas.openxmlformats.org/drawingml/2006/main" xmlns:r="http://schemas.openxmlformats.org/officeDocument/2006/relationships" xmlns:p="http://schemas.openxmlformats.org/presentationml/2006/main">
   <p:cSld>
     <p:spTree>
@@ -13047,113 +13432,6 @@
     <p:extLst>
       <p:ext uri="{BB962C8B-B14F-4D97-AF65-F5344CB8AC3E}">
         <p14:creationId xmlns:p14="http://schemas.microsoft.com/office/powerpoint/2010/main" val="3395063419"/>
-      </p:ext>
-    </p:extLst>
-  </p:cSld>
-  <p:clrMapOvr>
-    <a:masterClrMapping/>
-  </p:clrMapOvr>
-</p:sld>
-</file>
-
-<file path=ppt/slides/slide9.xml><?xml version="1.0" encoding="utf-8"?>
-<p:sld xmlns:a="http://schemas.openxmlformats.org/drawingml/2006/main" xmlns:r="http://schemas.openxmlformats.org/officeDocument/2006/relationships" xmlns:p="http://schemas.openxmlformats.org/presentationml/2006/main">
-  <p:cSld>
-    <p:spTree>
-      <p:nvGrpSpPr>
-        <p:cNvPr id="1" name=""/>
-        <p:cNvGrpSpPr/>
-        <p:nvPr/>
-      </p:nvGrpSpPr>
-      <p:grpSpPr>
-        <a:xfrm>
-          <a:off x="0" y="0"/>
-          <a:ext cx="0" cy="0"/>
-          <a:chOff x="0" y="0"/>
-          <a:chExt cx="0" cy="0"/>
-        </a:xfrm>
-      </p:grpSpPr>
-      <p:sp>
-        <p:nvSpPr>
-          <p:cNvPr id="4" name="Rectangle 3"/>
-          <p:cNvSpPr/>
-          <p:nvPr/>
-        </p:nvSpPr>
-        <p:spPr>
-          <a:xfrm>
-            <a:off x="0" y="0"/>
-            <a:ext cx="12192000" cy="6858000"/>
-          </a:xfrm>
-          <a:prstGeom prst="rect">
-            <a:avLst/>
-          </a:prstGeom>
-          <a:solidFill>
-            <a:srgbClr val="CF3338"/>
-          </a:solidFill>
-        </p:spPr>
-        <p:style>
-          <a:lnRef idx="2">
-            <a:schemeClr val="accent1">
-              <a:shade val="50000"/>
-            </a:schemeClr>
-          </a:lnRef>
-          <a:fillRef idx="1">
-            <a:schemeClr val="accent1"/>
-          </a:fillRef>
-          <a:effectRef idx="0">
-            <a:schemeClr val="accent1"/>
-          </a:effectRef>
-          <a:fontRef idx="minor">
-            <a:schemeClr val="lt1"/>
-          </a:fontRef>
-        </p:style>
-        <p:txBody>
-          <a:bodyPr rtlCol="0" anchor="ctr"/>
-          <a:lstStyle/>
-          <a:p>
-            <a:pPr algn="ctr"/>
-            <a:endParaRPr lang="en-US"/>
-          </a:p>
-        </p:txBody>
-      </p:sp>
-      <p:sp>
-        <p:nvSpPr>
-          <p:cNvPr id="5" name="TextBox 4"/>
-          <p:cNvSpPr txBox="1"/>
-          <p:nvPr/>
-        </p:nvSpPr>
-        <p:spPr>
-          <a:xfrm>
-            <a:off x="520861" y="393539"/>
-            <a:ext cx="10324617" cy="2123658"/>
-          </a:xfrm>
-          <a:prstGeom prst="rect">
-            <a:avLst/>
-          </a:prstGeom>
-          <a:noFill/>
-        </p:spPr>
-        <p:txBody>
-          <a:bodyPr wrap="square" rtlCol="0">
-            <a:spAutoFit/>
-          </a:bodyPr>
-          <a:lstStyle/>
-          <a:p>
-            <a:r>
-              <a:rPr lang="en-US" sz="6600" b="1" dirty="0">
-                <a:solidFill>
-                  <a:schemeClr val="bg1"/>
-                </a:solidFill>
-                <a:latin typeface="Pragmatica" panose="020B0403040502020204"/>
-              </a:rPr>
-              <a:t>3. There’s a package for that!</a:t>
-            </a:r>
-          </a:p>
-        </p:txBody>
-      </p:sp>
-    </p:spTree>
-    <p:extLst>
-      <p:ext uri="{BB962C8B-B14F-4D97-AF65-F5344CB8AC3E}">
-        <p14:creationId xmlns:p14="http://schemas.microsoft.com/office/powerpoint/2010/main" val="858187301"/>
       </p:ext>
     </p:extLst>
   </p:cSld>
